--- a/presentation/Google Trends as a Sentiment Indicator in Algorithmic - less verbal.pptx
+++ b/presentation/Google Trends as a Sentiment Indicator in Algorithmic - less verbal.pptx
@@ -5,23 +5,21 @@
     <p:sldMasterId id="2147483648" r:id="rId4"/>
   </p:sldMasterIdLst>
   <p:notesMasterIdLst>
-    <p:notesMasterId r:id="rId16"/>
+    <p:notesMasterId r:id="rId14"/>
   </p:notesMasterIdLst>
   <p:handoutMasterIdLst>
-    <p:handoutMasterId r:id="rId17"/>
+    <p:handoutMasterId r:id="rId15"/>
   </p:handoutMasterIdLst>
   <p:sldIdLst>
     <p:sldId id="256" r:id="rId5"/>
     <p:sldId id="285" r:id="rId6"/>
     <p:sldId id="280" r:id="rId7"/>
-    <p:sldId id="286" r:id="rId8"/>
-    <p:sldId id="282" r:id="rId9"/>
-    <p:sldId id="258" r:id="rId10"/>
-    <p:sldId id="287" r:id="rId11"/>
-    <p:sldId id="288" r:id="rId12"/>
-    <p:sldId id="290" r:id="rId13"/>
-    <p:sldId id="289" r:id="rId14"/>
-    <p:sldId id="281" r:id="rId15"/>
+    <p:sldId id="258" r:id="rId8"/>
+    <p:sldId id="288" r:id="rId9"/>
+    <p:sldId id="292" r:id="rId10"/>
+    <p:sldId id="289" r:id="rId11"/>
+    <p:sldId id="291" r:id="rId12"/>
+    <p:sldId id="281" r:id="rId13"/>
   </p:sldIdLst>
   <p:sldSz cx="12192000" cy="6858000"/>
   <p:notesSz cx="6858000" cy="9144000"/>
@@ -231,7 +229,7 @@
           <a:p>
             <a:fld id="{B56F32FC-4BD9-442A-A8C6-51598C909FE3}" type="datetimeFigureOut">
               <a:rPr lang="en-US" smtClean="0"/>
-              <a:t>7/14/2024</a:t>
+              <a:t>7/16/2024</a:t>
             </a:fld>
             <a:endParaRPr lang="en-US" dirty="0"/>
           </a:p>
@@ -408,7 +406,7 @@
           <a:p>
             <a:fld id="{056371FA-A98D-41E8-93F4-09945841298A}" type="datetimeFigureOut">
               <a:rPr lang="en-US" smtClean="0"/>
-              <a:t>7/14/2024</a:t>
+              <a:t>7/16/2024</a:t>
             </a:fld>
             <a:endParaRPr lang="en-US" dirty="0"/>
           </a:p>
@@ -759,90 +757,6 @@
 </p:notes>
 </file>
 
-<file path=ppt/notesSlides/notesSlide10.xml><?xml version="1.0" encoding="utf-8"?>
-<p:notes xmlns:a="http://schemas.openxmlformats.org/drawingml/2006/main" xmlns:r="http://schemas.openxmlformats.org/officeDocument/2006/relationships" xmlns:p="http://schemas.openxmlformats.org/presentationml/2006/main">
-  <p:cSld>
-    <p:spTree>
-      <p:nvGrpSpPr>
-        <p:cNvPr id="1" name=""/>
-        <p:cNvGrpSpPr/>
-        <p:nvPr/>
-      </p:nvGrpSpPr>
-      <p:grpSpPr>
-        <a:xfrm>
-          <a:off x="0" y="0"/>
-          <a:ext cx="0" cy="0"/>
-          <a:chOff x="0" y="0"/>
-          <a:chExt cx="0" cy="0"/>
-        </a:xfrm>
-      </p:grpSpPr>
-      <p:sp>
-        <p:nvSpPr>
-          <p:cNvPr id="2" name="Slide Image Placeholder 1"/>
-          <p:cNvSpPr>
-            <a:spLocks noGrp="1" noRot="1" noChangeAspect="1"/>
-          </p:cNvSpPr>
-          <p:nvPr>
-            <p:ph type="sldImg"/>
-          </p:nvPr>
-        </p:nvSpPr>
-        <p:spPr/>
-      </p:sp>
-      <p:sp>
-        <p:nvSpPr>
-          <p:cNvPr id="3" name="Notes Placeholder 2"/>
-          <p:cNvSpPr>
-            <a:spLocks noGrp="1"/>
-          </p:cNvSpPr>
-          <p:nvPr>
-            <p:ph type="body" idx="1"/>
-          </p:nvPr>
-        </p:nvSpPr>
-        <p:spPr/>
-        <p:txBody>
-          <a:bodyPr/>
-          <a:lstStyle/>
-          <a:p>
-            <a:endParaRPr lang="en-US" dirty="0"/>
-          </a:p>
-        </p:txBody>
-      </p:sp>
-      <p:sp>
-        <p:nvSpPr>
-          <p:cNvPr id="4" name="Slide Number Placeholder 3"/>
-          <p:cNvSpPr>
-            <a:spLocks noGrp="1"/>
-          </p:cNvSpPr>
-          <p:nvPr>
-            <p:ph type="sldNum" sz="quarter" idx="5"/>
-          </p:nvPr>
-        </p:nvSpPr>
-        <p:spPr/>
-        <p:txBody>
-          <a:bodyPr/>
-          <a:lstStyle/>
-          <a:p>
-            <a:fld id="{22289C57-55D7-40A4-A101-E74FAC7A092B}" type="slidenum">
-              <a:rPr lang="en-US" smtClean="0"/>
-              <a:t>11</a:t>
-            </a:fld>
-            <a:endParaRPr lang="en-US" dirty="0"/>
-          </a:p>
-        </p:txBody>
-      </p:sp>
-    </p:spTree>
-    <p:extLst>
-      <p:ext uri="{BB962C8B-B14F-4D97-AF65-F5344CB8AC3E}">
-        <p14:creationId xmlns:p14="http://schemas.microsoft.com/office/powerpoint/2010/main" val="1025326889"/>
-      </p:ext>
-    </p:extLst>
-  </p:cSld>
-  <p:clrMapOvr>
-    <a:masterClrMapping/>
-  </p:clrMapOvr>
-</p:notes>
-</file>
-
 <file path=ppt/notesSlides/notesSlide2.xml><?xml version="1.0" encoding="utf-8"?>
 <p:notes xmlns:a="http://schemas.openxmlformats.org/drawingml/2006/main" xmlns:r="http://schemas.openxmlformats.org/officeDocument/2006/relationships" xmlns:p="http://schemas.openxmlformats.org/presentationml/2006/main">
   <p:cSld>
@@ -1058,15 +972,170 @@
           <a:bodyPr/>
           <a:lstStyle/>
           <a:p>
-            <a:r>
-              <a:rPr lang="en-US" dirty="0"/>
-              <a:t>Remove</a:t>
-            </a:r>
-            <a:r>
-              <a:rPr lang="he-IL" dirty="0"/>
-              <a:t>?</a:t>
-            </a:r>
-            <a:endParaRPr lang="en-IL" dirty="0"/>
+            <a:pPr marL="0" marR="0" lvl="0" indent="0" algn="l" defTabSz="914400" rtl="0" eaLnBrk="1" fontAlgn="auto" latinLnBrk="0" hangingPunct="1">
+              <a:lnSpc>
+                <a:spcPct val="100000"/>
+              </a:lnSpc>
+              <a:spcBef>
+                <a:spcPts val="0"/>
+              </a:spcBef>
+              <a:spcAft>
+                <a:spcPts val="0"/>
+              </a:spcAft>
+              <a:buClrTx/>
+              <a:buSzTx/>
+              <a:buFontTx/>
+              <a:buNone/>
+              <a:tabLst/>
+              <a:defRPr/>
+            </a:pPr>
+            <a:r>
+              <a:rPr lang="en-US" u="sng" dirty="0"/>
+              <a:t>Original text:</a:t>
+            </a:r>
+          </a:p>
+          <a:p>
+            <a:pPr marL="0" marR="0" lvl="0" indent="0" algn="l" defTabSz="914400" rtl="0" eaLnBrk="1" fontAlgn="auto" latinLnBrk="0" hangingPunct="1">
+              <a:lnSpc>
+                <a:spcPct val="100000"/>
+              </a:lnSpc>
+              <a:spcBef>
+                <a:spcPts val="0"/>
+              </a:spcBef>
+              <a:spcAft>
+                <a:spcPts val="0"/>
+              </a:spcAft>
+              <a:buClrTx/>
+              <a:buSzTx/>
+              <a:buFontTx/>
+              <a:buNone/>
+              <a:tabLst/>
+              <a:defRPr/>
+            </a:pPr>
+            <a:r>
+              <a:rPr lang="en-US" dirty="0"/>
+              <a:t>Simple idea, hard fine tuning. Our algorithm monitors search trends and sentiment analysis of crypto currencies related keywords. When it detects a significant increase in search frequency for a stock, it signals a potential buy opportunity, anticipating a price rise. How exactly? Come check our code!</a:t>
+            </a:r>
+          </a:p>
+          <a:p>
+            <a:pPr marL="0" marR="0" lvl="0" indent="0" algn="l" defTabSz="914400" rtl="0" eaLnBrk="1" fontAlgn="auto" latinLnBrk="0" hangingPunct="1">
+              <a:lnSpc>
+                <a:spcPct val="100000"/>
+              </a:lnSpc>
+              <a:spcBef>
+                <a:spcPts val="0"/>
+              </a:spcBef>
+              <a:spcAft>
+                <a:spcPts val="0"/>
+              </a:spcAft>
+              <a:buClrTx/>
+              <a:buSzTx/>
+              <a:buFontTx/>
+              <a:buNone/>
+              <a:tabLst/>
+              <a:defRPr/>
+            </a:pPr>
+            <a:endParaRPr lang="en-US" dirty="0"/>
+          </a:p>
+          <a:p>
+            <a:pPr marL="0" marR="0" lvl="0" indent="0" algn="l" defTabSz="914400" rtl="0" eaLnBrk="1" fontAlgn="auto" latinLnBrk="0" hangingPunct="1">
+              <a:lnSpc>
+                <a:spcPct val="100000"/>
+              </a:lnSpc>
+              <a:spcBef>
+                <a:spcPts val="0"/>
+              </a:spcBef>
+              <a:spcAft>
+                <a:spcPts val="0"/>
+              </a:spcAft>
+              <a:buClrTx/>
+              <a:buSzTx/>
+              <a:buFontTx/>
+              <a:buNone/>
+              <a:tabLst/>
+              <a:defRPr/>
+            </a:pPr>
+            <a:r>
+              <a:rPr lang="en-US" u="sng" dirty="0"/>
+              <a:t>Bullet expansion:</a:t>
+            </a:r>
+            <a:endParaRPr lang="en-IL" u="sng" dirty="0"/>
+          </a:p>
+          <a:p>
+            <a:pPr marL="228600" indent="-228600">
+              <a:buAutoNum type="arabicPeriod"/>
+            </a:pPr>
+            <a:r>
+              <a:rPr lang="en-US" dirty="0"/>
+              <a:t>Simple Idea, Complex Execution:</a:t>
+            </a:r>
+          </a:p>
+          <a:p>
+            <a:pPr marL="685800" lvl="1" indent="-228600">
+              <a:buFont typeface="Arial" panose="020B0604020202020204" pitchFamily="34" charset="0"/>
+              <a:buChar char="•"/>
+            </a:pPr>
+            <a:r>
+              <a:rPr lang="en-US" dirty="0"/>
+              <a:t>"Our goal is to create an algorithm that monitors search trends and sentiment analysis for cryptocurrency-related keywords."</a:t>
+            </a:r>
+          </a:p>
+          <a:p>
+            <a:pPr marL="228600" indent="-228600">
+              <a:buAutoNum type="arabicPeriod"/>
+            </a:pPr>
+            <a:r>
+              <a:rPr lang="en-US" dirty="0"/>
+              <a:t>Algorithm Monitoring:</a:t>
+            </a:r>
+          </a:p>
+          <a:p>
+            <a:pPr marL="685800" lvl="1" indent="-228600">
+              <a:buFont typeface="Arial" panose="020B0604020202020204" pitchFamily="34" charset="0"/>
+              <a:buChar char="•"/>
+            </a:pPr>
+            <a:r>
+              <a:rPr lang="en-US" dirty="0"/>
+              <a:t>"When the algorithm detects a significant increase in search frequency for a stock, it signals a potential buy opportunity, anticipating a price rise."</a:t>
+            </a:r>
+          </a:p>
+          <a:p>
+            <a:pPr marL="228600" indent="-228600">
+              <a:buAutoNum type="arabicPeriod"/>
+            </a:pPr>
+            <a:r>
+              <a:rPr lang="en-US" dirty="0"/>
+              <a:t>Performance Metrics:</a:t>
+            </a:r>
+          </a:p>
+          <a:p>
+            <a:pPr marL="685800" lvl="1" indent="-228600">
+              <a:buFont typeface="Arial" panose="020B0604020202020204" pitchFamily="34" charset="0"/>
+              <a:buChar char="•"/>
+            </a:pPr>
+            <a:r>
+              <a:rPr lang="en-US" dirty="0"/>
+              <a:t>"We evaluated the performance of various versions of our strategy, each with different hyper-parameters, to identify the best performing one."</a:t>
+            </a:r>
+          </a:p>
+          <a:p>
+            <a:pPr marL="228600" indent="-228600">
+              <a:buAutoNum type="arabicPeriod"/>
+            </a:pPr>
+            <a:r>
+              <a:rPr lang="en-US" dirty="0"/>
+              <a:t>Comparison with Buy &amp; Hold:</a:t>
+            </a:r>
+          </a:p>
+          <a:p>
+            <a:pPr marL="685800" lvl="1" indent="-228600">
+              <a:buFont typeface="Arial" panose="020B0604020202020204" pitchFamily="34" charset="0"/>
+              <a:buChar char="•"/>
+            </a:pPr>
+            <a:r>
+              <a:rPr lang="en-US" dirty="0"/>
+              <a:t>"For comparison, we also implemented a simple Buy &amp; Hold strategy and calculated its performance metrics to benchmark our results."</a:t>
+            </a:r>
           </a:p>
         </p:txBody>
       </p:sp>
@@ -1096,7 +1165,7 @@
     </p:spTree>
     <p:extLst>
       <p:ext uri="{BB962C8B-B14F-4D97-AF65-F5344CB8AC3E}">
-        <p14:creationId xmlns:p14="http://schemas.microsoft.com/office/powerpoint/2010/main" val="292293935"/>
+        <p14:creationId xmlns:p14="http://schemas.microsoft.com/office/powerpoint/2010/main" val="2843954456"/>
       </p:ext>
     </p:extLst>
   </p:cSld>
@@ -1151,9 +1220,134 @@
           <a:lstStyle/>
           <a:p>
             <a:r>
-              <a:rPr lang="en-US" dirty="0"/>
-              <a:t>Remove?</a:t>
-            </a:r>
+              <a:rPr lang="en-US" u="sng" dirty="0"/>
+              <a:t>Original text:</a:t>
+            </a:r>
+          </a:p>
+          <a:p>
+            <a:r>
+              <a:rPr lang="en-US" u="none" dirty="0"/>
+              <a:t>Data Cleaning &amp; Organizing: </a:t>
+            </a:r>
+            <a:br>
+              <a:rPr lang="en-US" u="none" dirty="0"/>
+            </a:br>
+            <a:r>
+              <a:rPr lang="en-US" u="none" dirty="0"/>
+              <a:t>When we request the data from google trends through the website manually or through the python </a:t>
+            </a:r>
+            <a:r>
+              <a:rPr lang="en-US" u="none" dirty="0" err="1"/>
+              <a:t>api</a:t>
+            </a:r>
+            <a:r>
+              <a:rPr lang="en-US" u="none" dirty="0"/>
+              <a:t> the data we get in return is limited to be up to 270 samples each time, and each data set of 270 is normalized on itself using an internal method of google trends, in other words, we couldn’t get the real absolute quantity of searches and couldn’t calculate it by any reliable means.</a:t>
+            </a:r>
+            <a:br>
+              <a:rPr lang="en-US" u="none" dirty="0"/>
+            </a:br>
+            <a:r>
+              <a:rPr lang="en-US" u="none" dirty="0"/>
+              <a:t>This poses an even greater issue since we couldn’t connect the datasets we could have got from google trends because the scale the samples are normalized to is different almost every time (rarely it could be of the same scale reliably).</a:t>
+            </a:r>
+            <a:br>
+              <a:rPr lang="en-US" u="none" dirty="0"/>
+            </a:br>
+            <a:r>
+              <a:rPr lang="en-US" u="none" dirty="0"/>
+              <a:t>To solve that we used an additional tool, Glimpse, an addon for google trends that returns an approximated quantity of searches, since we used a total of 5 year timeframe, glimpse gave us weekly samples.</a:t>
+            </a:r>
+            <a:br>
+              <a:rPr lang="en-US" u="none" dirty="0"/>
+            </a:br>
+            <a:r>
+              <a:rPr lang="en-US" u="none" dirty="0"/>
+              <a:t>Using the approximated quantity and the distribution of each data set from google trends we were able to approximate a reliable enough data set containing daily samples of continuous nature.</a:t>
+            </a:r>
+            <a:br>
+              <a:rPr lang="en-US" u="none" dirty="0"/>
+            </a:br>
+            <a:r>
+              <a:rPr lang="en-US" u="none" dirty="0"/>
+              <a:t>After doing so we normalized all the data to be from 0 to 100</a:t>
+            </a:r>
+          </a:p>
+          <a:p>
+            <a:endParaRPr lang="en-US" u="none" dirty="0"/>
+          </a:p>
+          <a:p>
+            <a:r>
+              <a:rPr lang="en-US" b="1" u="none" dirty="0"/>
+              <a:t>NEED TO EDIT</a:t>
+            </a:r>
+          </a:p>
+          <a:p>
+            <a:endParaRPr lang="en-US" u="none" dirty="0"/>
+          </a:p>
+          <a:p>
+            <a:r>
+              <a:rPr lang="en-US" u="sng" dirty="0"/>
+              <a:t>Bullet expansion:</a:t>
+            </a:r>
+            <a:endParaRPr lang="en-US" u="none" dirty="0"/>
+          </a:p>
+          <a:p>
+            <a:pPr marL="228600" indent="-228600">
+              <a:buAutoNum type="arabicPeriod"/>
+            </a:pPr>
+            <a:r>
+              <a:rPr lang="en-US" u="none" dirty="0"/>
+              <a:t>Using Glimpse for Approximation:</a:t>
+            </a:r>
+          </a:p>
+          <a:p>
+            <a:pPr marL="685800" lvl="1" indent="-228600">
+              <a:buFont typeface="Arial" panose="020B0604020202020204" pitchFamily="34" charset="0"/>
+              <a:buChar char="•"/>
+            </a:pPr>
+            <a:r>
+              <a:rPr lang="en-US" u="none" dirty="0"/>
+              <a:t>"We used Glimpse to obtain approximate search quantities over a five-year timeframe, providing us with weekly samples. This allowed us to create a reliable dataset of daily samples, normalized from 0 to 100.“</a:t>
+            </a:r>
+          </a:p>
+          <a:p>
+            <a:pPr marL="228600" marR="0" lvl="0" indent="-228600" algn="l" defTabSz="914400" rtl="0" eaLnBrk="1" fontAlgn="auto" latinLnBrk="0" hangingPunct="1">
+              <a:lnSpc>
+                <a:spcPct val="100000"/>
+              </a:lnSpc>
+              <a:spcBef>
+                <a:spcPts val="0"/>
+              </a:spcBef>
+              <a:spcAft>
+                <a:spcPts val="0"/>
+              </a:spcAft>
+              <a:buClrTx/>
+              <a:buSzTx/>
+              <a:buFontTx/>
+              <a:buAutoNum type="arabicPeriod"/>
+              <a:tabLst/>
+              <a:defRPr/>
+            </a:pPr>
+            <a:r>
+              <a:rPr lang="en-US" dirty="0"/>
+              <a:t>Data Cleaning &amp; Normalization</a:t>
+            </a:r>
+            <a:r>
+              <a:rPr lang="en-US" u="none" dirty="0"/>
+              <a:t>:</a:t>
+            </a:r>
+          </a:p>
+          <a:p>
+            <a:pPr marL="685800" lvl="1" indent="-228600">
+              <a:buFont typeface="Arial" panose="020B0604020202020204" pitchFamily="34" charset="0"/>
+              <a:buChar char="•"/>
+            </a:pPr>
+            <a:r>
+              <a:rPr lang="en-US" u="none" dirty="0"/>
+              <a:t>"The data from Google Trends is limited to 270 samples, each normalized individually. This made it difficult to connect datasets due to differing scales."</a:t>
+            </a:r>
+            <a:endParaRPr lang="en-IL" u="none" dirty="0"/>
           </a:p>
         </p:txBody>
       </p:sp>
@@ -1183,7 +1377,7 @@
     </p:spTree>
     <p:extLst>
       <p:ext uri="{BB962C8B-B14F-4D97-AF65-F5344CB8AC3E}">
-        <p14:creationId xmlns:p14="http://schemas.microsoft.com/office/powerpoint/2010/main" val="2527501854"/>
+        <p14:creationId xmlns:p14="http://schemas.microsoft.com/office/powerpoint/2010/main" val="556663298"/>
       </p:ext>
     </p:extLst>
   </p:cSld>
@@ -1237,7 +1431,142 @@
           <a:bodyPr/>
           <a:lstStyle/>
           <a:p>
-            <a:pPr marL="0" marR="0" lvl="0" indent="0" algn="l" defTabSz="914400" rtl="0" eaLnBrk="1" fontAlgn="auto" latinLnBrk="0" hangingPunct="1">
+            <a:r>
+              <a:rPr lang="en-US" u="sng" dirty="0"/>
+              <a:t>Original text:</a:t>
+            </a:r>
+            <a:endParaRPr lang="en-US" u="none" dirty="0"/>
+          </a:p>
+          <a:p>
+            <a:r>
+              <a:rPr lang="en-US" u="none" dirty="0"/>
+              <a:t>The strategy is based on a granger causality test for each coin to determine how much delay should be set for the normalized trends data to gain the maximum plausible causality of the trends data on the price data.</a:t>
+            </a:r>
+          </a:p>
+          <a:p>
+            <a:r>
+              <a:rPr lang="en-US" u="none" dirty="0"/>
+              <a:t>Additionally, we filtered out coins that the granger causality said that their maximum plausible causality delay isn’t plausible enough (Hyper Parameter: maximum       P-value allowed from the granger causality test).</a:t>
+            </a:r>
+          </a:p>
+          <a:p>
+            <a:r>
+              <a:rPr lang="en-US" u="none" dirty="0"/>
+              <a:t>Than for each coin separately we calculated the signals to buy and sell, where the buy and sell signal are determined through the use of Bollinger bands on the normalized trends data (Hyper Parameters: MA window, amount of </a:t>
+            </a:r>
+            <a:r>
+              <a:rPr lang="en-US" u="none" dirty="0" err="1"/>
+              <a:t>sd</a:t>
+            </a:r>
+            <a:r>
+              <a:rPr lang="en-US" u="none" dirty="0"/>
+              <a:t> added to upper band and amount of </a:t>
+            </a:r>
+            <a:r>
+              <a:rPr lang="en-US" u="none" dirty="0" err="1"/>
+              <a:t>sd</a:t>
+            </a:r>
+            <a:r>
+              <a:rPr lang="en-US" u="none" dirty="0"/>
+              <a:t> subtracted from lower band) and through the use of RSI on the Close price of the coin (Hyper Parameters: RSI window and RSI limits) as a limiting force for the Bollinger bands when the prices of the coins become too noisy and therefor too risky to trade.</a:t>
+            </a:r>
+          </a:p>
+          <a:p>
+            <a:r>
+              <a:rPr lang="en-US" u="none" dirty="0"/>
+              <a:t>After that we connect the data of all of the coins and order the samples by their dates and apply the signals.</a:t>
+            </a:r>
+          </a:p>
+          <a:p>
+            <a:r>
+              <a:rPr lang="en-US" u="none" dirty="0"/>
+              <a:t>When there is a Buy signal we compute using the balance, a scaling number (Hyper Parameter: quantity scale) and the ratio of the normalized trend with the upper band of the Bollinger bands how many of the current coin to buy, and using the Open and Close prices of the coin the price of that coin using slippage correction over the Open price.</a:t>
+            </a:r>
+            <a:br>
+              <a:rPr lang="en-US" u="none" dirty="0"/>
+            </a:br>
+            <a:r>
+              <a:rPr lang="en-US" u="none" dirty="0"/>
+              <a:t>It is important to mention that after the buying action using the quantity calculated the value of the portfolio is updated.</a:t>
+            </a:r>
+          </a:p>
+          <a:p>
+            <a:r>
+              <a:rPr lang="en-US" u="none" dirty="0"/>
+              <a:t>When there is a Sell signal we sell all of the held amount of that coin up until that date, that amount is sold as well with the price that was calculated using slippage correction over the Open price.</a:t>
+            </a:r>
+            <a:br>
+              <a:rPr lang="en-US" u="none" dirty="0"/>
+            </a:br>
+            <a:r>
+              <a:rPr lang="en-US" u="none" dirty="0"/>
+              <a:t>It is important to mention that after the selling action using the quantity calculated the value of the portfolio is updated.</a:t>
+            </a:r>
+            <a:br>
+              <a:rPr lang="en-US" u="none" dirty="0"/>
+            </a:br>
+            <a:r>
+              <a:rPr lang="en-US" u="none" dirty="0"/>
+              <a:t>Originally the Quantity sold of a particular coin was calculated in a similar way to how it is calculated for the Buy signal, but due to many results from the </a:t>
+            </a:r>
+            <a:r>
+              <a:rPr lang="en-US" u="none" dirty="0" err="1"/>
+              <a:t>backtesting</a:t>
+            </a:r>
+            <a:r>
+              <a:rPr lang="en-US" u="none" dirty="0"/>
+              <a:t> we determined that it is best and most efficient to always sell all when a sell signal is given.</a:t>
+            </a:r>
+          </a:p>
+          <a:p>
+            <a:r>
+              <a:rPr lang="en-US" u="none" dirty="0"/>
+              <a:t>When there is no Buy or Sell signal the value of the amount of the coin held, is updated in the value of the overall portfolio, again, using the price calculated using slippage correction over the Open price.</a:t>
+            </a:r>
+          </a:p>
+          <a:p>
+            <a:r>
+              <a:rPr lang="en-US" u="none" dirty="0"/>
+              <a:t>Finally, after all of that we calculated for each version of this strategy (a version is this strategy with a different set of Hyper-Parameters) performance metrics to evaluate and find which version performed the best.</a:t>
+            </a:r>
+          </a:p>
+          <a:p>
+            <a:r>
+              <a:rPr lang="en-US" u="none" dirty="0"/>
+              <a:t>Additionally, we made a comparison strategy with the simple methodology of Buy &amp; Hold (A.K.A. Hoddle) and calculated its performance metrics as well for comparison.</a:t>
+            </a:r>
+          </a:p>
+          <a:p>
+            <a:endParaRPr lang="en-US" u="sng" dirty="0"/>
+          </a:p>
+          <a:p>
+            <a:r>
+              <a:rPr lang="en-US" u="sng" dirty="0"/>
+              <a:t>Bullet expansion:</a:t>
+            </a:r>
+            <a:endParaRPr lang="en-US" u="none" dirty="0"/>
+          </a:p>
+          <a:p>
+            <a:pPr marL="228600" indent="-228600">
+              <a:buAutoNum type="arabicPeriod"/>
+            </a:pPr>
+            <a:r>
+              <a:rPr lang="en-US" u="none" dirty="0"/>
+              <a:t>Granger Causality Test:</a:t>
+            </a:r>
+          </a:p>
+          <a:p>
+            <a:pPr marL="685800" lvl="1" indent="-228600">
+              <a:buFont typeface="Arial" panose="020B0604020202020204" pitchFamily="34" charset="0"/>
+              <a:buChar char="•"/>
+            </a:pPr>
+            <a:r>
+              <a:rPr lang="en-US" u="none" dirty="0"/>
+              <a:t>"We applied a Granger causality test to each coin to determine the optimal delay for trends data to influence price data."</a:t>
+            </a:r>
+          </a:p>
+          <a:p>
+            <a:pPr marL="228600" marR="0" lvl="0" indent="-228600" algn="l" defTabSz="914400" rtl="0" eaLnBrk="1" fontAlgn="auto" latinLnBrk="0" hangingPunct="1">
               <a:lnSpc>
                 <a:spcPct val="100000"/>
               </a:lnSpc>
@@ -1250,89 +1579,25 @@
               <a:buClrTx/>
               <a:buSzTx/>
               <a:buFontTx/>
-              <a:buNone/>
+              <a:buAutoNum type="arabicPeriod"/>
               <a:tabLst/>
               <a:defRPr/>
             </a:pPr>
             <a:r>
-              <a:rPr lang="en-US" u="sng" dirty="0"/>
-              <a:t>Original text:</a:t>
-            </a:r>
-          </a:p>
-          <a:p>
-            <a:pPr marL="0" marR="0" lvl="0" indent="0" algn="l" defTabSz="914400" rtl="0" eaLnBrk="1" fontAlgn="auto" latinLnBrk="0" hangingPunct="1">
-              <a:lnSpc>
-                <a:spcPct val="100000"/>
-              </a:lnSpc>
-              <a:spcBef>
-                <a:spcPts val="0"/>
-              </a:spcBef>
-              <a:spcAft>
-                <a:spcPts val="0"/>
-              </a:spcAft>
-              <a:buClrTx/>
-              <a:buSzTx/>
-              <a:buFontTx/>
-              <a:buNone/>
-              <a:tabLst/>
-              <a:defRPr/>
-            </a:pPr>
-            <a:r>
-              <a:rPr lang="en-US" dirty="0"/>
-              <a:t>Simple idea, hard fine tuning. Our algorithm monitors search trends and sentiment analysis of crypto currencies related keywords. When it detects a significant increase in search frequency for a stock, it signals a potential buy opportunity, anticipating a price rise. How exactly? Come check our code!</a:t>
-            </a:r>
-          </a:p>
-          <a:p>
-            <a:pPr marL="0" marR="0" lvl="0" indent="0" algn="l" defTabSz="914400" rtl="0" eaLnBrk="1" fontAlgn="auto" latinLnBrk="0" hangingPunct="1">
-              <a:lnSpc>
-                <a:spcPct val="100000"/>
-              </a:lnSpc>
-              <a:spcBef>
-                <a:spcPts val="0"/>
-              </a:spcBef>
-              <a:spcAft>
-                <a:spcPts val="0"/>
-              </a:spcAft>
-              <a:buClrTx/>
-              <a:buSzTx/>
-              <a:buFontTx/>
-              <a:buNone/>
-              <a:tabLst/>
-              <a:defRPr/>
-            </a:pPr>
-            <a:endParaRPr lang="en-US" dirty="0"/>
-          </a:p>
-          <a:p>
-            <a:pPr marL="0" marR="0" lvl="0" indent="0" algn="l" defTabSz="914400" rtl="0" eaLnBrk="1" fontAlgn="auto" latinLnBrk="0" hangingPunct="1">
-              <a:lnSpc>
-                <a:spcPct val="100000"/>
-              </a:lnSpc>
-              <a:spcBef>
-                <a:spcPts val="0"/>
-              </a:spcBef>
-              <a:spcAft>
-                <a:spcPts val="0"/>
-              </a:spcAft>
-              <a:buClrTx/>
-              <a:buSzTx/>
-              <a:buFontTx/>
-              <a:buNone/>
-              <a:tabLst/>
-              <a:defRPr/>
-            </a:pPr>
-            <a:r>
-              <a:rPr lang="en-US" u="sng" dirty="0"/>
-              <a:t>Bullet expansion:</a:t>
-            </a:r>
-            <a:endParaRPr lang="en-IL" u="sng" dirty="0"/>
-          </a:p>
-          <a:p>
-            <a:pPr marL="228600" indent="-228600">
-              <a:buAutoNum type="arabicPeriod"/>
-            </a:pPr>
-            <a:r>
-              <a:rPr lang="en-US" dirty="0"/>
-              <a:t>Simple Idea, Complex Execution:</a:t>
+              <a:rPr lang="en-US" u="none" dirty="0"/>
+              <a:t>Filtering Coins (</a:t>
+            </a:r>
+            <a:r>
+              <a:rPr lang="en-US" sz="1200" dirty="0">
+                <a:solidFill>
+                  <a:schemeClr val="bg1"/>
+                </a:solidFill>
+              </a:rPr>
+              <a:t>Granger Causality Test</a:t>
+            </a:r>
+            <a:r>
+              <a:rPr lang="en-US" u="none" dirty="0"/>
+              <a:t>):</a:t>
             </a:r>
           </a:p>
           <a:p>
@@ -1341,8 +1606,8 @@
               <a:buChar char="•"/>
             </a:pPr>
             <a:r>
-              <a:rPr lang="en-US" dirty="0"/>
-              <a:t>"Our goal is to create an algorithm that monitors search trends and sentiment analysis for cryptocurrency-related keywords."</a:t>
+              <a:rPr lang="en-US" u="none" dirty="0"/>
+              <a:t>"Coins with insufficient causality delays were filtered out to ensure reliability."</a:t>
             </a:r>
           </a:p>
           <a:p>
@@ -1350,8 +1615,8 @@
               <a:buAutoNum type="arabicPeriod"/>
             </a:pPr>
             <a:r>
-              <a:rPr lang="en-US" dirty="0"/>
-              <a:t>Algorithm Monitoring:</a:t>
+              <a:rPr lang="en-US" u="none" dirty="0"/>
+              <a:t>Signal Calculation:</a:t>
             </a:r>
           </a:p>
           <a:p>
@@ -1360,8 +1625,8 @@
               <a:buChar char="•"/>
             </a:pPr>
             <a:r>
-              <a:rPr lang="en-US" dirty="0"/>
-              <a:t>"When the algorithm detects a significant increase in search frequency for a stock, it signals a potential buy opportunity, anticipating a price rise."</a:t>
+              <a:rPr lang="en-US" u="none" dirty="0"/>
+              <a:t>"Buy and sell signals were determined using Bollinger bands and RSI. These signals were based on the normalized trends data and the coin's close price."</a:t>
             </a:r>
           </a:p>
           <a:p>
@@ -1369,8 +1634,8 @@
               <a:buAutoNum type="arabicPeriod"/>
             </a:pPr>
             <a:r>
-              <a:rPr lang="en-US" dirty="0"/>
-              <a:t>Performance Metrics:</a:t>
+              <a:rPr lang="en-US" u="none" dirty="0"/>
+              <a:t>Portfolio Updates:</a:t>
             </a:r>
           </a:p>
           <a:p>
@@ -1379,8 +1644,8 @@
               <a:buChar char="•"/>
             </a:pPr>
             <a:r>
-              <a:rPr lang="en-US" dirty="0"/>
-              <a:t>"We evaluated the performance of various versions of our strategy, each with different hyper-parameters, to identify the best performing one."</a:t>
+              <a:rPr lang="en-US" u="none" dirty="0"/>
+              <a:t>"We updated the portfolio's value based on buy and sell actions, considering slippage corrections and re-evaluating the balance after each transaction."</a:t>
             </a:r>
           </a:p>
           <a:p>
@@ -1388,8 +1653,8 @@
               <a:buAutoNum type="arabicPeriod"/>
             </a:pPr>
             <a:r>
-              <a:rPr lang="en-US" dirty="0"/>
-              <a:t>Comparison with Buy &amp; Hold:</a:t>
+              <a:rPr lang="en-US" u="none" dirty="0"/>
+              <a:t>Performance Metrics:</a:t>
             </a:r>
           </a:p>
           <a:p>
@@ -1398,9 +1663,29 @@
               <a:buChar char="•"/>
             </a:pPr>
             <a:r>
-              <a:rPr lang="en-US" dirty="0"/>
-              <a:t>"For comparison, we also implemented a simple Buy &amp; Hold strategy and calculated its performance metrics to benchmark our results."</a:t>
-            </a:r>
+              <a:rPr lang="en-US" u="none" dirty="0"/>
+              <a:t>"We calculated performance metrics for each strategy version to identify the best performing set of hyper-parameters."</a:t>
+            </a:r>
+          </a:p>
+          <a:p>
+            <a:pPr marL="228600" indent="-228600">
+              <a:buAutoNum type="arabicPeriod"/>
+            </a:pPr>
+            <a:r>
+              <a:rPr lang="en-US" u="none" dirty="0"/>
+              <a:t>Comparison with Buy &amp; Hold:</a:t>
+            </a:r>
+          </a:p>
+          <a:p>
+            <a:pPr marL="685800" lvl="1" indent="-228600">
+              <a:buFont typeface="Arial" panose="020B0604020202020204" pitchFamily="34" charset="0"/>
+              <a:buChar char="•"/>
+            </a:pPr>
+            <a:r>
+              <a:rPr lang="en-US" u="none" dirty="0"/>
+              <a:t>"For comparison, we also evaluated a simple Buy &amp; Hold strategy and calculated its performance metrics."</a:t>
+            </a:r>
+            <a:endParaRPr lang="en-IL" u="none" dirty="0"/>
           </a:p>
         </p:txBody>
       </p:sp>
@@ -1430,7 +1715,7 @@
     </p:spTree>
     <p:extLst>
       <p:ext uri="{BB962C8B-B14F-4D97-AF65-F5344CB8AC3E}">
-        <p14:creationId xmlns:p14="http://schemas.microsoft.com/office/powerpoint/2010/main" val="2843954456"/>
+        <p14:creationId xmlns:p14="http://schemas.microsoft.com/office/powerpoint/2010/main" val="1465668470"/>
       </p:ext>
     </p:extLst>
   </p:cSld>
@@ -1484,628 +1769,7 @@
           <a:bodyPr/>
           <a:lstStyle/>
           <a:p>
-            <a:r>
-              <a:rPr lang="en-US" u="sng" dirty="0"/>
-              <a:t>Original text:</a:t>
-            </a:r>
-          </a:p>
-          <a:p>
-            <a:pPr marL="0" marR="0" lvl="0" indent="0" algn="l" defTabSz="914400" rtl="0" eaLnBrk="1" fontAlgn="auto" latinLnBrk="0" hangingPunct="1">
-              <a:lnSpc>
-                <a:spcPct val="100000"/>
-              </a:lnSpc>
-              <a:spcBef>
-                <a:spcPts val="0"/>
-              </a:spcBef>
-              <a:spcAft>
-                <a:spcPts val="0"/>
-              </a:spcAft>
-              <a:buClrTx/>
-              <a:buSzTx/>
-              <a:buFontTx/>
-              <a:buNone/>
-              <a:tabLst/>
-              <a:defRPr/>
-            </a:pPr>
-            <a:r>
-              <a:rPr lang="en-US" dirty="0"/>
-              <a:t>Data acquisition: </a:t>
-            </a:r>
-            <a:br>
-              <a:rPr lang="en-US" dirty="0"/>
-            </a:br>
-            <a:r>
-              <a:rPr lang="en-US" dirty="0"/>
-              <a:t>First issue we encountered was getting the data consistently, at the start we found that google trends had some issues to generally produce data on search frequency, additionally, when temporarily google trends did produce the data it would not always succeed in returning requested data on every device due to internet network issues.</a:t>
-            </a:r>
-            <a:br>
-              <a:rPr lang="en-US" dirty="0"/>
-            </a:br>
-            <a:r>
-              <a:rPr lang="en-US" dirty="0"/>
-              <a:t>To overcome that we saved relevant data locally on one of our computers and requested the data from a LAN connected device so connection to internet would get in the way of getting the data for the first time.</a:t>
-            </a:r>
-          </a:p>
-          <a:p>
-            <a:pPr marL="0" marR="0" lvl="0" indent="0" algn="l" defTabSz="914400" rtl="0" eaLnBrk="1" fontAlgn="auto" latinLnBrk="0" hangingPunct="1">
-              <a:lnSpc>
-                <a:spcPct val="100000"/>
-              </a:lnSpc>
-              <a:spcBef>
-                <a:spcPts val="0"/>
-              </a:spcBef>
-              <a:spcAft>
-                <a:spcPts val="0"/>
-              </a:spcAft>
-              <a:buClrTx/>
-              <a:buSzTx/>
-              <a:buFontTx/>
-              <a:buNone/>
-              <a:tabLst/>
-              <a:defRPr/>
-            </a:pPr>
             <a:endParaRPr lang="en-US" dirty="0"/>
-          </a:p>
-          <a:p>
-            <a:pPr marL="0" marR="0" lvl="0" indent="0" algn="l" defTabSz="914400" rtl="0" eaLnBrk="1" fontAlgn="auto" latinLnBrk="0" hangingPunct="1">
-              <a:lnSpc>
-                <a:spcPct val="100000"/>
-              </a:lnSpc>
-              <a:spcBef>
-                <a:spcPts val="0"/>
-              </a:spcBef>
-              <a:spcAft>
-                <a:spcPts val="0"/>
-              </a:spcAft>
-              <a:buClrTx/>
-              <a:buSzTx/>
-              <a:buFontTx/>
-              <a:buNone/>
-              <a:tabLst/>
-              <a:defRPr/>
-            </a:pPr>
-            <a:endParaRPr lang="en-US" dirty="0"/>
-          </a:p>
-          <a:p>
-            <a:r>
-              <a:rPr lang="en-US" u="sng" dirty="0"/>
-              <a:t>Bullet expansion:</a:t>
-            </a:r>
-          </a:p>
-          <a:p>
-            <a:pPr marL="228600" indent="-228600">
-              <a:buAutoNum type="arabicPeriod"/>
-            </a:pPr>
-            <a:r>
-              <a:rPr lang="en-US" u="none" dirty="0"/>
-              <a:t>Data Collection Issues:</a:t>
-            </a:r>
-          </a:p>
-          <a:p>
-            <a:pPr marL="685800" lvl="1" indent="-228600">
-              <a:buFont typeface="Arial" panose="020B0604020202020204" pitchFamily="34" charset="0"/>
-              <a:buChar char="•"/>
-            </a:pPr>
-            <a:r>
-              <a:rPr lang="en-US" u="none" dirty="0"/>
-              <a:t>"Initially, we faced challenges with consistently obtaining data from Google Trends. It was often unreliable due to network issues and device inconsistencies."</a:t>
-            </a:r>
-          </a:p>
-          <a:p>
-            <a:pPr marL="228600" indent="-228600">
-              <a:buAutoNum type="arabicPeriod"/>
-            </a:pPr>
-            <a:r>
-              <a:rPr lang="en-US" u="none" dirty="0"/>
-              <a:t>Local Data Storage Solution:</a:t>
-            </a:r>
-          </a:p>
-          <a:p>
-            <a:pPr marL="685800" lvl="1" indent="-228600">
-              <a:buFont typeface="Arial" panose="020B0604020202020204" pitchFamily="34" charset="0"/>
-              <a:buChar char="•"/>
-            </a:pPr>
-            <a:r>
-              <a:rPr lang="en-US" u="none" dirty="0"/>
-              <a:t>"To overcome this, we saved relevant data locally and requested it from a LAN-connected device to ensure a consistent data retrieval process."</a:t>
-            </a:r>
-            <a:endParaRPr lang="en-IL" u="none" dirty="0"/>
-          </a:p>
-        </p:txBody>
-      </p:sp>
-      <p:sp>
-        <p:nvSpPr>
-          <p:cNvPr id="4" name="Slide Number Placeholder 3"/>
-          <p:cNvSpPr>
-            <a:spLocks noGrp="1"/>
-          </p:cNvSpPr>
-          <p:nvPr>
-            <p:ph type="sldNum" sz="quarter" idx="5"/>
-          </p:nvPr>
-        </p:nvSpPr>
-        <p:spPr/>
-        <p:txBody>
-          <a:bodyPr/>
-          <a:lstStyle/>
-          <a:p>
-            <a:fld id="{22289C57-55D7-40A4-A101-E74FAC7A092B}" type="slidenum">
-              <a:rPr lang="en-US" smtClean="0"/>
-              <a:t>7</a:t>
-            </a:fld>
-            <a:endParaRPr lang="en-US" dirty="0"/>
-          </a:p>
-        </p:txBody>
-      </p:sp>
-    </p:spTree>
-    <p:extLst>
-      <p:ext uri="{BB962C8B-B14F-4D97-AF65-F5344CB8AC3E}">
-        <p14:creationId xmlns:p14="http://schemas.microsoft.com/office/powerpoint/2010/main" val="2728819950"/>
-      </p:ext>
-    </p:extLst>
-  </p:cSld>
-  <p:clrMapOvr>
-    <a:masterClrMapping/>
-  </p:clrMapOvr>
-</p:notes>
-</file>
-
-<file path=ppt/notesSlides/notesSlide8.xml><?xml version="1.0" encoding="utf-8"?>
-<p:notes xmlns:a="http://schemas.openxmlformats.org/drawingml/2006/main" xmlns:r="http://schemas.openxmlformats.org/officeDocument/2006/relationships" xmlns:p="http://schemas.openxmlformats.org/presentationml/2006/main">
-  <p:cSld>
-    <p:spTree>
-      <p:nvGrpSpPr>
-        <p:cNvPr id="1" name=""/>
-        <p:cNvGrpSpPr/>
-        <p:nvPr/>
-      </p:nvGrpSpPr>
-      <p:grpSpPr>
-        <a:xfrm>
-          <a:off x="0" y="0"/>
-          <a:ext cx="0" cy="0"/>
-          <a:chOff x="0" y="0"/>
-          <a:chExt cx="0" cy="0"/>
-        </a:xfrm>
-      </p:grpSpPr>
-      <p:sp>
-        <p:nvSpPr>
-          <p:cNvPr id="2" name="Slide Image Placeholder 1"/>
-          <p:cNvSpPr>
-            <a:spLocks noGrp="1" noRot="1" noChangeAspect="1"/>
-          </p:cNvSpPr>
-          <p:nvPr>
-            <p:ph type="sldImg"/>
-          </p:nvPr>
-        </p:nvSpPr>
-        <p:spPr/>
-      </p:sp>
-      <p:sp>
-        <p:nvSpPr>
-          <p:cNvPr id="3" name="Notes Placeholder 2"/>
-          <p:cNvSpPr>
-            <a:spLocks noGrp="1"/>
-          </p:cNvSpPr>
-          <p:nvPr>
-            <p:ph type="body" idx="1"/>
-          </p:nvPr>
-        </p:nvSpPr>
-        <p:spPr/>
-        <p:txBody>
-          <a:bodyPr/>
-          <a:lstStyle/>
-          <a:p>
-            <a:r>
-              <a:rPr lang="en-US" u="sng" dirty="0"/>
-              <a:t>Original text:</a:t>
-            </a:r>
-          </a:p>
-          <a:p>
-            <a:r>
-              <a:rPr lang="en-US" u="none" dirty="0"/>
-              <a:t>Data Cleaning &amp; Organizing: </a:t>
-            </a:r>
-            <a:br>
-              <a:rPr lang="en-US" u="none" dirty="0"/>
-            </a:br>
-            <a:r>
-              <a:rPr lang="en-US" u="none" dirty="0"/>
-              <a:t>When we request the data from google trends through the website manually or through the python </a:t>
-            </a:r>
-            <a:r>
-              <a:rPr lang="en-US" u="none" dirty="0" err="1"/>
-              <a:t>api</a:t>
-            </a:r>
-            <a:r>
-              <a:rPr lang="en-US" u="none" dirty="0"/>
-              <a:t> the data we get in return is limited to be up to 270 samples each time, and each data set of 270 is normalized on itself using an internal method of google trends, in other words, we couldn’t get the real absolute quantity of searches and couldn’t calculate it by any reliable means.</a:t>
-            </a:r>
-            <a:br>
-              <a:rPr lang="en-US" u="none" dirty="0"/>
-            </a:br>
-            <a:r>
-              <a:rPr lang="en-US" u="none" dirty="0"/>
-              <a:t>This poses an even greater issue since we couldn’t connect the datasets we could have got from google trends because the scale the samples are normalized to is different almost every time (rarely it could be of the same scale reliably).</a:t>
-            </a:r>
-            <a:br>
-              <a:rPr lang="en-US" u="none" dirty="0"/>
-            </a:br>
-            <a:r>
-              <a:rPr lang="en-US" u="none" dirty="0"/>
-              <a:t>To solve that we used an additional tool, Glimpse, an addon for google trends that returns an approximated quantity of searches, since we used a total of 5 year timeframe, glimpse gave us weekly samples.</a:t>
-            </a:r>
-            <a:br>
-              <a:rPr lang="en-US" u="none" dirty="0"/>
-            </a:br>
-            <a:r>
-              <a:rPr lang="en-US" u="none" dirty="0"/>
-              <a:t>Using the approximated quantity and the distribution of each data set from google trends we were able to approximate a reliable enough data set containing daily samples of continuous nature.</a:t>
-            </a:r>
-            <a:br>
-              <a:rPr lang="en-US" u="none" dirty="0"/>
-            </a:br>
-            <a:r>
-              <a:rPr lang="en-US" u="none" dirty="0"/>
-              <a:t>After doing so we normalized all the data to be from 0 to 100</a:t>
-            </a:r>
-          </a:p>
-          <a:p>
-            <a:endParaRPr lang="en-US" u="none" dirty="0"/>
-          </a:p>
-          <a:p>
-            <a:r>
-              <a:rPr lang="en-US" u="sng" dirty="0"/>
-              <a:t>Bullet expansion:</a:t>
-            </a:r>
-          </a:p>
-          <a:p>
-            <a:pPr marL="228600" indent="-228600">
-              <a:buAutoNum type="arabicPeriod"/>
-            </a:pPr>
-            <a:r>
-              <a:rPr lang="en-US" u="none" dirty="0"/>
-              <a:t>Data Cleaning &amp; Organizing:</a:t>
-            </a:r>
-          </a:p>
-          <a:p>
-            <a:pPr marL="685800" lvl="1" indent="-228600">
-              <a:buFont typeface="Arial" panose="020B0604020202020204" pitchFamily="34" charset="0"/>
-              <a:buChar char="•"/>
-            </a:pPr>
-            <a:r>
-              <a:rPr lang="en-US" u="none" dirty="0"/>
-              <a:t>"The data from Google Trends is limited to 270 samples, each normalized individually. This made it difficult to connect datasets due to differing scales."</a:t>
-            </a:r>
-          </a:p>
-          <a:p>
-            <a:pPr marL="228600" indent="-228600">
-              <a:buAutoNum type="arabicPeriod"/>
-            </a:pPr>
-            <a:r>
-              <a:rPr lang="en-US" u="none" dirty="0"/>
-              <a:t>Using Glimpse for Approximation:</a:t>
-            </a:r>
-          </a:p>
-          <a:p>
-            <a:pPr marL="685800" lvl="1" indent="-228600">
-              <a:buFont typeface="Arial" panose="020B0604020202020204" pitchFamily="34" charset="0"/>
-              <a:buChar char="•"/>
-            </a:pPr>
-            <a:r>
-              <a:rPr lang="en-US" u="none" dirty="0"/>
-              <a:t>"We used Glimpse to obtain approximate search quantities over a five-year timeframe, providing us with weekly samples. This allowed us to create a reliable dataset of daily samples, normalized from 0 to 100."</a:t>
-            </a:r>
-            <a:endParaRPr lang="en-IL" u="none" dirty="0"/>
-          </a:p>
-        </p:txBody>
-      </p:sp>
-      <p:sp>
-        <p:nvSpPr>
-          <p:cNvPr id="4" name="Slide Number Placeholder 3"/>
-          <p:cNvSpPr>
-            <a:spLocks noGrp="1"/>
-          </p:cNvSpPr>
-          <p:nvPr>
-            <p:ph type="sldNum" sz="quarter" idx="5"/>
-          </p:nvPr>
-        </p:nvSpPr>
-        <p:spPr/>
-        <p:txBody>
-          <a:bodyPr/>
-          <a:lstStyle/>
-          <a:p>
-            <a:fld id="{22289C57-55D7-40A4-A101-E74FAC7A092B}" type="slidenum">
-              <a:rPr lang="en-US" smtClean="0"/>
-              <a:t>8</a:t>
-            </a:fld>
-            <a:endParaRPr lang="en-US" dirty="0"/>
-          </a:p>
-        </p:txBody>
-      </p:sp>
-    </p:spTree>
-    <p:extLst>
-      <p:ext uri="{BB962C8B-B14F-4D97-AF65-F5344CB8AC3E}">
-        <p14:creationId xmlns:p14="http://schemas.microsoft.com/office/powerpoint/2010/main" val="556663298"/>
-      </p:ext>
-    </p:extLst>
-  </p:cSld>
-  <p:clrMapOvr>
-    <a:masterClrMapping/>
-  </p:clrMapOvr>
-</p:notes>
-</file>
-
-<file path=ppt/notesSlides/notesSlide9.xml><?xml version="1.0" encoding="utf-8"?>
-<p:notes xmlns:a="http://schemas.openxmlformats.org/drawingml/2006/main" xmlns:r="http://schemas.openxmlformats.org/officeDocument/2006/relationships" xmlns:p="http://schemas.openxmlformats.org/presentationml/2006/main">
-  <p:cSld>
-    <p:spTree>
-      <p:nvGrpSpPr>
-        <p:cNvPr id="1" name=""/>
-        <p:cNvGrpSpPr/>
-        <p:nvPr/>
-      </p:nvGrpSpPr>
-      <p:grpSpPr>
-        <a:xfrm>
-          <a:off x="0" y="0"/>
-          <a:ext cx="0" cy="0"/>
-          <a:chOff x="0" y="0"/>
-          <a:chExt cx="0" cy="0"/>
-        </a:xfrm>
-      </p:grpSpPr>
-      <p:sp>
-        <p:nvSpPr>
-          <p:cNvPr id="2" name="Slide Image Placeholder 1"/>
-          <p:cNvSpPr>
-            <a:spLocks noGrp="1" noRot="1" noChangeAspect="1"/>
-          </p:cNvSpPr>
-          <p:nvPr>
-            <p:ph type="sldImg"/>
-          </p:nvPr>
-        </p:nvSpPr>
-        <p:spPr/>
-      </p:sp>
-      <p:sp>
-        <p:nvSpPr>
-          <p:cNvPr id="3" name="Notes Placeholder 2"/>
-          <p:cNvSpPr>
-            <a:spLocks noGrp="1"/>
-          </p:cNvSpPr>
-          <p:nvPr>
-            <p:ph type="body" idx="1"/>
-          </p:nvPr>
-        </p:nvSpPr>
-        <p:spPr/>
-        <p:txBody>
-          <a:bodyPr/>
-          <a:lstStyle/>
-          <a:p>
-            <a:r>
-              <a:rPr lang="en-US" u="sng" dirty="0"/>
-              <a:t>Original text:</a:t>
-            </a:r>
-            <a:endParaRPr lang="en-US" u="none" dirty="0"/>
-          </a:p>
-          <a:p>
-            <a:r>
-              <a:rPr lang="en-US" u="none" dirty="0"/>
-              <a:t>The strategy is based on a granger causality test for each coin to determine how much delay should be set for the normalized trends data to gain the maximum plausible causality of the trends data on the price data.</a:t>
-            </a:r>
-          </a:p>
-          <a:p>
-            <a:r>
-              <a:rPr lang="en-US" u="none" dirty="0"/>
-              <a:t>Additionally, we filtered out coins that the granger causality said that their maximum plausible causality delay isn’t plausible enough (Hyper Parameter: maximum       P-value allowed from the granger causality test).</a:t>
-            </a:r>
-          </a:p>
-          <a:p>
-            <a:r>
-              <a:rPr lang="en-US" u="none" dirty="0"/>
-              <a:t>Than for each coin separately we calculated the signals to buy and sell, where the buy and sell signal are determined through the use of Bollinger bands on the normalized trends data (Hyper Parameters: MA window, amount of </a:t>
-            </a:r>
-            <a:r>
-              <a:rPr lang="en-US" u="none" dirty="0" err="1"/>
-              <a:t>sd</a:t>
-            </a:r>
-            <a:r>
-              <a:rPr lang="en-US" u="none" dirty="0"/>
-              <a:t> added to upper band and amount of </a:t>
-            </a:r>
-            <a:r>
-              <a:rPr lang="en-US" u="none" dirty="0" err="1"/>
-              <a:t>sd</a:t>
-            </a:r>
-            <a:r>
-              <a:rPr lang="en-US" u="none" dirty="0"/>
-              <a:t> subtracted from lower band) and through the use of RSI on the Close price of the coin (Hyper Parameters: RSI window and RSI limits) as a limiting force for the Bollinger bands when the prices of the coins become too noisy and therefor too risky to trade.</a:t>
-            </a:r>
-          </a:p>
-          <a:p>
-            <a:r>
-              <a:rPr lang="en-US" u="none" dirty="0"/>
-              <a:t>After that we connect the data of all of the coins and order the samples by their dates and apply the signals.</a:t>
-            </a:r>
-          </a:p>
-          <a:p>
-            <a:r>
-              <a:rPr lang="en-US" u="none" dirty="0"/>
-              <a:t>When there is a Buy signal we compute using the balance, a scaling number (Hyper Parameter: quantity scale) and the ratio of the normalized trend with the upper band of the Bollinger bands how many of the current coin to buy, and using the Open and Close prices of the coin the price of that coin using slippage correction over the Open price.</a:t>
-            </a:r>
-            <a:br>
-              <a:rPr lang="en-US" u="none" dirty="0"/>
-            </a:br>
-            <a:r>
-              <a:rPr lang="en-US" u="none" dirty="0"/>
-              <a:t>It is important to mention that after the buying action using the quantity calculated the value of the portfolio is updated.</a:t>
-            </a:r>
-          </a:p>
-          <a:p>
-            <a:r>
-              <a:rPr lang="en-US" u="none" dirty="0"/>
-              <a:t>When there is a Sell signal we sell all of the held amount of that coin up until that date, that amount is sold as well with the price that was calculated using slippage correction over the Open price.</a:t>
-            </a:r>
-            <a:br>
-              <a:rPr lang="en-US" u="none" dirty="0"/>
-            </a:br>
-            <a:r>
-              <a:rPr lang="en-US" u="none" dirty="0"/>
-              <a:t>It is important to mention that after the selling action using the quantity calculated the value of the portfolio is updated.</a:t>
-            </a:r>
-            <a:br>
-              <a:rPr lang="en-US" u="none" dirty="0"/>
-            </a:br>
-            <a:r>
-              <a:rPr lang="en-US" u="none" dirty="0"/>
-              <a:t>Originally the Quantity sold of a particular coin was calculated in a similar way to how it is calculated for the Buy signal, but due to many results from the </a:t>
-            </a:r>
-            <a:r>
-              <a:rPr lang="en-US" u="none" dirty="0" err="1"/>
-              <a:t>backtesting</a:t>
-            </a:r>
-            <a:r>
-              <a:rPr lang="en-US" u="none" dirty="0"/>
-              <a:t> we determined that it is best and most efficient to always sell all when a sell signal is given.</a:t>
-            </a:r>
-          </a:p>
-          <a:p>
-            <a:r>
-              <a:rPr lang="en-US" u="none" dirty="0"/>
-              <a:t>When there is no Buy or Sell signal the value of the amount of the coin held, is updated in the value of the overall portfolio, again, using the price calculated using slippage correction over the Open price.</a:t>
-            </a:r>
-          </a:p>
-          <a:p>
-            <a:r>
-              <a:rPr lang="en-US" u="none" dirty="0"/>
-              <a:t>Finally, after all of that we calculated for each version of this strategy (a version is this strategy with a different set of Hyper-Parameters) performance metrics to evaluate and find which version performed the best.</a:t>
-            </a:r>
-          </a:p>
-          <a:p>
-            <a:r>
-              <a:rPr lang="en-US" u="none" dirty="0"/>
-              <a:t>Additionally, we made a comparison strategy with the simple methodology of Buy &amp; Hold (A.K.A. Hoddle) and calculated its performance metrics as well for comparison.</a:t>
-            </a:r>
-          </a:p>
-          <a:p>
-            <a:endParaRPr lang="en-US" u="sng" dirty="0"/>
-          </a:p>
-          <a:p>
-            <a:r>
-              <a:rPr lang="en-US" u="sng" dirty="0"/>
-              <a:t>Bullet expansion:</a:t>
-            </a:r>
-            <a:endParaRPr lang="en-US" u="none" dirty="0"/>
-          </a:p>
-          <a:p>
-            <a:pPr marL="228600" indent="-228600">
-              <a:buAutoNum type="arabicPeriod"/>
-            </a:pPr>
-            <a:r>
-              <a:rPr lang="en-US" u="none" dirty="0"/>
-              <a:t>Granger Causality Test:</a:t>
-            </a:r>
-          </a:p>
-          <a:p>
-            <a:pPr marL="685800" lvl="1" indent="-228600">
-              <a:buFont typeface="Arial" panose="020B0604020202020204" pitchFamily="34" charset="0"/>
-              <a:buChar char="•"/>
-            </a:pPr>
-            <a:r>
-              <a:rPr lang="en-US" u="none" dirty="0"/>
-              <a:t>"We applied a Granger causality test to each coin to determine the optimal delay for trends data to influence price data."</a:t>
-            </a:r>
-          </a:p>
-          <a:p>
-            <a:pPr marL="228600" indent="-228600">
-              <a:buAutoNum type="arabicPeriod"/>
-            </a:pPr>
-            <a:r>
-              <a:rPr lang="en-US" u="none" dirty="0"/>
-              <a:t>Filtering Coins:</a:t>
-            </a:r>
-          </a:p>
-          <a:p>
-            <a:pPr marL="685800" lvl="1" indent="-228600">
-              <a:buFont typeface="Arial" panose="020B0604020202020204" pitchFamily="34" charset="0"/>
-              <a:buChar char="•"/>
-            </a:pPr>
-            <a:r>
-              <a:rPr lang="en-US" u="none" dirty="0"/>
-              <a:t>"Coins with insufficient causality delays were filtered out to ensure reliability."</a:t>
-            </a:r>
-          </a:p>
-          <a:p>
-            <a:pPr marL="228600" indent="-228600">
-              <a:buAutoNum type="arabicPeriod"/>
-            </a:pPr>
-            <a:r>
-              <a:rPr lang="en-US" u="none" dirty="0"/>
-              <a:t>Signal Calculation:</a:t>
-            </a:r>
-          </a:p>
-          <a:p>
-            <a:pPr marL="685800" lvl="1" indent="-228600">
-              <a:buFont typeface="Arial" panose="020B0604020202020204" pitchFamily="34" charset="0"/>
-              <a:buChar char="•"/>
-            </a:pPr>
-            <a:r>
-              <a:rPr lang="en-US" u="none" dirty="0"/>
-              <a:t>"Buy and sell signals were determined using Bollinger bands and RSI. These signals were based on the normalized trends data and the coin's close price."</a:t>
-            </a:r>
-          </a:p>
-          <a:p>
-            <a:pPr marL="228600" indent="-228600">
-              <a:buAutoNum type="arabicPeriod"/>
-            </a:pPr>
-            <a:r>
-              <a:rPr lang="en-US" u="none" dirty="0"/>
-              <a:t>Portfolio Updates:</a:t>
-            </a:r>
-          </a:p>
-          <a:p>
-            <a:pPr marL="685800" lvl="1" indent="-228600">
-              <a:buFont typeface="Arial" panose="020B0604020202020204" pitchFamily="34" charset="0"/>
-              <a:buChar char="•"/>
-            </a:pPr>
-            <a:r>
-              <a:rPr lang="en-US" u="none" dirty="0"/>
-              <a:t>"We updated the portfolio's value based on buy and sell actions, considering slippage corrections and re-evaluating the balance after each transaction."</a:t>
-            </a:r>
-          </a:p>
-          <a:p>
-            <a:pPr marL="228600" indent="-228600">
-              <a:buAutoNum type="arabicPeriod"/>
-            </a:pPr>
-            <a:r>
-              <a:rPr lang="en-US" u="none" dirty="0"/>
-              <a:t>Performance Metrics:</a:t>
-            </a:r>
-          </a:p>
-          <a:p>
-            <a:pPr marL="685800" lvl="1" indent="-228600">
-              <a:buFont typeface="Arial" panose="020B0604020202020204" pitchFamily="34" charset="0"/>
-              <a:buChar char="•"/>
-            </a:pPr>
-            <a:r>
-              <a:rPr lang="en-US" u="none" dirty="0"/>
-              <a:t>"We calculated performance metrics for each strategy version to identify the best performing set of hyper-parameters."</a:t>
-            </a:r>
-          </a:p>
-          <a:p>
-            <a:pPr marL="228600" indent="-228600">
-              <a:buAutoNum type="arabicPeriod"/>
-            </a:pPr>
-            <a:r>
-              <a:rPr lang="en-US" u="none" dirty="0"/>
-              <a:t>Comparison with Buy &amp; Hold:</a:t>
-            </a:r>
-          </a:p>
-          <a:p>
-            <a:pPr marL="685800" lvl="1" indent="-228600">
-              <a:buFont typeface="Arial" panose="020B0604020202020204" pitchFamily="34" charset="0"/>
-              <a:buChar char="•"/>
-            </a:pPr>
-            <a:r>
-              <a:rPr lang="en-US" u="none" dirty="0"/>
-              <a:t>"For comparison, we also evaluated a simple Buy &amp; Hold strategy and calculated its performance metrics."</a:t>
-            </a:r>
-            <a:endParaRPr lang="en-IL" u="none" dirty="0"/>
           </a:p>
         </p:txBody>
       </p:sp>
@@ -2135,7 +1799,7 @@
     </p:spTree>
     <p:extLst>
       <p:ext uri="{BB962C8B-B14F-4D97-AF65-F5344CB8AC3E}">
-        <p14:creationId xmlns:p14="http://schemas.microsoft.com/office/powerpoint/2010/main" val="301203626"/>
+        <p14:creationId xmlns:p14="http://schemas.microsoft.com/office/powerpoint/2010/main" val="1025326889"/>
       </p:ext>
     </p:extLst>
   </p:cSld>
@@ -7540,233 +7204,55 @@
           </a:p>
         </p:txBody>
       </p:sp>
+      <p:sp>
+        <p:nvSpPr>
+          <p:cNvPr id="4" name="TextBox 3">
+            <a:extLst>
+              <a:ext uri="{FF2B5EF4-FFF2-40B4-BE49-F238E27FC236}">
+                <a16:creationId xmlns:a16="http://schemas.microsoft.com/office/drawing/2014/main" id="{6E49CB04-DDBA-82B0-865A-7ECA534C73DB}"/>
+              </a:ext>
+            </a:extLst>
+          </p:cNvPr>
+          <p:cNvSpPr txBox="1"/>
+          <p:nvPr/>
+        </p:nvSpPr>
+        <p:spPr>
+          <a:xfrm>
+            <a:off x="6639661" y="3623310"/>
+            <a:ext cx="4583430" cy="369332"/>
+          </a:xfrm>
+          <a:prstGeom prst="rect">
+            <a:avLst/>
+          </a:prstGeom>
+          <a:noFill/>
+        </p:spPr>
+        <p:txBody>
+          <a:bodyPr wrap="square" rtlCol="0" anchor="ctr">
+            <a:spAutoFit/>
+          </a:bodyPr>
+          <a:lstStyle/>
+          <a:p>
+            <a:pPr algn="ctr"/>
+            <a:r>
+              <a:rPr lang="en-US" dirty="0">
+                <a:solidFill>
+                  <a:schemeClr val="bg1"/>
+                </a:solidFill>
+              </a:rPr>
+              <a:t>Guy Glatt, Hillel Charbit, Tom Geva</a:t>
+            </a:r>
+            <a:endParaRPr lang="en-IL" dirty="0">
+              <a:solidFill>
+                <a:schemeClr val="bg1"/>
+              </a:solidFill>
+            </a:endParaRPr>
+          </a:p>
+        </p:txBody>
+      </p:sp>
     </p:spTree>
     <p:extLst>
       <p:ext uri="{BB962C8B-B14F-4D97-AF65-F5344CB8AC3E}">
         <p14:creationId xmlns:p14="http://schemas.microsoft.com/office/powerpoint/2010/main" val="2586058810"/>
-      </p:ext>
-    </p:extLst>
-  </p:cSld>
-  <p:clrMapOvr>
-    <a:masterClrMapping/>
-  </p:clrMapOvr>
-</p:sld>
-</file>
-
-<file path=ppt/slides/slide10.xml><?xml version="1.0" encoding="utf-8"?>
-<p:sld xmlns:a="http://schemas.openxmlformats.org/drawingml/2006/main" xmlns:r="http://schemas.openxmlformats.org/officeDocument/2006/relationships" xmlns:p="http://schemas.openxmlformats.org/presentationml/2006/main">
-  <p:cSld>
-    <p:spTree>
-      <p:nvGrpSpPr>
-        <p:cNvPr id="1" name=""/>
-        <p:cNvGrpSpPr/>
-        <p:nvPr/>
-      </p:nvGrpSpPr>
-      <p:grpSpPr>
-        <a:xfrm>
-          <a:off x="0" y="0"/>
-          <a:ext cx="0" cy="0"/>
-          <a:chOff x="0" y="0"/>
-          <a:chExt cx="0" cy="0"/>
-        </a:xfrm>
-      </p:grpSpPr>
-      <p:sp>
-        <p:nvSpPr>
-          <p:cNvPr id="2" name="Title 1">
-            <a:extLst>
-              <a:ext uri="{FF2B5EF4-FFF2-40B4-BE49-F238E27FC236}">
-                <a16:creationId xmlns:a16="http://schemas.microsoft.com/office/drawing/2014/main" id="{8DB81D31-BB27-3E0E-C2FE-C56C467D033E}"/>
-              </a:ext>
-            </a:extLst>
-          </p:cNvPr>
-          <p:cNvSpPr>
-            <a:spLocks noGrp="1"/>
-          </p:cNvSpPr>
-          <p:nvPr>
-            <p:ph type="title"/>
-          </p:nvPr>
-        </p:nvSpPr>
-        <p:spPr>
-          <a:xfrm>
-            <a:off x="414543" y="669235"/>
-            <a:ext cx="3494848" cy="5519530"/>
-          </a:xfrm>
-        </p:spPr>
-        <p:txBody>
-          <a:bodyPr anchor="ctr"/>
-          <a:lstStyle/>
-          <a:p>
-            <a:pPr algn="ctr"/>
-            <a:r>
-              <a:rPr lang="en-US" sz="3600" dirty="0"/>
-              <a:t>Results </a:t>
-            </a:r>
-            <a:r>
-              <a:rPr lang="en-US" sz="3600"/>
-              <a:t>&amp; Discussion</a:t>
-            </a:r>
-            <a:endParaRPr lang="en-IL" dirty="0"/>
-          </a:p>
-        </p:txBody>
-      </p:sp>
-      <p:sp>
-        <p:nvSpPr>
-          <p:cNvPr id="4" name="Slide Number Placeholder 3">
-            <a:extLst>
-              <a:ext uri="{FF2B5EF4-FFF2-40B4-BE49-F238E27FC236}">
-                <a16:creationId xmlns:a16="http://schemas.microsoft.com/office/drawing/2014/main" id="{04A2575A-6EBD-45AB-82CB-85F9AB8CA985}"/>
-              </a:ext>
-            </a:extLst>
-          </p:cNvPr>
-          <p:cNvSpPr>
-            <a:spLocks noGrp="1"/>
-          </p:cNvSpPr>
-          <p:nvPr>
-            <p:ph type="sldNum" sz="quarter" idx="12"/>
-          </p:nvPr>
-        </p:nvSpPr>
-        <p:spPr/>
-        <p:txBody>
-          <a:bodyPr/>
-          <a:lstStyle/>
-          <a:p>
-            <a:fld id="{A49DFD55-3C28-40EF-9E31-A92D2E4017FF}" type="slidenum">
-              <a:rPr lang="en-US" smtClean="0"/>
-              <a:pPr/>
-              <a:t>10</a:t>
-            </a:fld>
-            <a:endParaRPr lang="en-US" dirty="0"/>
-          </a:p>
-        </p:txBody>
-      </p:sp>
-      <p:sp>
-        <p:nvSpPr>
-          <p:cNvPr id="5" name="Content Placeholder 4">
-            <a:extLst>
-              <a:ext uri="{FF2B5EF4-FFF2-40B4-BE49-F238E27FC236}">
-                <a16:creationId xmlns:a16="http://schemas.microsoft.com/office/drawing/2014/main" id="{B80861DE-AF85-FFF7-AC3C-52AEE0E916A5}"/>
-              </a:ext>
-            </a:extLst>
-          </p:cNvPr>
-          <p:cNvSpPr>
-            <a:spLocks noGrp="1"/>
-          </p:cNvSpPr>
-          <p:nvPr>
-            <p:ph sz="half" idx="14"/>
-          </p:nvPr>
-        </p:nvSpPr>
-        <p:spPr>
-          <a:xfrm>
-            <a:off x="5353878" y="669236"/>
-            <a:ext cx="6007023" cy="5519530"/>
-          </a:xfrm>
-        </p:spPr>
-        <p:txBody>
-          <a:bodyPr/>
-          <a:lstStyle/>
-          <a:p>
-            <a:r>
-              <a:rPr lang="en-US" dirty="0"/>
-              <a:t>Showcase results and discuss on them</a:t>
-            </a:r>
-            <a:endParaRPr lang="en-IL" dirty="0"/>
-          </a:p>
-        </p:txBody>
-      </p:sp>
-    </p:spTree>
-    <p:extLst>
-      <p:ext uri="{BB962C8B-B14F-4D97-AF65-F5344CB8AC3E}">
-        <p14:creationId xmlns:p14="http://schemas.microsoft.com/office/powerpoint/2010/main" val="1801276069"/>
-      </p:ext>
-    </p:extLst>
-  </p:cSld>
-  <p:clrMapOvr>
-    <a:masterClrMapping/>
-  </p:clrMapOvr>
-</p:sld>
-</file>
-
-<file path=ppt/slides/slide11.xml><?xml version="1.0" encoding="utf-8"?>
-<p:sld xmlns:a="http://schemas.openxmlformats.org/drawingml/2006/main" xmlns:r="http://schemas.openxmlformats.org/officeDocument/2006/relationships" xmlns:p="http://schemas.openxmlformats.org/presentationml/2006/main">
-  <p:cSld>
-    <p:spTree>
-      <p:nvGrpSpPr>
-        <p:cNvPr id="1" name=""/>
-        <p:cNvGrpSpPr/>
-        <p:nvPr/>
-      </p:nvGrpSpPr>
-      <p:grpSpPr>
-        <a:xfrm>
-          <a:off x="0" y="0"/>
-          <a:ext cx="0" cy="0"/>
-          <a:chOff x="0" y="0"/>
-          <a:chExt cx="0" cy="0"/>
-        </a:xfrm>
-      </p:grpSpPr>
-      <p:sp>
-        <p:nvSpPr>
-          <p:cNvPr id="2" name="Title 1">
-            <a:extLst>
-              <a:ext uri="{FF2B5EF4-FFF2-40B4-BE49-F238E27FC236}">
-                <a16:creationId xmlns:a16="http://schemas.microsoft.com/office/drawing/2014/main" id="{A95E2E6A-35EC-1B8E-0FD7-8C67870ACA64}"/>
-              </a:ext>
-            </a:extLst>
-          </p:cNvPr>
-          <p:cNvSpPr>
-            <a:spLocks noGrp="1"/>
-          </p:cNvSpPr>
-          <p:nvPr>
-            <p:ph type="ctrTitle"/>
-          </p:nvPr>
-        </p:nvSpPr>
-        <p:spPr/>
-        <p:txBody>
-          <a:bodyPr>
-            <a:normAutofit/>
-          </a:bodyPr>
-          <a:lstStyle/>
-          <a:p>
-            <a:r>
-              <a:rPr lang="en-US" sz="4800" dirty="0"/>
-              <a:t>Any question?</a:t>
-            </a:r>
-          </a:p>
-        </p:txBody>
-      </p:sp>
-      <p:sp>
-        <p:nvSpPr>
-          <p:cNvPr id="8" name="Slide Number Placeholder 7">
-            <a:extLst>
-              <a:ext uri="{FF2B5EF4-FFF2-40B4-BE49-F238E27FC236}">
-                <a16:creationId xmlns:a16="http://schemas.microsoft.com/office/drawing/2014/main" id="{8F44A959-C2BB-9170-C99C-1A2EDB71B994}"/>
-              </a:ext>
-            </a:extLst>
-          </p:cNvPr>
-          <p:cNvSpPr>
-            <a:spLocks noGrp="1"/>
-          </p:cNvSpPr>
-          <p:nvPr>
-            <p:ph type="sldNum" sz="quarter" idx="12"/>
-          </p:nvPr>
-        </p:nvSpPr>
-        <p:spPr/>
-        <p:txBody>
-          <a:bodyPr/>
-          <a:lstStyle/>
-          <a:p>
-            <a:fld id="{A49DFD55-3C28-40EF-9E31-A92D2E4017FF}" type="slidenum">
-              <a:rPr lang="en-US" smtClean="0"/>
-              <a:pPr/>
-              <a:t>11</a:t>
-            </a:fld>
-            <a:endParaRPr lang="en-US" dirty="0"/>
-          </a:p>
-        </p:txBody>
-      </p:sp>
-    </p:spTree>
-    <p:extLst>
-      <p:ext uri="{BB962C8B-B14F-4D97-AF65-F5344CB8AC3E}">
-        <p14:creationId xmlns:p14="http://schemas.microsoft.com/office/powerpoint/2010/main" val="103458723"/>
       </p:ext>
     </p:extLst>
   </p:cSld>
@@ -7947,7 +7433,7 @@
         <p:spPr>
           <a:xfrm>
             <a:off x="6538333" y="3896908"/>
-            <a:ext cx="4902819" cy="1477328"/>
+            <a:ext cx="4902819" cy="369332"/>
           </a:xfrm>
           <a:prstGeom prst="rect">
             <a:avLst/>
@@ -7960,10 +7446,54 @@
           </a:bodyPr>
           <a:lstStyle/>
           <a:p>
-            <a:r>
-              <a:rPr lang="en-US" dirty="0"/>
-              <a:t>Sentiment analysis is the process of using natural language processing to identify, extract, and quantify subjective information from text, determining whether the expressed sentiment is positive, negative, or neutral. </a:t>
-            </a:r>
+            <a:pPr marL="285750" indent="-285750">
+              <a:buFont typeface="Arial" panose="020B0604020202020204" pitchFamily="34" charset="0"/>
+              <a:buChar char="•"/>
+            </a:pPr>
+            <a:r>
+              <a:rPr lang="en-US" dirty="0"/>
+              <a:t>Google Searches &amp; Stock Price Relationship</a:t>
+            </a:r>
+          </a:p>
+        </p:txBody>
+      </p:sp>
+      <p:sp>
+        <p:nvSpPr>
+          <p:cNvPr id="3" name="TextBox 2">
+            <a:extLst>
+              <a:ext uri="{FF2B5EF4-FFF2-40B4-BE49-F238E27FC236}">
+                <a16:creationId xmlns:a16="http://schemas.microsoft.com/office/drawing/2014/main" id="{C5553495-923F-C22F-727B-01A9A6A80548}"/>
+              </a:ext>
+            </a:extLst>
+          </p:cNvPr>
+          <p:cNvSpPr txBox="1"/>
+          <p:nvPr/>
+        </p:nvSpPr>
+        <p:spPr>
+          <a:xfrm>
+            <a:off x="1579756" y="2571980"/>
+            <a:ext cx="3671254" cy="923330"/>
+          </a:xfrm>
+          <a:prstGeom prst="rect">
+            <a:avLst/>
+          </a:prstGeom>
+          <a:noFill/>
+        </p:spPr>
+        <p:txBody>
+          <a:bodyPr wrap="square" rtlCol="0">
+            <a:spAutoFit/>
+          </a:bodyPr>
+          <a:lstStyle/>
+          <a:p>
+            <a:r>
+              <a:rPr lang="en-US" dirty="0"/>
+              <a:t>Insert here graph of Dogecoin searches by glimpse and Dogecoin prices from </a:t>
+            </a:r>
+            <a:r>
+              <a:rPr lang="en-US" dirty="0" err="1"/>
+              <a:t>binance</a:t>
+            </a:r>
+            <a:endParaRPr lang="en-IL" dirty="0"/>
           </a:p>
         </p:txBody>
       </p:sp>
@@ -8172,7 +7702,7 @@
 </file>
 
 <file path=ppt/slides/slide4.xml><?xml version="1.0" encoding="utf-8"?>
-<p:sld xmlns:a="http://schemas.openxmlformats.org/drawingml/2006/main" xmlns:r="http://schemas.openxmlformats.org/officeDocument/2006/relationships" xmlns:p="http://schemas.openxmlformats.org/presentationml/2006/main" show="0">
+<p:sld xmlns:a="http://schemas.openxmlformats.org/drawingml/2006/main" xmlns:r="http://schemas.openxmlformats.org/officeDocument/2006/relationships" xmlns:p="http://schemas.openxmlformats.org/presentationml/2006/main">
   <p:cSld>
     <p:spTree>
       <p:nvGrpSpPr>
@@ -8190,10 +7720,10 @@
       </p:grpSpPr>
       <p:sp>
         <p:nvSpPr>
-          <p:cNvPr id="4" name="Slide Number Placeholder 3">
+          <p:cNvPr id="2" name="Title 1">
             <a:extLst>
               <a:ext uri="{FF2B5EF4-FFF2-40B4-BE49-F238E27FC236}">
-                <a16:creationId xmlns:a16="http://schemas.microsoft.com/office/drawing/2014/main" id="{55D0EDC1-8707-4E5C-3C4E-F4DDE7BBC7A2}"/>
+                <a16:creationId xmlns:a16="http://schemas.microsoft.com/office/drawing/2014/main" id="{0A32731C-311B-46F7-A865-6C3AF6B09A47}"/>
               </a:ext>
             </a:extLst>
           </p:cNvPr>
@@ -8201,10 +7731,48 @@
             <a:spLocks noGrp="1"/>
           </p:cNvSpPr>
           <p:nvPr>
+            <p:ph type="title"/>
+          </p:nvPr>
+        </p:nvSpPr>
+        <p:spPr>
+          <a:xfrm>
+            <a:off x="1322318" y="268360"/>
+            <a:ext cx="7288282" cy="2121177"/>
+          </a:xfrm>
+        </p:spPr>
+        <p:txBody>
+          <a:bodyPr/>
+          <a:lstStyle/>
+          <a:p>
+            <a:r>
+              <a:rPr lang="en-US" dirty="0"/>
+              <a:t>General plan</a:t>
+            </a:r>
+          </a:p>
+        </p:txBody>
+      </p:sp>
+      <p:sp>
+        <p:nvSpPr>
+          <p:cNvPr id="14" name="Slide Number Placeholder 5">
+            <a:extLst>
+              <a:ext uri="{FF2B5EF4-FFF2-40B4-BE49-F238E27FC236}">
+                <a16:creationId xmlns:a16="http://schemas.microsoft.com/office/drawing/2014/main" id="{ECE635A2-70B8-3EAB-6A18-952B02EBAA1E}"/>
+              </a:ext>
+            </a:extLst>
+          </p:cNvPr>
+          <p:cNvSpPr>
+            <a:spLocks noGrp="1"/>
+          </p:cNvSpPr>
+          <p:nvPr>
             <p:ph type="sldNum" sz="quarter" idx="12"/>
           </p:nvPr>
         </p:nvSpPr>
-        <p:spPr/>
+        <p:spPr>
+          <a:xfrm>
+            <a:off x="10373350" y="6356349"/>
+            <a:ext cx="987552" cy="365125"/>
+          </a:xfrm>
+        </p:spPr>
         <p:txBody>
           <a:bodyPr/>
           <a:lstStyle/>
@@ -8220,182 +7788,68 @@
       </p:sp>
       <p:sp>
         <p:nvSpPr>
-          <p:cNvPr id="7" name="Title 1">
+          <p:cNvPr id="5" name="TextBox 4">
             <a:extLst>
               <a:ext uri="{FF2B5EF4-FFF2-40B4-BE49-F238E27FC236}">
-                <a16:creationId xmlns:a16="http://schemas.microsoft.com/office/drawing/2014/main" id="{AB595173-FA02-AB06-D956-6AB877805872}"/>
+                <a16:creationId xmlns:a16="http://schemas.microsoft.com/office/drawing/2014/main" id="{E39A2562-A2FC-638A-04EA-83C75ABD22EB}"/>
               </a:ext>
             </a:extLst>
           </p:cNvPr>
-          <p:cNvSpPr>
-            <a:spLocks noGrp="1"/>
-          </p:cNvSpPr>
-          <p:nvPr>
-            <p:ph type="title"/>
-          </p:nvPr>
+          <p:cNvSpPr txBox="1"/>
+          <p:nvPr/>
         </p:nvSpPr>
         <p:spPr>
           <a:xfrm>
-            <a:off x="1322388" y="268289"/>
-            <a:ext cx="7288212" cy="1088564"/>
+            <a:off x="1201543" y="3682795"/>
+            <a:ext cx="6105292" cy="923330"/>
           </a:xfrm>
+          <a:prstGeom prst="rect">
+            <a:avLst/>
+          </a:prstGeom>
+          <a:noFill/>
         </p:spPr>
         <p:txBody>
-          <a:bodyPr/>
+          <a:bodyPr wrap="square">
+            <a:spAutoFit/>
+          </a:bodyPr>
           <a:lstStyle/>
           <a:p>
-            <a:r>
-              <a:rPr lang="en-US" dirty="0"/>
-              <a:t>Evidence</a:t>
-            </a:r>
-          </a:p>
-        </p:txBody>
-      </p:sp>
-      <p:grpSp>
-        <p:nvGrpSpPr>
-          <p:cNvPr id="41" name="Group 40">
-            <a:extLst>
-              <a:ext uri="{FF2B5EF4-FFF2-40B4-BE49-F238E27FC236}">
-                <a16:creationId xmlns:a16="http://schemas.microsoft.com/office/drawing/2014/main" id="{D8B61F5A-9D8F-6419-7731-A29D1D40374E}"/>
-              </a:ext>
-            </a:extLst>
-          </p:cNvPr>
-          <p:cNvGrpSpPr/>
-          <p:nvPr/>
-        </p:nvGrpSpPr>
-        <p:grpSpPr>
-          <a:xfrm>
-            <a:off x="1091768" y="1356853"/>
-            <a:ext cx="10008464" cy="4531885"/>
-            <a:chOff x="535704" y="1280753"/>
-            <a:chExt cx="11120515" cy="5035428"/>
-          </a:xfrm>
-        </p:grpSpPr>
-        <p:pic>
-          <p:nvPicPr>
-            <p:cNvPr id="34" name="Picture 33" descr="A graph of a graph of a graph of a graph of a graph of a graph of a graph of a graph of a graph of a graph of a graph of a graph of a graph of&#10;&#10;Description automatically generated">
-              <a:extLst>
-                <a:ext uri="{FF2B5EF4-FFF2-40B4-BE49-F238E27FC236}">
-                  <a16:creationId xmlns:a16="http://schemas.microsoft.com/office/drawing/2014/main" id="{2E420926-ADAB-CB96-8A2A-B430D0E03CD5}"/>
-                </a:ext>
-              </a:extLst>
-            </p:cNvPr>
-            <p:cNvPicPr>
-              <a:picLocks noChangeAspect="1"/>
-            </p:cNvPicPr>
-            <p:nvPr/>
-          </p:nvPicPr>
-          <p:blipFill>
-            <a:blip r:embed="rId3"/>
-            <a:stretch>
-              <a:fillRect/>
-            </a:stretch>
-          </p:blipFill>
-          <p:spPr>
-            <a:xfrm>
-              <a:off x="6095358" y="3798467"/>
-              <a:ext cx="5559654" cy="2517714"/>
-            </a:xfrm>
-            <a:prstGeom prst="rect">
-              <a:avLst/>
-            </a:prstGeom>
-          </p:spPr>
-        </p:pic>
-        <p:pic>
-          <p:nvPicPr>
-            <p:cNvPr id="36" name="Picture 35" descr="A graph of a stock market&#10;&#10;Description automatically generated">
-              <a:extLst>
-                <a:ext uri="{FF2B5EF4-FFF2-40B4-BE49-F238E27FC236}">
-                  <a16:creationId xmlns:a16="http://schemas.microsoft.com/office/drawing/2014/main" id="{48530117-3ADA-8141-3B2B-65157A4B0BC8}"/>
-                </a:ext>
-              </a:extLst>
-            </p:cNvPr>
-            <p:cNvPicPr>
-              <a:picLocks noChangeAspect="1"/>
-            </p:cNvPicPr>
-            <p:nvPr/>
-          </p:nvPicPr>
-          <p:blipFill>
-            <a:blip r:embed="rId4"/>
-            <a:stretch>
-              <a:fillRect/>
-            </a:stretch>
-          </p:blipFill>
-          <p:spPr>
-            <a:xfrm>
-              <a:off x="535704" y="3798467"/>
-              <a:ext cx="5559654" cy="2517714"/>
-            </a:xfrm>
-            <a:prstGeom prst="rect">
-              <a:avLst/>
-            </a:prstGeom>
-          </p:spPr>
-        </p:pic>
-        <p:pic>
-          <p:nvPicPr>
-            <p:cNvPr id="38" name="Picture 37" descr="A graph of a graph of a graph&#10;&#10;Description automatically generated with medium confidence">
-              <a:extLst>
-                <a:ext uri="{FF2B5EF4-FFF2-40B4-BE49-F238E27FC236}">
-                  <a16:creationId xmlns:a16="http://schemas.microsoft.com/office/drawing/2014/main" id="{FC9713DE-1C93-81A9-C07D-83622ACEA581}"/>
-                </a:ext>
-              </a:extLst>
-            </p:cNvPr>
-            <p:cNvPicPr>
-              <a:picLocks noChangeAspect="1"/>
-            </p:cNvPicPr>
-            <p:nvPr/>
-          </p:nvPicPr>
-          <p:blipFill>
-            <a:blip r:embed="rId5"/>
-            <a:stretch>
-              <a:fillRect/>
-            </a:stretch>
-          </p:blipFill>
-          <p:spPr>
-            <a:xfrm>
-              <a:off x="6096565" y="1280753"/>
-              <a:ext cx="5559654" cy="2517714"/>
-            </a:xfrm>
-            <a:prstGeom prst="rect">
-              <a:avLst/>
-            </a:prstGeom>
-          </p:spPr>
-        </p:pic>
-        <p:pic>
-          <p:nvPicPr>
-            <p:cNvPr id="40" name="Picture 39" descr="A graph of a graph of a graph&#10;&#10;Description automatically generated with medium confidence">
-              <a:extLst>
-                <a:ext uri="{FF2B5EF4-FFF2-40B4-BE49-F238E27FC236}">
-                  <a16:creationId xmlns:a16="http://schemas.microsoft.com/office/drawing/2014/main" id="{FD84B969-35B8-9B1E-75F5-7F2020842839}"/>
-                </a:ext>
-              </a:extLst>
-            </p:cNvPr>
-            <p:cNvPicPr>
-              <a:picLocks noChangeAspect="1"/>
-            </p:cNvPicPr>
-            <p:nvPr/>
-          </p:nvPicPr>
-          <p:blipFill>
-            <a:blip r:embed="rId6"/>
-            <a:stretch>
-              <a:fillRect/>
-            </a:stretch>
-          </p:blipFill>
-          <p:spPr>
-            <a:xfrm>
-              <a:off x="535781" y="1280755"/>
-              <a:ext cx="5559654" cy="2517714"/>
-            </a:xfrm>
-            <a:prstGeom prst="rect">
-              <a:avLst/>
-            </a:prstGeom>
-          </p:spPr>
-        </p:pic>
-      </p:grpSp>
+            <a:pPr marL="285750" indent="-285750">
+              <a:buFont typeface="Arial" panose="020B0604020202020204" pitchFamily="34" charset="0"/>
+              <a:buChar char="•"/>
+            </a:pPr>
+            <a:r>
+              <a:rPr lang="en-US" dirty="0"/>
+              <a:t>Simple idea, Complex Execution</a:t>
+            </a:r>
+          </a:p>
+          <a:p>
+            <a:pPr marL="285750" indent="-285750">
+              <a:buFont typeface="Arial" panose="020B0604020202020204" pitchFamily="34" charset="0"/>
+              <a:buChar char="•"/>
+            </a:pPr>
+            <a:r>
+              <a:rPr lang="en-US" dirty="0"/>
+              <a:t>Performance Metrics</a:t>
+            </a:r>
+          </a:p>
+          <a:p>
+            <a:pPr marL="285750" indent="-285750">
+              <a:buFont typeface="Arial" panose="020B0604020202020204" pitchFamily="34" charset="0"/>
+              <a:buChar char="•"/>
+            </a:pPr>
+            <a:r>
+              <a:rPr lang="en-US" dirty="0"/>
+              <a:t>Comparison with Buy &amp; Hold</a:t>
+            </a:r>
+            <a:endParaRPr lang="en-IL" dirty="0"/>
+          </a:p>
+        </p:txBody>
+      </p:sp>
     </p:spTree>
     <p:extLst>
       <p:ext uri="{BB962C8B-B14F-4D97-AF65-F5344CB8AC3E}">
-        <p14:creationId xmlns:p14="http://schemas.microsoft.com/office/powerpoint/2010/main" val="1227343397"/>
+        <p14:creationId xmlns:p14="http://schemas.microsoft.com/office/powerpoint/2010/main" val="3571516367"/>
       </p:ext>
     </p:extLst>
   </p:cSld>
@@ -8406,7 +7860,7 @@
 </file>
 
 <file path=ppt/slides/slide5.xml><?xml version="1.0" encoding="utf-8"?>
-<p:sld xmlns:a="http://schemas.openxmlformats.org/drawingml/2006/main" xmlns:r="http://schemas.openxmlformats.org/officeDocument/2006/relationships" xmlns:p="http://schemas.openxmlformats.org/presentationml/2006/main" show="0">
+<p:sld xmlns:a="http://schemas.openxmlformats.org/drawingml/2006/main" xmlns:r="http://schemas.openxmlformats.org/officeDocument/2006/relationships" xmlns:p="http://schemas.openxmlformats.org/presentationml/2006/main">
   <p:cSld>
     <p:spTree>
       <p:nvGrpSpPr>
@@ -8427,7 +7881,7 @@
           <p:cNvPr id="9" name="Title 1">
             <a:extLst>
               <a:ext uri="{FF2B5EF4-FFF2-40B4-BE49-F238E27FC236}">
-                <a16:creationId xmlns:a16="http://schemas.microsoft.com/office/drawing/2014/main" id="{0E34A8B1-05F7-46E5-5650-7D5442FE0C6A}"/>
+                <a16:creationId xmlns:a16="http://schemas.microsoft.com/office/drawing/2014/main" id="{E512DE17-6D27-A192-2D4F-70EDE0AF52CA}"/>
               </a:ext>
             </a:extLst>
           </p:cNvPr>
@@ -8438,29 +7892,26 @@
             <p:ph type="ctrTitle"/>
           </p:nvPr>
         </p:nvSpPr>
-        <p:spPr>
-          <a:xfrm>
-            <a:off x="3538331" y="614313"/>
-            <a:ext cx="4179570" cy="629923"/>
-          </a:xfrm>
-        </p:spPr>
-        <p:txBody>
-          <a:bodyPr/>
+        <p:spPr/>
+        <p:txBody>
+          <a:bodyPr anchor="b">
+            <a:normAutofit/>
+          </a:bodyPr>
           <a:lstStyle/>
           <a:p>
             <a:r>
               <a:rPr lang="en-US" dirty="0"/>
-              <a:t>Evidence</a:t>
-            </a:r>
-          </a:p>
-        </p:txBody>
-      </p:sp>
-      <p:sp>
-        <p:nvSpPr>
-          <p:cNvPr id="11" name="Subtitle 2">
+              <a:t>Data normalization</a:t>
+            </a:r>
+          </a:p>
+        </p:txBody>
+      </p:sp>
+      <p:sp>
+        <p:nvSpPr>
+          <p:cNvPr id="13" name="Content Placeholder 4">
             <a:extLst>
               <a:ext uri="{FF2B5EF4-FFF2-40B4-BE49-F238E27FC236}">
-                <a16:creationId xmlns:a16="http://schemas.microsoft.com/office/drawing/2014/main" id="{CE2C9D7A-31E2-A7F1-ECA2-BCCFC1E0DE39}"/>
+                <a16:creationId xmlns:a16="http://schemas.microsoft.com/office/drawing/2014/main" id="{9ACFE1C8-FCB0-A9EA-4356-19B9AE73DE02}"/>
               </a:ext>
             </a:extLst>
           </p:cNvPr>
@@ -8471,31 +7922,37 @@
             <p:ph type="subTitle" idx="1"/>
           </p:nvPr>
         </p:nvSpPr>
-        <p:spPr>
-          <a:xfrm>
-            <a:off x="3538332" y="5131413"/>
-            <a:ext cx="8229598" cy="1208137"/>
-          </a:xfrm>
-        </p:spPr>
-        <p:txBody>
-          <a:bodyPr/>
+        <p:spPr/>
+        <p:txBody>
+          <a:bodyPr>
+            <a:normAutofit/>
+          </a:bodyPr>
           <a:lstStyle/>
           <a:p>
             <a:pPr marL="285750" indent="-285750">
+              <a:lnSpc>
+                <a:spcPct val="90000"/>
+              </a:lnSpc>
               <a:buFont typeface="Arial" panose="020B0604020202020204" pitchFamily="34" charset="0"/>
               <a:buChar char="•"/>
             </a:pPr>
             <a:r>
-              <a:rPr lang="en-US" sz="1600" dirty="0"/>
-              <a:t>The Crypto-Market has Higher Correlation to it’s Trend Compared to Other Sectors</a:t>
+              <a:rPr lang="en-US" dirty="0"/>
+              <a:t>Using Glimpse for Approximation</a:t>
             </a:r>
           </a:p>
           <a:p>
             <a:pPr marL="285750" indent="-285750">
+              <a:lnSpc>
+                <a:spcPct val="90000"/>
+              </a:lnSpc>
               <a:buFont typeface="Arial" panose="020B0604020202020204" pitchFamily="34" charset="0"/>
               <a:buChar char="•"/>
             </a:pPr>
-            <a:endParaRPr lang="en-US" dirty="0"/>
+            <a:r>
+              <a:rPr lang="en-US" dirty="0"/>
+              <a:t>Data Cleaning &amp; Normalization</a:t>
+            </a:r>
           </a:p>
         </p:txBody>
       </p:sp>
@@ -8504,7 +7961,7 @@
           <p:cNvPr id="4" name="Slide Number Placeholder 3">
             <a:extLst>
               <a:ext uri="{FF2B5EF4-FFF2-40B4-BE49-F238E27FC236}">
-                <a16:creationId xmlns:a16="http://schemas.microsoft.com/office/drawing/2014/main" id="{7BCA438A-189B-CE15-445E-3BB9B806EB8E}"/>
+                <a16:creationId xmlns:a16="http://schemas.microsoft.com/office/drawing/2014/main" id="{B4801588-62AB-3DEE-6DA8-C2478CCC79DB}"/>
               </a:ext>
             </a:extLst>
           </p:cNvPr>
@@ -8515,12 +7972,7 @@
             <p:ph type="sldNum" sz="quarter" idx="12"/>
           </p:nvPr>
         </p:nvSpPr>
-        <p:spPr>
-          <a:xfrm>
-            <a:off x="9579428" y="6356350"/>
-            <a:ext cx="1774371" cy="365125"/>
-          </a:xfrm>
-        </p:spPr>
+        <p:spPr/>
         <p:txBody>
           <a:bodyPr anchor="ctr">
             <a:normAutofit/>
@@ -8545,39 +7997,10 @@
           </a:p>
         </p:txBody>
       </p:sp>
-      <p:pic>
-        <p:nvPicPr>
-          <p:cNvPr id="6" name="Picture 5">
-            <a:extLst>
-              <a:ext uri="{FF2B5EF4-FFF2-40B4-BE49-F238E27FC236}">
-                <a16:creationId xmlns:a16="http://schemas.microsoft.com/office/drawing/2014/main" id="{DE578A7B-A460-AE91-59CE-7D1E26C96C5D}"/>
-              </a:ext>
-            </a:extLst>
-          </p:cNvPr>
-          <p:cNvPicPr>
-            <a:picLocks noChangeAspect="1"/>
-          </p:cNvPicPr>
-          <p:nvPr/>
-        </p:nvPicPr>
-        <p:blipFill>
-          <a:blip r:embed="rId3"/>
-          <a:srcRect/>
-          <a:stretch/>
-        </p:blipFill>
-        <p:spPr>
-          <a:xfrm>
-            <a:off x="3687872" y="1245778"/>
-            <a:ext cx="7226937" cy="3613469"/>
-          </a:xfrm>
-          <a:prstGeom prst="rect">
-            <a:avLst/>
-          </a:prstGeom>
-        </p:spPr>
-      </p:pic>
     </p:spTree>
     <p:extLst>
       <p:ext uri="{BB962C8B-B14F-4D97-AF65-F5344CB8AC3E}">
-        <p14:creationId xmlns:p14="http://schemas.microsoft.com/office/powerpoint/2010/main" val="2325529185"/>
+        <p14:creationId xmlns:p14="http://schemas.microsoft.com/office/powerpoint/2010/main" val="2400125619"/>
       </p:ext>
     </p:extLst>
   </p:cSld>
@@ -8609,7 +8032,7 @@
           <p:cNvPr id="2" name="Title 1">
             <a:extLst>
               <a:ext uri="{FF2B5EF4-FFF2-40B4-BE49-F238E27FC236}">
-                <a16:creationId xmlns:a16="http://schemas.microsoft.com/office/drawing/2014/main" id="{0A32731C-311B-46F7-A865-6C3AF6B09A47}"/>
+                <a16:creationId xmlns:a16="http://schemas.microsoft.com/office/drawing/2014/main" id="{9B3FB6E1-E8C7-A4E6-59B3-DB0B99BA2838}"/>
               </a:ext>
             </a:extLst>
           </p:cNvPr>
@@ -8622,62 +8045,35 @@
         </p:nvSpPr>
         <p:spPr>
           <a:xfrm>
-            <a:off x="1322318" y="268360"/>
-            <a:ext cx="7288282" cy="2121177"/>
+            <a:off x="797459" y="1409914"/>
+            <a:ext cx="3431641" cy="1905952"/>
           </a:xfrm>
         </p:spPr>
         <p:txBody>
-          <a:bodyPr/>
-          <a:lstStyle/>
-          <a:p>
-            <a:r>
-              <a:rPr lang="en-US" dirty="0"/>
-              <a:t>What are we trying to achieve</a:t>
-            </a:r>
-          </a:p>
-        </p:txBody>
-      </p:sp>
-      <p:sp>
-        <p:nvSpPr>
-          <p:cNvPr id="3" name="Text Placeholder 2">
-            <a:extLst>
-              <a:ext uri="{FF2B5EF4-FFF2-40B4-BE49-F238E27FC236}">
-                <a16:creationId xmlns:a16="http://schemas.microsoft.com/office/drawing/2014/main" id="{9D5232F9-FD00-464A-9F17-619C91AEF8F3}"/>
-              </a:ext>
-            </a:extLst>
-          </p:cNvPr>
-          <p:cNvSpPr>
-            <a:spLocks noGrp="1"/>
-          </p:cNvSpPr>
-          <p:nvPr>
-            <p:ph sz="half" idx="2"/>
-          </p:nvPr>
-        </p:nvSpPr>
-        <p:spPr>
-          <a:xfrm>
-            <a:off x="1322388" y="2763078"/>
-            <a:ext cx="7288212" cy="3407051"/>
-          </a:xfrm>
-        </p:spPr>
-        <p:txBody>
-          <a:bodyPr>
+          <a:bodyPr anchor="ctr">
             <a:normAutofit/>
           </a:bodyPr>
           <a:lstStyle/>
           <a:p>
-            <a:r>
-              <a:rPr lang="en-US" dirty="0"/>
-              <a:t>Aka how we’re going to get rich</a:t>
-            </a:r>
-          </a:p>
-        </p:txBody>
-      </p:sp>
-      <p:sp>
-        <p:nvSpPr>
-          <p:cNvPr id="14" name="Slide Number Placeholder 5">
+            <a:pPr algn="ctr"/>
+            <a:r>
+              <a:rPr lang="en-US" sz="3600" dirty="0"/>
+              <a:t>Strategy &amp; </a:t>
+            </a:r>
+            <a:r>
+              <a:rPr lang="en-US" sz="3600" dirty="0" err="1"/>
+              <a:t>backtesting</a:t>
+            </a:r>
+            <a:endParaRPr lang="en-IL" sz="3600" dirty="0"/>
+          </a:p>
+        </p:txBody>
+      </p:sp>
+      <p:sp>
+        <p:nvSpPr>
+          <p:cNvPr id="4" name="Slide Number Placeholder 3">
             <a:extLst>
               <a:ext uri="{FF2B5EF4-FFF2-40B4-BE49-F238E27FC236}">
-                <a16:creationId xmlns:a16="http://schemas.microsoft.com/office/drawing/2014/main" id="{ECE635A2-70B8-3EAB-6A18-952B02EBAA1E}"/>
+                <a16:creationId xmlns:a16="http://schemas.microsoft.com/office/drawing/2014/main" id="{2DAA54C8-44C4-7040-B3BB-747643B3D86C}"/>
               </a:ext>
             </a:extLst>
           </p:cNvPr>
@@ -8686,53 +8082,57 @@
           </p:cNvSpPr>
           <p:nvPr>
             <p:ph type="sldNum" sz="quarter" idx="12"/>
+          </p:nvPr>
+        </p:nvSpPr>
+        <p:spPr/>
+        <p:txBody>
+          <a:bodyPr anchor="ctr">
+            <a:normAutofit/>
+          </a:bodyPr>
+          <a:lstStyle/>
+          <a:p>
+            <a:pPr>
+              <a:spcAft>
+                <a:spcPts val="600"/>
+              </a:spcAft>
+            </a:pPr>
+            <a:fld id="{A49DFD55-3C28-40EF-9E31-A92D2E4017FF}" type="slidenum">
+              <a:rPr lang="en-US" smtClean="0"/>
+              <a:pPr>
+                <a:spcAft>
+                  <a:spcPts val="600"/>
+                </a:spcAft>
+              </a:pPr>
+              <a:t>6</a:t>
+            </a:fld>
+            <a:endParaRPr lang="en-US"/>
+          </a:p>
+        </p:txBody>
+      </p:sp>
+      <p:sp>
+        <p:nvSpPr>
+          <p:cNvPr id="8" name="Content Placeholder 7">
+            <a:extLst>
+              <a:ext uri="{FF2B5EF4-FFF2-40B4-BE49-F238E27FC236}">
+                <a16:creationId xmlns:a16="http://schemas.microsoft.com/office/drawing/2014/main" id="{8B15A2BB-10B1-E6FC-0B78-FCB0E4C62D07}"/>
+              </a:ext>
+            </a:extLst>
+          </p:cNvPr>
+          <p:cNvSpPr>
+            <a:spLocks noGrp="1"/>
+          </p:cNvSpPr>
+          <p:nvPr>
+            <p:ph sz="half" idx="14"/>
           </p:nvPr>
         </p:nvSpPr>
         <p:spPr>
           <a:xfrm>
-            <a:off x="10373350" y="6356349"/>
-            <a:ext cx="987552" cy="365125"/>
+            <a:off x="5453725" y="3429000"/>
+            <a:ext cx="5907176" cy="2768600"/>
           </a:xfrm>
         </p:spPr>
         <p:txBody>
           <a:bodyPr/>
-          <a:lstStyle/>
-          <a:p>
-            <a:fld id="{A49DFD55-3C28-40EF-9E31-A92D2E4017FF}" type="slidenum">
-              <a:rPr lang="en-US" smtClean="0"/>
-              <a:pPr/>
-              <a:t>6</a:t>
-            </a:fld>
-            <a:endParaRPr lang="en-US" dirty="0"/>
-          </a:p>
-        </p:txBody>
-      </p:sp>
-      <p:sp>
-        <p:nvSpPr>
-          <p:cNvPr id="5" name="TextBox 4">
-            <a:extLst>
-              <a:ext uri="{FF2B5EF4-FFF2-40B4-BE49-F238E27FC236}">
-                <a16:creationId xmlns:a16="http://schemas.microsoft.com/office/drawing/2014/main" id="{E39A2562-A2FC-638A-04EA-83C75ABD22EB}"/>
-              </a:ext>
-            </a:extLst>
-          </p:cNvPr>
-          <p:cNvSpPr txBox="1"/>
-          <p:nvPr/>
-        </p:nvSpPr>
-        <p:spPr>
-          <a:xfrm>
-            <a:off x="1201543" y="3682795"/>
-            <a:ext cx="6105292" cy="1200329"/>
-          </a:xfrm>
-          <a:prstGeom prst="rect">
-            <a:avLst/>
-          </a:prstGeom>
-          <a:noFill/>
-        </p:spPr>
-        <p:txBody>
-          <a:bodyPr wrap="square">
-            <a:spAutoFit/>
-          </a:bodyPr>
           <a:lstStyle/>
           <a:p>
             <a:pPr marL="285750" indent="-285750">
@@ -8740,8 +8140,8 @@
               <a:buChar char="•"/>
             </a:pPr>
             <a:r>
-              <a:rPr lang="en-US" dirty="0"/>
-              <a:t>Simple idea, Complex Execution</a:t>
+              <a:rPr lang="en-US" sz="1800" dirty="0"/>
+              <a:t>Filtering Coins</a:t>
             </a:r>
           </a:p>
           <a:p>
@@ -8750,29 +8150,11 @@
               <a:buChar char="•"/>
             </a:pPr>
             <a:r>
-              <a:rPr lang="en-US" dirty="0"/>
-              <a:t>Algorithm Monitoring</a:t>
-            </a:r>
-          </a:p>
-          <a:p>
-            <a:pPr marL="285750" indent="-285750">
-              <a:buFont typeface="Arial" panose="020B0604020202020204" pitchFamily="34" charset="0"/>
-              <a:buChar char="•"/>
-            </a:pPr>
-            <a:r>
-              <a:rPr lang="en-US" dirty="0"/>
-              <a:t>Performance Metrics</a:t>
-            </a:r>
-          </a:p>
-          <a:p>
-            <a:pPr marL="285750" indent="-285750">
-              <a:buFont typeface="Arial" panose="020B0604020202020204" pitchFamily="34" charset="0"/>
-              <a:buChar char="•"/>
-            </a:pPr>
-            <a:r>
-              <a:rPr lang="en-US" dirty="0"/>
-              <a:t>Comparison with Buy &amp; Hold</a:t>
-            </a:r>
+              <a:rPr lang="en-US" sz="1800" dirty="0"/>
+              <a:t>Signal Calculation</a:t>
+            </a:r>
+          </a:p>
+          <a:p>
             <a:endParaRPr lang="en-IL" dirty="0"/>
           </a:p>
         </p:txBody>
@@ -8780,7 +8162,7 @@
     </p:spTree>
     <p:extLst>
       <p:ext uri="{BB962C8B-B14F-4D97-AF65-F5344CB8AC3E}">
-        <p14:creationId xmlns:p14="http://schemas.microsoft.com/office/powerpoint/2010/main" val="3571516367"/>
+        <p14:creationId xmlns:p14="http://schemas.microsoft.com/office/powerpoint/2010/main" val="433292778"/>
       </p:ext>
     </p:extLst>
   </p:cSld>
@@ -8809,10 +8191,10 @@
       </p:grpSpPr>
       <p:sp>
         <p:nvSpPr>
-          <p:cNvPr id="9" name="Title 1">
+          <p:cNvPr id="2" name="Title 1">
             <a:extLst>
               <a:ext uri="{FF2B5EF4-FFF2-40B4-BE49-F238E27FC236}">
-                <a16:creationId xmlns:a16="http://schemas.microsoft.com/office/drawing/2014/main" id="{1B71EDE3-8A5F-2990-1149-8272244EF52D}"/>
+                <a16:creationId xmlns:a16="http://schemas.microsoft.com/office/drawing/2014/main" id="{8DB81D31-BB27-3E0E-C2FE-C56C467D033E}"/>
               </a:ext>
             </a:extLst>
           </p:cNvPr>
@@ -8820,34 +8202,34 @@
             <a:spLocks noGrp="1"/>
           </p:cNvSpPr>
           <p:nvPr>
-            <p:ph type="ctrTitle"/>
+            <p:ph type="title"/>
           </p:nvPr>
         </p:nvSpPr>
         <p:spPr>
           <a:xfrm>
-            <a:off x="3597529" y="1221425"/>
-            <a:ext cx="6961454" cy="687469"/>
+            <a:off x="1059180" y="1020445"/>
+            <a:ext cx="2895600" cy="1325563"/>
           </a:xfrm>
         </p:spPr>
         <p:txBody>
-          <a:bodyPr anchor="b">
-            <a:normAutofit/>
-          </a:bodyPr>
+          <a:bodyPr anchor="ctr"/>
           <a:lstStyle/>
           <a:p>
-            <a:r>
-              <a:rPr lang="en-US" dirty="0"/>
-              <a:t>Data normalization</a:t>
-            </a:r>
-          </a:p>
-        </p:txBody>
-      </p:sp>
-      <p:sp>
-        <p:nvSpPr>
-          <p:cNvPr id="23" name="Subtitle 2">
+            <a:pPr algn="ctr"/>
+            <a:r>
+              <a:rPr lang="en-US" sz="3600" dirty="0"/>
+              <a:t>Results</a:t>
+            </a:r>
+            <a:endParaRPr lang="en-IL" dirty="0"/>
+          </a:p>
+        </p:txBody>
+      </p:sp>
+      <p:sp>
+        <p:nvSpPr>
+          <p:cNvPr id="5" name="Content Placeholder 4">
             <a:extLst>
               <a:ext uri="{FF2B5EF4-FFF2-40B4-BE49-F238E27FC236}">
-                <a16:creationId xmlns:a16="http://schemas.microsoft.com/office/drawing/2014/main" id="{F0464092-F755-2947-E366-479F2ED7B02C}"/>
+                <a16:creationId xmlns:a16="http://schemas.microsoft.com/office/drawing/2014/main" id="{B80861DE-AF85-FFF7-AC3C-52AEE0E916A5}"/>
               </a:ext>
             </a:extLst>
           </p:cNvPr>
@@ -8855,19 +8237,17 @@
             <a:spLocks noGrp="1"/>
           </p:cNvSpPr>
           <p:nvPr>
-            <p:ph type="subTitle" idx="1"/>
+            <p:ph idx="1"/>
           </p:nvPr>
         </p:nvSpPr>
         <p:spPr>
           <a:xfrm>
-            <a:off x="3597529" y="2829969"/>
-            <a:ext cx="7648923" cy="3526382"/>
+            <a:off x="807720" y="2674013"/>
+            <a:ext cx="4762500" cy="3269589"/>
           </a:xfrm>
         </p:spPr>
         <p:txBody>
-          <a:bodyPr>
-            <a:normAutofit/>
-          </a:bodyPr>
+          <a:bodyPr/>
           <a:lstStyle/>
           <a:p>
             <a:pPr marL="285750" indent="-285750">
@@ -8875,18 +8255,8 @@
               <a:buChar char="•"/>
             </a:pPr>
             <a:r>
-              <a:rPr lang="en-US" dirty="0"/>
-              <a:t>Data Collection Issues</a:t>
-            </a:r>
-          </a:p>
-          <a:p>
-            <a:pPr marL="285750" indent="-285750">
-              <a:buFont typeface="Arial" panose="020B0604020202020204" pitchFamily="34" charset="0"/>
-              <a:buChar char="•"/>
-            </a:pPr>
-            <a:r>
-              <a:rPr lang="en-US" dirty="0"/>
-              <a:t>Local Data Storage Solution</a:t>
+              <a:rPr lang="en-US" sz="1800" dirty="0"/>
+              <a:t>Performance Metrics &amp; Comparison</a:t>
             </a:r>
           </a:p>
         </p:txBody>
@@ -8896,7 +8266,7 @@
           <p:cNvPr id="4" name="Slide Number Placeholder 3">
             <a:extLst>
               <a:ext uri="{FF2B5EF4-FFF2-40B4-BE49-F238E27FC236}">
-                <a16:creationId xmlns:a16="http://schemas.microsoft.com/office/drawing/2014/main" id="{739BF516-293D-150C-2CFC-D8F53F5A4394}"/>
+                <a16:creationId xmlns:a16="http://schemas.microsoft.com/office/drawing/2014/main" id="{04A2575A-6EBD-45AB-82CB-85F9AB8CA985}"/>
               </a:ext>
             </a:extLst>
           </p:cNvPr>
@@ -8907,40 +8277,635 @@
             <p:ph type="sldNum" sz="quarter" idx="12"/>
           </p:nvPr>
         </p:nvSpPr>
-        <p:spPr>
-          <a:xfrm>
-            <a:off x="9579428" y="6356350"/>
-            <a:ext cx="1774371" cy="365125"/>
-          </a:xfrm>
-        </p:spPr>
-        <p:txBody>
-          <a:bodyPr anchor="ctr">
-            <a:normAutofit/>
-          </a:bodyPr>
+        <p:spPr/>
+        <p:txBody>
+          <a:bodyPr/>
           <a:lstStyle/>
           <a:p>
-            <a:pPr>
-              <a:spcAft>
-                <a:spcPts val="600"/>
-              </a:spcAft>
-            </a:pPr>
             <a:fld id="{A49DFD55-3C28-40EF-9E31-A92D2E4017FF}" type="slidenum">
               <a:rPr lang="en-US" smtClean="0"/>
-              <a:pPr>
-                <a:spcAft>
-                  <a:spcPts val="600"/>
-                </a:spcAft>
-              </a:pPr>
+              <a:pPr/>
               <a:t>7</a:t>
             </a:fld>
-            <a:endParaRPr lang="en-US"/>
-          </a:p>
-        </p:txBody>
-      </p:sp>
+            <a:endParaRPr lang="en-US" dirty="0"/>
+          </a:p>
+        </p:txBody>
+      </p:sp>
+      <p:graphicFrame>
+        <p:nvGraphicFramePr>
+          <p:cNvPr id="3" name="Table 2">
+            <a:extLst>
+              <a:ext uri="{FF2B5EF4-FFF2-40B4-BE49-F238E27FC236}">
+                <a16:creationId xmlns:a16="http://schemas.microsoft.com/office/drawing/2014/main" id="{B3C7A9B7-1AF1-0FBA-73AC-F555CE6EED81}"/>
+              </a:ext>
+            </a:extLst>
+          </p:cNvPr>
+          <p:cNvGraphicFramePr>
+            <a:graphicFrameLocks noGrp="1"/>
+          </p:cNvGraphicFramePr>
+          <p:nvPr>
+            <p:extLst>
+              <p:ext uri="{D42A27DB-BD31-4B8C-83A1-F6EECF244321}">
+                <p14:modId xmlns:p14="http://schemas.microsoft.com/office/powerpoint/2010/main" val="3770854825"/>
+              </p:ext>
+            </p:extLst>
+          </p:nvPr>
+        </p:nvGraphicFramePr>
+        <p:xfrm>
+          <a:off x="2811781" y="3589020"/>
+          <a:ext cx="8738860" cy="2225040"/>
+        </p:xfrm>
+        <a:graphic>
+          <a:graphicData uri="http://schemas.openxmlformats.org/drawingml/2006/table">
+            <a:tbl>
+              <a:tblPr firstRow="1" bandRow="1">
+                <a:tableStyleId>{5202B0CA-FC54-4496-8BCA-5EF66A818D29}</a:tableStyleId>
+              </a:tblPr>
+              <a:tblGrid>
+                <a:gridCol w="1747772">
+                  <a:extLst>
+                    <a:ext uri="{9D8B030D-6E8A-4147-A177-3AD203B41FA5}">
+                      <a16:colId xmlns:a16="http://schemas.microsoft.com/office/drawing/2014/main" val="1213280532"/>
+                    </a:ext>
+                  </a:extLst>
+                </a:gridCol>
+                <a:gridCol w="1747772">
+                  <a:extLst>
+                    <a:ext uri="{9D8B030D-6E8A-4147-A177-3AD203B41FA5}">
+                      <a16:colId xmlns:a16="http://schemas.microsoft.com/office/drawing/2014/main" val="4110195126"/>
+                    </a:ext>
+                  </a:extLst>
+                </a:gridCol>
+                <a:gridCol w="1747772">
+                  <a:extLst>
+                    <a:ext uri="{9D8B030D-6E8A-4147-A177-3AD203B41FA5}">
+                      <a16:colId xmlns:a16="http://schemas.microsoft.com/office/drawing/2014/main" val="3393406605"/>
+                    </a:ext>
+                  </a:extLst>
+                </a:gridCol>
+                <a:gridCol w="1747772">
+                  <a:extLst>
+                    <a:ext uri="{9D8B030D-6E8A-4147-A177-3AD203B41FA5}">
+                      <a16:colId xmlns:a16="http://schemas.microsoft.com/office/drawing/2014/main" val="1421656131"/>
+                    </a:ext>
+                  </a:extLst>
+                </a:gridCol>
+                <a:gridCol w="1747772">
+                  <a:extLst>
+                    <a:ext uri="{9D8B030D-6E8A-4147-A177-3AD203B41FA5}">
+                      <a16:colId xmlns:a16="http://schemas.microsoft.com/office/drawing/2014/main" val="172167642"/>
+                    </a:ext>
+                  </a:extLst>
+                </a:gridCol>
+              </a:tblGrid>
+              <a:tr h="370840">
+                <a:tc rowSpan="2">
+                  <a:txBody>
+                    <a:bodyPr/>
+                    <a:lstStyle/>
+                    <a:p>
+                      <a:pPr algn="ctr"/>
+                      <a:endParaRPr lang="en-IL" dirty="0"/>
+                    </a:p>
+                  </a:txBody>
+                  <a:tcPr>
+                    <a:solidFill>
+                      <a:schemeClr val="tx1">
+                        <a:lumMod val="75000"/>
+                        <a:lumOff val="25000"/>
+                      </a:schemeClr>
+                    </a:solidFill>
+                  </a:tcPr>
+                </a:tc>
+                <a:tc gridSpan="2">
+                  <a:txBody>
+                    <a:bodyPr/>
+                    <a:lstStyle/>
+                    <a:p>
+                      <a:pPr algn="ctr"/>
+                      <a:r>
+                        <a:rPr lang="en-US" dirty="0"/>
+                        <a:t>Our Strategy</a:t>
+                      </a:r>
+                      <a:endParaRPr lang="en-IL" dirty="0"/>
+                    </a:p>
+                  </a:txBody>
+                  <a:tcPr/>
+                </a:tc>
+                <a:tc hMerge="1">
+                  <a:txBody>
+                    <a:bodyPr/>
+                    <a:lstStyle/>
+                    <a:p>
+                      <a:endParaRPr lang="en-IL" dirty="0"/>
+                    </a:p>
+                  </a:txBody>
+                  <a:tcPr/>
+                </a:tc>
+                <a:tc gridSpan="2">
+                  <a:txBody>
+                    <a:bodyPr/>
+                    <a:lstStyle/>
+                    <a:p>
+                      <a:pPr algn="ctr"/>
+                      <a:r>
+                        <a:rPr lang="en-US" dirty="0"/>
+                        <a:t>Buy &amp; Hold Strategy</a:t>
+                      </a:r>
+                      <a:endParaRPr lang="en-IL" dirty="0"/>
+                    </a:p>
+                  </a:txBody>
+                  <a:tcPr/>
+                </a:tc>
+                <a:tc hMerge="1">
+                  <a:txBody>
+                    <a:bodyPr/>
+                    <a:lstStyle/>
+                    <a:p>
+                      <a:endParaRPr lang="en-IL" dirty="0"/>
+                    </a:p>
+                  </a:txBody>
+                  <a:tcPr/>
+                </a:tc>
+                <a:extLst>
+                  <a:ext uri="{0D108BD9-81ED-4DB2-BD59-A6C34878D82A}">
+                    <a16:rowId xmlns:a16="http://schemas.microsoft.com/office/drawing/2014/main" val="1055431997"/>
+                  </a:ext>
+                </a:extLst>
+              </a:tr>
+              <a:tr h="370840">
+                <a:tc vMerge="1">
+                  <a:txBody>
+                    <a:bodyPr/>
+                    <a:lstStyle/>
+                    <a:p>
+                      <a:endParaRPr lang="en-IL" dirty="0"/>
+                    </a:p>
+                  </a:txBody>
+                  <a:tcPr/>
+                </a:tc>
+                <a:tc>
+                  <a:txBody>
+                    <a:bodyPr/>
+                    <a:lstStyle/>
+                    <a:p>
+                      <a:pPr algn="ctr"/>
+                      <a:r>
+                        <a:rPr lang="en-US" b="1" dirty="0">
+                          <a:solidFill>
+                            <a:schemeClr val="bg1"/>
+                          </a:solidFill>
+                        </a:rPr>
+                        <a:t>Train</a:t>
+                      </a:r>
+                      <a:endParaRPr lang="en-IL" b="1" dirty="0">
+                        <a:solidFill>
+                          <a:schemeClr val="bg1"/>
+                        </a:solidFill>
+                      </a:endParaRPr>
+                    </a:p>
+                  </a:txBody>
+                  <a:tcPr>
+                    <a:solidFill>
+                      <a:schemeClr val="tx1">
+                        <a:lumMod val="65000"/>
+                        <a:lumOff val="35000"/>
+                      </a:schemeClr>
+                    </a:solidFill>
+                  </a:tcPr>
+                </a:tc>
+                <a:tc>
+                  <a:txBody>
+                    <a:bodyPr/>
+                    <a:lstStyle/>
+                    <a:p>
+                      <a:pPr algn="ctr"/>
+                      <a:r>
+                        <a:rPr lang="en-US" b="1" dirty="0">
+                          <a:solidFill>
+                            <a:schemeClr val="bg1"/>
+                          </a:solidFill>
+                        </a:rPr>
+                        <a:t>Test</a:t>
+                      </a:r>
+                      <a:endParaRPr lang="en-IL" b="1" dirty="0">
+                        <a:solidFill>
+                          <a:schemeClr val="bg1"/>
+                        </a:solidFill>
+                      </a:endParaRPr>
+                    </a:p>
+                  </a:txBody>
+                  <a:tcPr>
+                    <a:solidFill>
+                      <a:schemeClr val="tx1">
+                        <a:lumMod val="65000"/>
+                        <a:lumOff val="35000"/>
+                      </a:schemeClr>
+                    </a:solidFill>
+                  </a:tcPr>
+                </a:tc>
+                <a:tc>
+                  <a:txBody>
+                    <a:bodyPr/>
+                    <a:lstStyle/>
+                    <a:p>
+                      <a:pPr algn="ctr"/>
+                      <a:r>
+                        <a:rPr lang="en-US" b="1" dirty="0">
+                          <a:solidFill>
+                            <a:schemeClr val="bg1"/>
+                          </a:solidFill>
+                        </a:rPr>
+                        <a:t>Train</a:t>
+                      </a:r>
+                      <a:endParaRPr lang="en-IL" b="1" dirty="0">
+                        <a:solidFill>
+                          <a:schemeClr val="bg1"/>
+                        </a:solidFill>
+                      </a:endParaRPr>
+                    </a:p>
+                  </a:txBody>
+                  <a:tcPr>
+                    <a:solidFill>
+                      <a:schemeClr val="tx1">
+                        <a:lumMod val="65000"/>
+                        <a:lumOff val="35000"/>
+                      </a:schemeClr>
+                    </a:solidFill>
+                  </a:tcPr>
+                </a:tc>
+                <a:tc>
+                  <a:txBody>
+                    <a:bodyPr/>
+                    <a:lstStyle/>
+                    <a:p>
+                      <a:pPr algn="ctr"/>
+                      <a:r>
+                        <a:rPr lang="en-US" b="1" dirty="0">
+                          <a:solidFill>
+                            <a:schemeClr val="bg1"/>
+                          </a:solidFill>
+                        </a:rPr>
+                        <a:t>Test</a:t>
+                      </a:r>
+                      <a:endParaRPr lang="en-IL" b="1" dirty="0">
+                        <a:solidFill>
+                          <a:schemeClr val="bg1"/>
+                        </a:solidFill>
+                      </a:endParaRPr>
+                    </a:p>
+                  </a:txBody>
+                  <a:tcPr>
+                    <a:solidFill>
+                      <a:schemeClr val="tx1">
+                        <a:lumMod val="65000"/>
+                        <a:lumOff val="35000"/>
+                      </a:schemeClr>
+                    </a:solidFill>
+                  </a:tcPr>
+                </a:tc>
+                <a:extLst>
+                  <a:ext uri="{0D108BD9-81ED-4DB2-BD59-A6C34878D82A}">
+                    <a16:rowId xmlns:a16="http://schemas.microsoft.com/office/drawing/2014/main" val="3554670448"/>
+                  </a:ext>
+                </a:extLst>
+              </a:tr>
+              <a:tr h="370840">
+                <a:tc>
+                  <a:txBody>
+                    <a:bodyPr/>
+                    <a:lstStyle/>
+                    <a:p>
+                      <a:pPr algn="ctr"/>
+                      <a:r>
+                        <a:rPr lang="en-US" b="1" dirty="0"/>
+                        <a:t>Annual Return</a:t>
+                      </a:r>
+                      <a:endParaRPr lang="en-IL" b="1" dirty="0"/>
+                    </a:p>
+                  </a:txBody>
+                  <a:tcPr/>
+                </a:tc>
+                <a:tc>
+                  <a:txBody>
+                    <a:bodyPr/>
+                    <a:lstStyle/>
+                    <a:p>
+                      <a:pPr algn="ctr"/>
+                      <a:r>
+                        <a:rPr lang="en-US" dirty="0"/>
+                        <a:t>150.94%</a:t>
+                      </a:r>
+                      <a:endParaRPr lang="en-IL" dirty="0"/>
+                    </a:p>
+                  </a:txBody>
+                  <a:tcPr/>
+                </a:tc>
+                <a:tc>
+                  <a:txBody>
+                    <a:bodyPr/>
+                    <a:lstStyle/>
+                    <a:p>
+                      <a:pPr algn="ctr"/>
+                      <a:r>
+                        <a:rPr lang="en-US" dirty="0"/>
+                        <a:t>175.83%</a:t>
+                      </a:r>
+                      <a:endParaRPr lang="en-IL" dirty="0"/>
+                    </a:p>
+                  </a:txBody>
+                  <a:tcPr/>
+                </a:tc>
+                <a:tc>
+                  <a:txBody>
+                    <a:bodyPr/>
+                    <a:lstStyle/>
+                    <a:p>
+                      <a:pPr algn="ctr"/>
+                      <a:r>
+                        <a:rPr lang="en-US" dirty="0"/>
+                        <a:t>134.38%</a:t>
+                      </a:r>
+                      <a:endParaRPr lang="en-IL" dirty="0"/>
+                    </a:p>
+                  </a:txBody>
+                  <a:tcPr/>
+                </a:tc>
+                <a:tc>
+                  <a:txBody>
+                    <a:bodyPr/>
+                    <a:lstStyle/>
+                    <a:p>
+                      <a:pPr algn="ctr"/>
+                      <a:r>
+                        <a:rPr lang="en-US" dirty="0"/>
+                        <a:t>162.65%</a:t>
+                      </a:r>
+                      <a:endParaRPr lang="en-IL" dirty="0"/>
+                    </a:p>
+                  </a:txBody>
+                  <a:tcPr/>
+                </a:tc>
+                <a:extLst>
+                  <a:ext uri="{0D108BD9-81ED-4DB2-BD59-A6C34878D82A}">
+                    <a16:rowId xmlns:a16="http://schemas.microsoft.com/office/drawing/2014/main" val="18596907"/>
+                  </a:ext>
+                </a:extLst>
+              </a:tr>
+              <a:tr h="370840">
+                <a:tc>
+                  <a:txBody>
+                    <a:bodyPr/>
+                    <a:lstStyle/>
+                    <a:p>
+                      <a:pPr algn="ctr"/>
+                      <a:r>
+                        <a:rPr lang="en-US" b="1" dirty="0"/>
+                        <a:t>Sharpe</a:t>
+                      </a:r>
+                      <a:endParaRPr lang="en-IL" b="1" dirty="0"/>
+                    </a:p>
+                  </a:txBody>
+                  <a:tcPr/>
+                </a:tc>
+                <a:tc>
+                  <a:txBody>
+                    <a:bodyPr/>
+                    <a:lstStyle/>
+                    <a:p>
+                      <a:pPr algn="ctr"/>
+                      <a:r>
+                        <a:rPr lang="en-US" dirty="0"/>
+                        <a:t>1.51</a:t>
+                      </a:r>
+                      <a:endParaRPr lang="en-IL" dirty="0"/>
+                    </a:p>
+                  </a:txBody>
+                  <a:tcPr/>
+                </a:tc>
+                <a:tc>
+                  <a:txBody>
+                    <a:bodyPr/>
+                    <a:lstStyle/>
+                    <a:p>
+                      <a:pPr algn="ctr"/>
+                      <a:r>
+                        <a:rPr lang="en-US" dirty="0"/>
+                        <a:t>1.76</a:t>
+                      </a:r>
+                      <a:endParaRPr lang="en-IL" dirty="0"/>
+                    </a:p>
+                  </a:txBody>
+                  <a:tcPr/>
+                </a:tc>
+                <a:tc>
+                  <a:txBody>
+                    <a:bodyPr/>
+                    <a:lstStyle/>
+                    <a:p>
+                      <a:pPr algn="ctr"/>
+                      <a:r>
+                        <a:rPr lang="en-US" dirty="0"/>
+                        <a:t>1.34</a:t>
+                      </a:r>
+                      <a:endParaRPr lang="en-IL" dirty="0"/>
+                    </a:p>
+                  </a:txBody>
+                  <a:tcPr/>
+                </a:tc>
+                <a:tc>
+                  <a:txBody>
+                    <a:bodyPr/>
+                    <a:lstStyle/>
+                    <a:p>
+                      <a:pPr algn="ctr"/>
+                      <a:r>
+                        <a:rPr lang="en-US" dirty="0"/>
+                        <a:t>1.63</a:t>
+                      </a:r>
+                      <a:endParaRPr lang="en-IL" dirty="0"/>
+                    </a:p>
+                  </a:txBody>
+                  <a:tcPr/>
+                </a:tc>
+                <a:extLst>
+                  <a:ext uri="{0D108BD9-81ED-4DB2-BD59-A6C34878D82A}">
+                    <a16:rowId xmlns:a16="http://schemas.microsoft.com/office/drawing/2014/main" val="2698420717"/>
+                  </a:ext>
+                </a:extLst>
+              </a:tr>
+              <a:tr h="370840">
+                <a:tc>
+                  <a:txBody>
+                    <a:bodyPr/>
+                    <a:lstStyle/>
+                    <a:p>
+                      <a:pPr algn="ctr"/>
+                      <a:r>
+                        <a:rPr lang="en-US" b="1" dirty="0"/>
+                        <a:t>Max Drawdown</a:t>
+                      </a:r>
+                      <a:endParaRPr lang="en-IL" b="1" dirty="0"/>
+                    </a:p>
+                  </a:txBody>
+                  <a:tcPr/>
+                </a:tc>
+                <a:tc>
+                  <a:txBody>
+                    <a:bodyPr/>
+                    <a:lstStyle/>
+                    <a:p>
+                      <a:pPr algn="ctr"/>
+                      <a:r>
+                        <a:rPr lang="en-US" dirty="0"/>
+                        <a:t>86.06%</a:t>
+                      </a:r>
+                      <a:endParaRPr lang="en-IL" dirty="0"/>
+                    </a:p>
+                  </a:txBody>
+                  <a:tcPr/>
+                </a:tc>
+                <a:tc>
+                  <a:txBody>
+                    <a:bodyPr/>
+                    <a:lstStyle/>
+                    <a:p>
+                      <a:pPr algn="ctr"/>
+                      <a:r>
+                        <a:rPr lang="en-US" dirty="0"/>
+                        <a:t>75.72%</a:t>
+                      </a:r>
+                      <a:endParaRPr lang="en-IL" dirty="0"/>
+                    </a:p>
+                  </a:txBody>
+                  <a:tcPr/>
+                </a:tc>
+                <a:tc>
+                  <a:txBody>
+                    <a:bodyPr/>
+                    <a:lstStyle/>
+                    <a:p>
+                      <a:pPr algn="ctr"/>
+                      <a:r>
+                        <a:rPr lang="en-US" dirty="0"/>
+                        <a:t>89.29%</a:t>
+                      </a:r>
+                      <a:endParaRPr lang="en-IL" dirty="0"/>
+                    </a:p>
+                  </a:txBody>
+                  <a:tcPr/>
+                </a:tc>
+                <a:tc>
+                  <a:txBody>
+                    <a:bodyPr/>
+                    <a:lstStyle/>
+                    <a:p>
+                      <a:pPr algn="ctr"/>
+                      <a:r>
+                        <a:rPr lang="en-US" dirty="0"/>
+                        <a:t>35.66%</a:t>
+                      </a:r>
+                      <a:endParaRPr lang="en-IL" dirty="0"/>
+                    </a:p>
+                  </a:txBody>
+                  <a:tcPr/>
+                </a:tc>
+                <a:extLst>
+                  <a:ext uri="{0D108BD9-81ED-4DB2-BD59-A6C34878D82A}">
+                    <a16:rowId xmlns:a16="http://schemas.microsoft.com/office/drawing/2014/main" val="3754275232"/>
+                  </a:ext>
+                </a:extLst>
+              </a:tr>
+              <a:tr h="370840">
+                <a:tc>
+                  <a:txBody>
+                    <a:bodyPr/>
+                    <a:lstStyle/>
+                    <a:p>
+                      <a:pPr algn="ctr"/>
+                      <a:r>
+                        <a:rPr lang="en-US" b="1" dirty="0"/>
+                        <a:t>Calmar Ratio</a:t>
+                      </a:r>
+                      <a:endParaRPr lang="en-IL" b="1" dirty="0"/>
+                    </a:p>
+                  </a:txBody>
+                  <a:tcPr/>
+                </a:tc>
+                <a:tc>
+                  <a:txBody>
+                    <a:bodyPr/>
+                    <a:lstStyle/>
+                    <a:p>
+                      <a:pPr algn="ctr"/>
+                      <a:r>
+                        <a:rPr lang="en-US" dirty="0"/>
+                        <a:t>1.75</a:t>
+                      </a:r>
+                      <a:endParaRPr lang="en-IL" dirty="0"/>
+                    </a:p>
+                  </a:txBody>
+                  <a:tcPr/>
+                </a:tc>
+                <a:tc>
+                  <a:txBody>
+                    <a:bodyPr/>
+                    <a:lstStyle/>
+                    <a:p>
+                      <a:pPr algn="ctr"/>
+                      <a:r>
+                        <a:rPr lang="en-US" dirty="0"/>
+                        <a:t>2.32</a:t>
+                      </a:r>
+                      <a:endParaRPr lang="en-IL" dirty="0"/>
+                    </a:p>
+                  </a:txBody>
+                  <a:tcPr/>
+                </a:tc>
+                <a:tc>
+                  <a:txBody>
+                    <a:bodyPr/>
+                    <a:lstStyle/>
+                    <a:p>
+                      <a:pPr algn="ctr"/>
+                      <a:r>
+                        <a:rPr lang="en-US" dirty="0"/>
+                        <a:t>1.50</a:t>
+                      </a:r>
+                      <a:endParaRPr lang="en-IL" dirty="0"/>
+                    </a:p>
+                  </a:txBody>
+                  <a:tcPr/>
+                </a:tc>
+                <a:tc>
+                  <a:txBody>
+                    <a:bodyPr/>
+                    <a:lstStyle/>
+                    <a:p>
+                      <a:pPr algn="ctr"/>
+                      <a:r>
+                        <a:rPr lang="en-US" dirty="0"/>
+                        <a:t>4.56</a:t>
+                      </a:r>
+                      <a:endParaRPr lang="en-IL" dirty="0"/>
+                    </a:p>
+                  </a:txBody>
+                  <a:tcPr/>
+                </a:tc>
+                <a:extLst>
+                  <a:ext uri="{0D108BD9-81ED-4DB2-BD59-A6C34878D82A}">
+                    <a16:rowId xmlns:a16="http://schemas.microsoft.com/office/drawing/2014/main" val="3579569712"/>
+                  </a:ext>
+                </a:extLst>
+              </a:tr>
+            </a:tbl>
+          </a:graphicData>
+        </a:graphic>
+      </p:graphicFrame>
     </p:spTree>
     <p:extLst>
       <p:ext uri="{BB962C8B-B14F-4D97-AF65-F5344CB8AC3E}">
-        <p14:creationId xmlns:p14="http://schemas.microsoft.com/office/powerpoint/2010/main" val="1525213900"/>
+        <p14:creationId xmlns:p14="http://schemas.microsoft.com/office/powerpoint/2010/main" val="1801276069"/>
       </p:ext>
     </p:extLst>
   </p:cSld>
@@ -8969,10 +8934,10 @@
       </p:grpSpPr>
       <p:sp>
         <p:nvSpPr>
-          <p:cNvPr id="9" name="Title 1">
+          <p:cNvPr id="2" name="Title 1">
             <a:extLst>
               <a:ext uri="{FF2B5EF4-FFF2-40B4-BE49-F238E27FC236}">
-                <a16:creationId xmlns:a16="http://schemas.microsoft.com/office/drawing/2014/main" id="{E512DE17-6D27-A192-2D4F-70EDE0AF52CA}"/>
+                <a16:creationId xmlns:a16="http://schemas.microsoft.com/office/drawing/2014/main" id="{BDA7B426-9D71-E75C-FCF5-124DE2BD3D37}"/>
               </a:ext>
             </a:extLst>
           </p:cNvPr>
@@ -8985,29 +8950,30 @@
         </p:nvSpPr>
         <p:spPr>
           <a:xfrm>
-            <a:off x="1322318" y="268361"/>
-            <a:ext cx="7288282" cy="1700604"/>
+            <a:off x="838201" y="895350"/>
+            <a:ext cx="4678016" cy="1917700"/>
           </a:xfrm>
         </p:spPr>
         <p:txBody>
-          <a:bodyPr anchor="b">
-            <a:normAutofit/>
+          <a:bodyPr>
+            <a:noAutofit/>
           </a:bodyPr>
           <a:lstStyle/>
           <a:p>
             <a:r>
-              <a:rPr lang="en-US" dirty="0"/>
-              <a:t>Data normalization</a:t>
-            </a:r>
-          </a:p>
-        </p:txBody>
-      </p:sp>
-      <p:sp>
-        <p:nvSpPr>
-          <p:cNvPr id="13" name="Content Placeholder 4">
+              <a:rPr lang="en-US" sz="3600" dirty="0"/>
+              <a:t>Possible strategy improvements</a:t>
+            </a:r>
+            <a:endParaRPr lang="en-IL" sz="3600" dirty="0"/>
+          </a:p>
+        </p:txBody>
+      </p:sp>
+      <p:sp>
+        <p:nvSpPr>
+          <p:cNvPr id="5" name="Content Placeholder 4">
             <a:extLst>
               <a:ext uri="{FF2B5EF4-FFF2-40B4-BE49-F238E27FC236}">
-                <a16:creationId xmlns:a16="http://schemas.microsoft.com/office/drawing/2014/main" id="{9ACFE1C8-FCB0-A9EA-4356-19B9AE73DE02}"/>
+                <a16:creationId xmlns:a16="http://schemas.microsoft.com/office/drawing/2014/main" id="{F84D0E33-45A3-5A2E-7235-D8BE8B92E200}"/>
               </a:ext>
             </a:extLst>
           </p:cNvPr>
@@ -9015,45 +8981,58 @@
             <a:spLocks noGrp="1"/>
           </p:cNvSpPr>
           <p:nvPr>
-            <p:ph sz="half" idx="2"/>
+            <p:ph sz="half" idx="16"/>
           </p:nvPr>
         </p:nvSpPr>
         <p:spPr>
           <a:xfrm>
-            <a:off x="1322388" y="2763078"/>
-            <a:ext cx="7288212" cy="3407051"/>
+            <a:off x="4512364" y="2734366"/>
+            <a:ext cx="6122505" cy="3238499"/>
           </a:xfrm>
         </p:spPr>
         <p:txBody>
-          <a:bodyPr>
-            <a:normAutofit/>
-          </a:bodyPr>
+          <a:bodyPr/>
           <a:lstStyle/>
           <a:p>
             <a:pPr marL="285750" indent="-285750">
-              <a:lnSpc>
-                <a:spcPct val="90000"/>
-              </a:lnSpc>
               <a:buFont typeface="Arial" panose="020B0604020202020204" pitchFamily="34" charset="0"/>
               <a:buChar char="•"/>
             </a:pPr>
             <a:r>
               <a:rPr lang="en-US" dirty="0"/>
-              <a:t>Data Cleaning &amp; Organizing</a:t>
+              <a:t>Good strategy to support decision making</a:t>
             </a:r>
           </a:p>
           <a:p>
             <a:pPr marL="285750" indent="-285750">
-              <a:lnSpc>
-                <a:spcPct val="90000"/>
-              </a:lnSpc>
               <a:buFont typeface="Arial" panose="020B0604020202020204" pitchFamily="34" charset="0"/>
               <a:buChar char="•"/>
             </a:pPr>
             <a:r>
               <a:rPr lang="en-US" dirty="0"/>
-              <a:t>Using Glimpse for Approximation</a:t>
-            </a:r>
+              <a:t>Implement the data scraper to improve accuracy &amp; reaction time</a:t>
+            </a:r>
+          </a:p>
+          <a:p>
+            <a:pPr marL="285750" indent="-285750">
+              <a:buFont typeface="Arial" panose="020B0604020202020204" pitchFamily="34" charset="0"/>
+              <a:buChar char="•"/>
+            </a:pPr>
+            <a:r>
+              <a:rPr lang="en-US" dirty="0"/>
+              <a:t>Minimize time window</a:t>
+            </a:r>
+          </a:p>
+          <a:p>
+            <a:pPr marL="285750" indent="-285750">
+              <a:buFont typeface="Arial" panose="020B0604020202020204" pitchFamily="34" charset="0"/>
+              <a:buChar char="•"/>
+            </a:pPr>
+            <a:r>
+              <a:rPr lang="en-US" dirty="0"/>
+              <a:t>Implement machine learning based models instead of a simple grid search</a:t>
+            </a:r>
+            <a:endParaRPr lang="en-IL" dirty="0"/>
           </a:p>
         </p:txBody>
       </p:sp>
@@ -9062,7 +9041,7 @@
           <p:cNvPr id="4" name="Slide Number Placeholder 3">
             <a:extLst>
               <a:ext uri="{FF2B5EF4-FFF2-40B4-BE49-F238E27FC236}">
-                <a16:creationId xmlns:a16="http://schemas.microsoft.com/office/drawing/2014/main" id="{B4801588-62AB-3DEE-6DA8-C2478CCC79DB}"/>
+                <a16:creationId xmlns:a16="http://schemas.microsoft.com/office/drawing/2014/main" id="{6DF8F04A-C9B3-6270-947C-055690A42B9D}"/>
               </a:ext>
             </a:extLst>
           </p:cNvPr>
@@ -9073,40 +9052,24 @@
             <p:ph type="sldNum" sz="quarter" idx="12"/>
           </p:nvPr>
         </p:nvSpPr>
-        <p:spPr>
-          <a:xfrm>
-            <a:off x="10373350" y="6356349"/>
-            <a:ext cx="987552" cy="365125"/>
-          </a:xfrm>
-        </p:spPr>
-        <p:txBody>
-          <a:bodyPr anchor="ctr">
-            <a:normAutofit/>
-          </a:bodyPr>
+        <p:spPr/>
+        <p:txBody>
+          <a:bodyPr/>
           <a:lstStyle/>
           <a:p>
-            <a:pPr>
-              <a:spcAft>
-                <a:spcPts val="600"/>
-              </a:spcAft>
-            </a:pPr>
             <a:fld id="{A49DFD55-3C28-40EF-9E31-A92D2E4017FF}" type="slidenum">
               <a:rPr lang="en-US" smtClean="0"/>
-              <a:pPr>
-                <a:spcAft>
-                  <a:spcPts val="600"/>
-                </a:spcAft>
-              </a:pPr>
+              <a:pPr/>
               <a:t>8</a:t>
             </a:fld>
-            <a:endParaRPr lang="en-US"/>
+            <a:endParaRPr lang="en-US" dirty="0"/>
           </a:p>
         </p:txBody>
       </p:sp>
     </p:spTree>
     <p:extLst>
       <p:ext uri="{BB962C8B-B14F-4D97-AF65-F5344CB8AC3E}">
-        <p14:creationId xmlns:p14="http://schemas.microsoft.com/office/powerpoint/2010/main" val="2400125619"/>
+        <p14:creationId xmlns:p14="http://schemas.microsoft.com/office/powerpoint/2010/main" val="455543056"/>
       </p:ext>
     </p:extLst>
   </p:cSld>
@@ -9138,7 +9101,7 @@
           <p:cNvPr id="2" name="Title 1">
             <a:extLst>
               <a:ext uri="{FF2B5EF4-FFF2-40B4-BE49-F238E27FC236}">
-                <a16:creationId xmlns:a16="http://schemas.microsoft.com/office/drawing/2014/main" id="{9B3FB6E1-E8C7-A4E6-59B3-DB0B99BA2838}"/>
+                <a16:creationId xmlns:a16="http://schemas.microsoft.com/office/drawing/2014/main" id="{A95E2E6A-35EC-1B8E-0FD7-8C67870ACA64}"/>
               </a:ext>
             </a:extLst>
           </p:cNvPr>
@@ -9149,36 +9112,26 @@
             <p:ph type="ctrTitle"/>
           </p:nvPr>
         </p:nvSpPr>
-        <p:spPr>
-          <a:xfrm>
-            <a:off x="797458" y="674121"/>
-            <a:ext cx="4006455" cy="1307079"/>
-          </a:xfrm>
-        </p:spPr>
-        <p:txBody>
-          <a:bodyPr anchor="b">
+        <p:spPr/>
+        <p:txBody>
+          <a:bodyPr>
             <a:normAutofit/>
           </a:bodyPr>
           <a:lstStyle/>
           <a:p>
             <a:r>
-              <a:rPr lang="en-US" dirty="0"/>
-              <a:t>Strategy &amp; </a:t>
-            </a:r>
-            <a:r>
-              <a:rPr lang="en-US" dirty="0" err="1"/>
-              <a:t>backtesting</a:t>
-            </a:r>
-            <a:endParaRPr lang="en-IL" dirty="0"/>
-          </a:p>
-        </p:txBody>
-      </p:sp>
-      <p:sp>
-        <p:nvSpPr>
-          <p:cNvPr id="4" name="Slide Number Placeholder 3">
+              <a:rPr lang="en-US" sz="4800" dirty="0"/>
+              <a:t>Any question?</a:t>
+            </a:r>
+          </a:p>
+        </p:txBody>
+      </p:sp>
+      <p:sp>
+        <p:nvSpPr>
+          <p:cNvPr id="8" name="Slide Number Placeholder 7">
             <a:extLst>
               <a:ext uri="{FF2B5EF4-FFF2-40B4-BE49-F238E27FC236}">
-                <a16:creationId xmlns:a16="http://schemas.microsoft.com/office/drawing/2014/main" id="{2DAA54C8-44C4-7040-B3BB-747643B3D86C}"/>
+                <a16:creationId xmlns:a16="http://schemas.microsoft.com/office/drawing/2014/main" id="{8F44A959-C2BB-9170-C99C-1A2EDB71B994}"/>
               </a:ext>
             </a:extLst>
           </p:cNvPr>
@@ -9186,296 +9139,27 @@
             <a:spLocks noGrp="1"/>
           </p:cNvSpPr>
           <p:nvPr>
-            <p:ph type="sldNum" sz="quarter" idx="4294967295"/>
-          </p:nvPr>
-        </p:nvSpPr>
-        <p:spPr>
-          <a:xfrm>
-            <a:off x="11204575" y="6356350"/>
-            <a:ext cx="987425" cy="365125"/>
-          </a:xfrm>
-        </p:spPr>
-        <p:txBody>
-          <a:bodyPr anchor="ctr">
-            <a:normAutofit/>
-          </a:bodyPr>
+            <p:ph type="sldNum" sz="quarter" idx="12"/>
+          </p:nvPr>
+        </p:nvSpPr>
+        <p:spPr/>
+        <p:txBody>
+          <a:bodyPr/>
           <a:lstStyle/>
           <a:p>
-            <a:pPr>
-              <a:spcAft>
-                <a:spcPts val="600"/>
-              </a:spcAft>
-            </a:pPr>
             <a:fld id="{A49DFD55-3C28-40EF-9E31-A92D2E4017FF}" type="slidenum">
               <a:rPr lang="en-US" smtClean="0"/>
-              <a:pPr>
-                <a:spcAft>
-                  <a:spcPts val="600"/>
-                </a:spcAft>
-              </a:pPr>
+              <a:pPr/>
               <a:t>9</a:t>
             </a:fld>
-            <a:endParaRPr lang="en-US"/>
-          </a:p>
-        </p:txBody>
-      </p:sp>
-      <p:sp>
-        <p:nvSpPr>
-          <p:cNvPr id="9" name="Content Placeholder 2">
-            <a:extLst>
-              <a:ext uri="{FF2B5EF4-FFF2-40B4-BE49-F238E27FC236}">
-                <a16:creationId xmlns:a16="http://schemas.microsoft.com/office/drawing/2014/main" id="{E52056BD-A87B-DE96-99F0-C9F084A2D799}"/>
-              </a:ext>
-            </a:extLst>
-          </p:cNvPr>
-          <p:cNvSpPr txBox="1">
-            <a:spLocks/>
-          </p:cNvSpPr>
-          <p:nvPr/>
-        </p:nvSpPr>
-        <p:spPr>
-          <a:xfrm>
-            <a:off x="797459" y="2577547"/>
-            <a:ext cx="10407116" cy="3929270"/>
-          </a:xfrm>
-          <a:prstGeom prst="rect">
-            <a:avLst/>
-          </a:prstGeom>
-        </p:spPr>
-        <p:txBody>
-          <a:bodyPr>
-            <a:normAutofit/>
-          </a:bodyPr>
-          <a:lstStyle>
-            <a:lvl1pPr marL="228600" indent="-228600" algn="l" defTabSz="914400" rtl="0" eaLnBrk="1" latinLnBrk="0" hangingPunct="1">
-              <a:lnSpc>
-                <a:spcPct val="90000"/>
-              </a:lnSpc>
-              <a:spcBef>
-                <a:spcPts val="1000"/>
-              </a:spcBef>
-              <a:buFont typeface="Arial" panose="020B0604020202020204" pitchFamily="34" charset="0"/>
-              <a:buChar char="•"/>
-              <a:defRPr sz="2800" kern="1200">
-                <a:solidFill>
-                  <a:schemeClr val="tx1"/>
-                </a:solidFill>
-                <a:latin typeface="+mn-lt"/>
-                <a:ea typeface="+mn-ea"/>
-                <a:cs typeface="+mn-cs"/>
-              </a:defRPr>
-            </a:lvl1pPr>
-            <a:lvl2pPr marL="685800" indent="-228600" algn="l" defTabSz="914400" rtl="0" eaLnBrk="1" latinLnBrk="0" hangingPunct="1">
-              <a:lnSpc>
-                <a:spcPct val="90000"/>
-              </a:lnSpc>
-              <a:spcBef>
-                <a:spcPts val="500"/>
-              </a:spcBef>
-              <a:buFont typeface="Arial" panose="020B0604020202020204" pitchFamily="34" charset="0"/>
-              <a:buChar char="•"/>
-              <a:defRPr sz="2400" kern="1200">
-                <a:solidFill>
-                  <a:schemeClr val="tx1"/>
-                </a:solidFill>
-                <a:latin typeface="+mn-lt"/>
-                <a:ea typeface="+mn-ea"/>
-                <a:cs typeface="+mn-cs"/>
-              </a:defRPr>
-            </a:lvl2pPr>
-            <a:lvl3pPr marL="1143000" indent="-228600" algn="l" defTabSz="914400" rtl="0" eaLnBrk="1" latinLnBrk="0" hangingPunct="1">
-              <a:lnSpc>
-                <a:spcPct val="90000"/>
-              </a:lnSpc>
-              <a:spcBef>
-                <a:spcPts val="500"/>
-              </a:spcBef>
-              <a:buFont typeface="Arial" panose="020B0604020202020204" pitchFamily="34" charset="0"/>
-              <a:buChar char="•"/>
-              <a:defRPr sz="2000" kern="1200">
-                <a:solidFill>
-                  <a:schemeClr val="tx1"/>
-                </a:solidFill>
-                <a:latin typeface="+mn-lt"/>
-                <a:ea typeface="+mn-ea"/>
-                <a:cs typeface="+mn-cs"/>
-              </a:defRPr>
-            </a:lvl3pPr>
-            <a:lvl4pPr marL="1600200" indent="-228600" algn="l" defTabSz="914400" rtl="0" eaLnBrk="1" latinLnBrk="0" hangingPunct="1">
-              <a:lnSpc>
-                <a:spcPct val="90000"/>
-              </a:lnSpc>
-              <a:spcBef>
-                <a:spcPts val="500"/>
-              </a:spcBef>
-              <a:buFont typeface="Arial" panose="020B0604020202020204" pitchFamily="34" charset="0"/>
-              <a:buChar char="•"/>
-              <a:defRPr sz="1800" kern="1200">
-                <a:solidFill>
-                  <a:schemeClr val="tx1"/>
-                </a:solidFill>
-                <a:latin typeface="+mn-lt"/>
-                <a:ea typeface="+mn-ea"/>
-                <a:cs typeface="+mn-cs"/>
-              </a:defRPr>
-            </a:lvl4pPr>
-            <a:lvl5pPr marL="2057400" indent="-228600" algn="l" defTabSz="914400" rtl="0" eaLnBrk="1" latinLnBrk="0" hangingPunct="1">
-              <a:lnSpc>
-                <a:spcPct val="90000"/>
-              </a:lnSpc>
-              <a:spcBef>
-                <a:spcPts val="500"/>
-              </a:spcBef>
-              <a:buFont typeface="Arial" panose="020B0604020202020204" pitchFamily="34" charset="0"/>
-              <a:buChar char="•"/>
-              <a:defRPr sz="1800" kern="1200">
-                <a:solidFill>
-                  <a:schemeClr val="tx1"/>
-                </a:solidFill>
-                <a:latin typeface="+mn-lt"/>
-                <a:ea typeface="+mn-ea"/>
-                <a:cs typeface="+mn-cs"/>
-              </a:defRPr>
-            </a:lvl5pPr>
-            <a:lvl6pPr marL="2514600" indent="-228600" algn="l" defTabSz="914400" rtl="0" eaLnBrk="1" latinLnBrk="0" hangingPunct="1">
-              <a:lnSpc>
-                <a:spcPct val="90000"/>
-              </a:lnSpc>
-              <a:spcBef>
-                <a:spcPts val="500"/>
-              </a:spcBef>
-              <a:buFont typeface="Arial" panose="020B0604020202020204" pitchFamily="34" charset="0"/>
-              <a:buChar char="•"/>
-              <a:defRPr sz="1800" kern="1200">
-                <a:solidFill>
-                  <a:schemeClr val="tx1"/>
-                </a:solidFill>
-                <a:latin typeface="+mn-lt"/>
-                <a:ea typeface="+mn-ea"/>
-                <a:cs typeface="+mn-cs"/>
-              </a:defRPr>
-            </a:lvl6pPr>
-            <a:lvl7pPr marL="2971800" indent="-228600" algn="l" defTabSz="914400" rtl="0" eaLnBrk="1" latinLnBrk="0" hangingPunct="1">
-              <a:lnSpc>
-                <a:spcPct val="90000"/>
-              </a:lnSpc>
-              <a:spcBef>
-                <a:spcPts val="500"/>
-              </a:spcBef>
-              <a:buFont typeface="Arial" panose="020B0604020202020204" pitchFamily="34" charset="0"/>
-              <a:buChar char="•"/>
-              <a:defRPr sz="1800" kern="1200">
-                <a:solidFill>
-                  <a:schemeClr val="tx1"/>
-                </a:solidFill>
-                <a:latin typeface="+mn-lt"/>
-                <a:ea typeface="+mn-ea"/>
-                <a:cs typeface="+mn-cs"/>
-              </a:defRPr>
-            </a:lvl7pPr>
-            <a:lvl8pPr marL="3429000" indent="-228600" algn="l" defTabSz="914400" rtl="0" eaLnBrk="1" latinLnBrk="0" hangingPunct="1">
-              <a:lnSpc>
-                <a:spcPct val="90000"/>
-              </a:lnSpc>
-              <a:spcBef>
-                <a:spcPts val="500"/>
-              </a:spcBef>
-              <a:buFont typeface="Arial" panose="020B0604020202020204" pitchFamily="34" charset="0"/>
-              <a:buChar char="•"/>
-              <a:defRPr sz="1800" kern="1200">
-                <a:solidFill>
-                  <a:schemeClr val="tx1"/>
-                </a:solidFill>
-                <a:latin typeface="+mn-lt"/>
-                <a:ea typeface="+mn-ea"/>
-                <a:cs typeface="+mn-cs"/>
-              </a:defRPr>
-            </a:lvl8pPr>
-            <a:lvl9pPr marL="3886200" indent="-228600" algn="l" defTabSz="914400" rtl="0" eaLnBrk="1" latinLnBrk="0" hangingPunct="1">
-              <a:lnSpc>
-                <a:spcPct val="90000"/>
-              </a:lnSpc>
-              <a:spcBef>
-                <a:spcPts val="500"/>
-              </a:spcBef>
-              <a:buFont typeface="Arial" panose="020B0604020202020204" pitchFamily="34" charset="0"/>
-              <a:buChar char="•"/>
-              <a:defRPr sz="1800" kern="1200">
-                <a:solidFill>
-                  <a:schemeClr val="tx1"/>
-                </a:solidFill>
-                <a:latin typeface="+mn-lt"/>
-                <a:ea typeface="+mn-ea"/>
-                <a:cs typeface="+mn-cs"/>
-              </a:defRPr>
-            </a:lvl9pPr>
-          </a:lstStyle>
-          <a:p>
-            <a:r>
-              <a:rPr lang="en-US" sz="1800" dirty="0">
-                <a:solidFill>
-                  <a:schemeClr val="bg1"/>
-                </a:solidFill>
-              </a:rPr>
-              <a:t>Granger Causality Test</a:t>
-            </a:r>
-          </a:p>
-          <a:p>
-            <a:r>
-              <a:rPr lang="en-US" sz="1800" dirty="0">
-                <a:solidFill>
-                  <a:schemeClr val="bg1"/>
-                </a:solidFill>
-              </a:rPr>
-              <a:t>Filtering Coins</a:t>
-            </a:r>
-          </a:p>
-          <a:p>
-            <a:r>
-              <a:rPr lang="en-US" sz="1800" dirty="0">
-                <a:solidFill>
-                  <a:schemeClr val="bg1"/>
-                </a:solidFill>
-              </a:rPr>
-              <a:t>Signal Calculation</a:t>
-            </a:r>
-          </a:p>
-          <a:p>
-            <a:r>
-              <a:rPr lang="en-US" sz="1800" dirty="0">
-                <a:solidFill>
-                  <a:schemeClr val="bg1"/>
-                </a:solidFill>
-              </a:rPr>
-              <a:t>Portfolio Updates</a:t>
-            </a:r>
-          </a:p>
-          <a:p>
-            <a:r>
-              <a:rPr lang="en-US" sz="1800" dirty="0">
-                <a:solidFill>
-                  <a:schemeClr val="bg1"/>
-                </a:solidFill>
-              </a:rPr>
-              <a:t>Performance Metrics</a:t>
-            </a:r>
-          </a:p>
-          <a:p>
-            <a:r>
-              <a:rPr lang="en-US" sz="1800" dirty="0">
-                <a:solidFill>
-                  <a:schemeClr val="bg1"/>
-                </a:solidFill>
-              </a:rPr>
-              <a:t>Comparison With Buy &amp; Hold</a:t>
-            </a:r>
+            <a:endParaRPr lang="en-US" dirty="0"/>
           </a:p>
         </p:txBody>
       </p:sp>
     </p:spTree>
     <p:extLst>
       <p:ext uri="{BB962C8B-B14F-4D97-AF65-F5344CB8AC3E}">
-        <p14:creationId xmlns:p14="http://schemas.microsoft.com/office/powerpoint/2010/main" val="499812037"/>
+        <p14:creationId xmlns:p14="http://schemas.microsoft.com/office/powerpoint/2010/main" val="103458723"/>
       </p:ext>
     </p:extLst>
   </p:cSld>
@@ -10277,6 +9961,15 @@
 </file>
 
 <file path=customXml/item1.xml><?xml version="1.0" encoding="utf-8"?>
+<?mso-contentType ?>
+<FormTemplates xmlns="http://schemas.microsoft.com/sharepoint/v3/contenttype/forms">
+  <Display>DocumentLibraryForm</Display>
+  <Edit>DocumentLibraryForm</Edit>
+  <New>DocumentLibraryForm</New>
+</FormTemplates>
+</file>
+
+<file path=customXml/item2.xml><?xml version="1.0" encoding="utf-8"?>
 <ct:contentTypeSchema xmlns:ct="http://schemas.microsoft.com/office/2006/metadata/contentType" xmlns:ma="http://schemas.microsoft.com/office/2006/metadata/properties/metaAttributes" ct:_="" ma:_="" ma:contentTypeName="Document" ma:contentTypeID="0x01010079F111ED35F8CC479449609E8A0923A6" ma:contentTypeVersion="28" ma:contentTypeDescription="Create a new document." ma:contentTypeScope="" ma:versionID="60f5a4f2d2b0abadcf532d48ebf9cb71">
   <xsd:schema xmlns:xsd="http://www.w3.org/2001/XMLSchema" xmlns:xs="http://www.w3.org/2001/XMLSchema" xmlns:p="http://schemas.microsoft.com/office/2006/metadata/properties" xmlns:ns1="http://schemas.microsoft.com/sharepoint/v3" xmlns:ns2="71af3243-3dd4-4a8d-8c0d-dd76da1f02a5" xmlns:ns3="16c05727-aa75-4e4a-9b5f-8a80a1165891" xmlns:ns4="230e9df3-be65-4c73-a93b-d1236ebd677e" targetNamespace="http://schemas.microsoft.com/office/2006/metadata/properties" ma:root="true" ma:fieldsID="7dd78129e6a1811f84807ad11c651531" ns1:_="" ns2:_="" ns3:_="" ns4:_="">
     <xsd:import namespace="http://schemas.microsoft.com/sharepoint/v3"/>
@@ -10588,15 +10281,6 @@
 </ct:contentTypeSchema>
 </file>
 
-<file path=customXml/item2.xml><?xml version="1.0" encoding="utf-8"?>
-<?mso-contentType ?>
-<FormTemplates xmlns="http://schemas.microsoft.com/sharepoint/v3/contenttype/forms">
-  <Display>DocumentLibraryForm</Display>
-  <Edit>DocumentLibraryForm</Edit>
-  <New>DocumentLibraryForm</New>
-</FormTemplates>
-</file>
-
 <file path=customXml/item3.xml><?xml version="1.0" encoding="utf-8"?>
 <p:properties xmlns:p="http://schemas.microsoft.com/office/2006/metadata/properties" xmlns:xsi="http://www.w3.org/2001/XMLSchema-instance" xmlns:pc="http://schemas.microsoft.com/office/infopath/2007/PartnerControls">
   <documentManagement>
@@ -10618,6 +10302,14 @@
 </file>
 
 <file path=customXml/itemProps1.xml><?xml version="1.0" encoding="utf-8"?>
+<ds:datastoreItem xmlns:ds="http://schemas.openxmlformats.org/officeDocument/2006/customXml" ds:itemID="{CABF691C-888B-4061-8A6F-D5CE84A0254B}">
+  <ds:schemaRefs>
+    <ds:schemaRef ds:uri="http://schemas.microsoft.com/sharepoint/v3/contenttype/forms"/>
+  </ds:schemaRefs>
+</ds:datastoreItem>
+</file>
+
+<file path=customXml/itemProps2.xml><?xml version="1.0" encoding="utf-8"?>
 <ds:datastoreItem xmlns:ds="http://schemas.openxmlformats.org/officeDocument/2006/customXml" ds:itemID="{5EDE3176-A15D-46A3-BDDB-64A0D7363224}">
   <ds:schemaRefs>
     <ds:schemaRef ds:uri="http://schemas.microsoft.com/office/2006/metadata/contentType"/>
@@ -10638,14 +10330,6 @@
 </ds:datastoreItem>
 </file>
 
-<file path=customXml/itemProps2.xml><?xml version="1.0" encoding="utf-8"?>
-<ds:datastoreItem xmlns:ds="http://schemas.openxmlformats.org/officeDocument/2006/customXml" ds:itemID="{CABF691C-888B-4061-8A6F-D5CE84A0254B}">
-  <ds:schemaRefs>
-    <ds:schemaRef ds:uri="http://schemas.microsoft.com/sharepoint/v3/contenttype/forms"/>
-  </ds:schemaRefs>
-</ds:datastoreItem>
-</file>
-
 <file path=customXml/itemProps3.xml><?xml version="1.0" encoding="utf-8"?>
 <ds:datastoreItem xmlns:ds="http://schemas.openxmlformats.org/officeDocument/2006/customXml" ds:itemID="{49168DCE-134F-4610-A6AA-88CEBE8D71D2}">
   <ds:schemaRefs>

--- a/presentation/Google Trends as a Sentiment Indicator in Algorithmic - less verbal.pptx
+++ b/presentation/Google Trends as a Sentiment Indicator in Algorithmic - less verbal.pptx
@@ -801,10 +801,7 @@
           <a:bodyPr/>
           <a:lstStyle/>
           <a:p>
-            <a:r>
-              <a:rPr lang="en-US" dirty="0"/>
-              <a:t>Sentiment analysis is the process of using natural language processing to identify, extract, and quantify subjective information from text, determining whether the expressed sentiment is positive, negative, or neutral. </a:t>
-            </a:r>
+            <a:endParaRPr lang="en-US" dirty="0"/>
           </a:p>
         </p:txBody>
       </p:sp>
@@ -7259,6 +7256,14 @@
   <p:clrMapOvr>
     <a:masterClrMapping/>
   </p:clrMapOvr>
+  <mc:AlternateContent xmlns:mc="http://schemas.openxmlformats.org/markup-compatibility/2006">
+    <mc:Choice xmlns:p14="http://schemas.microsoft.com/office/powerpoint/2010/main" Requires="p14">
+      <p:transition p14:dur="10"/>
+    </mc:Choice>
+    <mc:Fallback>
+      <p:transition/>
+    </mc:Fallback>
+  </mc:AlternateContent>
 </p:sld>
 </file>
 
@@ -7399,8 +7404,8 @@
         </p:nvSpPr>
         <p:spPr>
           <a:xfrm>
-            <a:off x="1579756" y="3787698"/>
-            <a:ext cx="9656955" cy="523220"/>
+            <a:off x="6538333" y="3787698"/>
+            <a:ext cx="4698378" cy="523220"/>
           </a:xfrm>
           <a:prstGeom prst="rect">
             <a:avLst/>
@@ -7432,7 +7437,7 @@
         </p:nvSpPr>
         <p:spPr>
           <a:xfrm>
-            <a:off x="6538333" y="3896908"/>
+            <a:off x="6616020" y="3582256"/>
             <a:ext cx="4902819" cy="369332"/>
           </a:xfrm>
           <a:prstGeom prst="rect">
@@ -7457,46 +7462,36 @@
           </a:p>
         </p:txBody>
       </p:sp>
-      <p:sp>
-        <p:nvSpPr>
-          <p:cNvPr id="3" name="TextBox 2">
+      <p:pic>
+        <p:nvPicPr>
+          <p:cNvPr id="11" name="Picture 10">
             <a:extLst>
               <a:ext uri="{FF2B5EF4-FFF2-40B4-BE49-F238E27FC236}">
-                <a16:creationId xmlns:a16="http://schemas.microsoft.com/office/drawing/2014/main" id="{C5553495-923F-C22F-727B-01A9A6A80548}"/>
+                <a16:creationId xmlns:a16="http://schemas.microsoft.com/office/drawing/2014/main" id="{A0C80564-DDA5-2655-66F6-A3AB26EC0263}"/>
               </a:ext>
             </a:extLst>
           </p:cNvPr>
-          <p:cNvSpPr txBox="1"/>
+          <p:cNvPicPr>
+            <a:picLocks noChangeAspect="1"/>
+          </p:cNvPicPr>
           <p:nvPr/>
-        </p:nvSpPr>
+        </p:nvPicPr>
+        <p:blipFill>
+          <a:blip r:embed="rId3"/>
+          <a:stretch>
+            <a:fillRect/>
+          </a:stretch>
+        </p:blipFill>
         <p:spPr>
           <a:xfrm>
-            <a:off x="1579756" y="2571980"/>
-            <a:ext cx="3671254" cy="923330"/>
+            <a:off x="137160" y="1930096"/>
+            <a:ext cx="6478860" cy="3304319"/>
           </a:xfrm>
           <a:prstGeom prst="rect">
             <a:avLst/>
           </a:prstGeom>
-          <a:noFill/>
         </p:spPr>
-        <p:txBody>
-          <a:bodyPr wrap="square" rtlCol="0">
-            <a:spAutoFit/>
-          </a:bodyPr>
-          <a:lstStyle/>
-          <a:p>
-            <a:r>
-              <a:rPr lang="en-US" dirty="0"/>
-              <a:t>Insert here graph of Dogecoin searches by glimpse and Dogecoin prices from </a:t>
-            </a:r>
-            <a:r>
-              <a:rPr lang="en-US" dirty="0" err="1"/>
-              <a:t>binance</a:t>
-            </a:r>
-            <a:endParaRPr lang="en-IL" dirty="0"/>
-          </a:p>
-        </p:txBody>
-      </p:sp>
+      </p:pic>
     </p:spTree>
     <p:extLst>
       <p:ext uri="{BB962C8B-B14F-4D97-AF65-F5344CB8AC3E}">
@@ -7507,6 +7502,18 @@
   <p:clrMapOvr>
     <a:masterClrMapping/>
   </p:clrMapOvr>
+  <mc:AlternateContent xmlns:mc="http://schemas.openxmlformats.org/markup-compatibility/2006">
+    <mc:Choice xmlns:p14="http://schemas.microsoft.com/office/powerpoint/2010/main" Requires="p14">
+      <p:transition spd="slow" p14:dur="1250">
+        <p14:flip dir="r"/>
+      </p:transition>
+    </mc:Choice>
+    <mc:Fallback>
+      <p:transition spd="slow">
+        <p:fade/>
+      </p:transition>
+    </mc:Fallback>
+  </mc:AlternateContent>
 </p:sld>
 </file>
 
@@ -7698,6 +7705,216 @@
   <p:clrMapOvr>
     <a:masterClrMapping/>
   </p:clrMapOvr>
+  <p:transition spd="slow">
+    <p:push dir="u"/>
+  </p:transition>
+  <p:timing>
+    <p:tnLst>
+      <p:par>
+        <p:cTn id="1" dur="indefinite" restart="never" nodeType="tmRoot">
+          <p:childTnLst>
+            <p:seq concurrent="1" nextAc="seek">
+              <p:cTn id="2" dur="indefinite" nodeType="mainSeq">
+                <p:childTnLst>
+                  <p:par>
+                    <p:cTn id="3" fill="hold">
+                      <p:stCondLst>
+                        <p:cond delay="indefinite"/>
+                        <p:cond evt="onBegin" delay="0">
+                          <p:tn val="2"/>
+                        </p:cond>
+                      </p:stCondLst>
+                      <p:childTnLst>
+                        <p:par>
+                          <p:cTn id="4" fill="hold">
+                            <p:stCondLst>
+                              <p:cond delay="0"/>
+                            </p:stCondLst>
+                            <p:childTnLst>
+                              <p:par>
+                                <p:cTn id="5" presetID="10" presetClass="entr" presetSubtype="0" fill="hold" nodeType="afterEffect">
+                                  <p:stCondLst>
+                                    <p:cond delay="250"/>
+                                  </p:stCondLst>
+                                  <p:iterate type="lt">
+                                    <p:tmPct val="2000"/>
+                                  </p:iterate>
+                                  <p:childTnLst>
+                                    <p:set>
+                                      <p:cBhvr>
+                                        <p:cTn id="6" dur="1" fill="hold">
+                                          <p:stCondLst>
+                                            <p:cond delay="0"/>
+                                          </p:stCondLst>
+                                        </p:cTn>
+                                        <p:tgtEl>
+                                          <p:spTgt spid="7">
+                                            <p:txEl>
+                                              <p:pRg st="0" end="0"/>
+                                            </p:txEl>
+                                          </p:spTgt>
+                                        </p:tgtEl>
+                                        <p:attrNameLst>
+                                          <p:attrName>style.visibility</p:attrName>
+                                        </p:attrNameLst>
+                                      </p:cBhvr>
+                                      <p:to>
+                                        <p:strVal val="visible"/>
+                                      </p:to>
+                                    </p:set>
+                                    <p:animEffect transition="in" filter="fade">
+                                      <p:cBhvr>
+                                        <p:cTn id="7" dur="500"/>
+                                        <p:tgtEl>
+                                          <p:spTgt spid="7">
+                                            <p:txEl>
+                                              <p:pRg st="0" end="0"/>
+                                            </p:txEl>
+                                          </p:spTgt>
+                                        </p:tgtEl>
+                                      </p:cBhvr>
+                                    </p:animEffect>
+                                  </p:childTnLst>
+                                </p:cTn>
+                              </p:par>
+                            </p:childTnLst>
+                          </p:cTn>
+                        </p:par>
+                        <p:par>
+                          <p:cTn id="8" fill="hold">
+                            <p:stCondLst>
+                              <p:cond delay="860"/>
+                            </p:stCondLst>
+                            <p:childTnLst>
+                              <p:par>
+                                <p:cTn id="9" presetID="10" presetClass="entr" presetSubtype="0" fill="hold" nodeType="afterEffect">
+                                  <p:stCondLst>
+                                    <p:cond delay="100"/>
+                                  </p:stCondLst>
+                                  <p:iterate type="lt">
+                                    <p:tmPct val="2000"/>
+                                  </p:iterate>
+                                  <p:childTnLst>
+                                    <p:set>
+                                      <p:cBhvr>
+                                        <p:cTn id="10" dur="1" fill="hold">
+                                          <p:stCondLst>
+                                            <p:cond delay="0"/>
+                                          </p:stCondLst>
+                                        </p:cTn>
+                                        <p:tgtEl>
+                                          <p:spTgt spid="7">
+                                            <p:txEl>
+                                              <p:pRg st="1" end="1"/>
+                                            </p:txEl>
+                                          </p:spTgt>
+                                        </p:tgtEl>
+                                        <p:attrNameLst>
+                                          <p:attrName>style.visibility</p:attrName>
+                                        </p:attrNameLst>
+                                      </p:cBhvr>
+                                      <p:to>
+                                        <p:strVal val="visible"/>
+                                      </p:to>
+                                    </p:set>
+                                    <p:animEffect transition="in" filter="fade">
+                                      <p:cBhvr>
+                                        <p:cTn id="11" dur="500"/>
+                                        <p:tgtEl>
+                                          <p:spTgt spid="7">
+                                            <p:txEl>
+                                              <p:pRg st="1" end="1"/>
+                                            </p:txEl>
+                                          </p:spTgt>
+                                        </p:tgtEl>
+                                      </p:cBhvr>
+                                    </p:animEffect>
+                                  </p:childTnLst>
+                                </p:cTn>
+                              </p:par>
+                            </p:childTnLst>
+                          </p:cTn>
+                        </p:par>
+                        <p:par>
+                          <p:cTn id="12" fill="hold">
+                            <p:stCondLst>
+                              <p:cond delay="1520"/>
+                            </p:stCondLst>
+                            <p:childTnLst>
+                              <p:par>
+                                <p:cTn id="13" presetID="10" presetClass="entr" presetSubtype="0" fill="hold" nodeType="afterEffect">
+                                  <p:stCondLst>
+                                    <p:cond delay="100"/>
+                                  </p:stCondLst>
+                                  <p:iterate type="lt">
+                                    <p:tmPct val="2000"/>
+                                  </p:iterate>
+                                  <p:childTnLst>
+                                    <p:set>
+                                      <p:cBhvr>
+                                        <p:cTn id="14" dur="1" fill="hold">
+                                          <p:stCondLst>
+                                            <p:cond delay="0"/>
+                                          </p:stCondLst>
+                                        </p:cTn>
+                                        <p:tgtEl>
+                                          <p:spTgt spid="7">
+                                            <p:txEl>
+                                              <p:pRg st="2" end="2"/>
+                                            </p:txEl>
+                                          </p:spTgt>
+                                        </p:tgtEl>
+                                        <p:attrNameLst>
+                                          <p:attrName>style.visibility</p:attrName>
+                                        </p:attrNameLst>
+                                      </p:cBhvr>
+                                      <p:to>
+                                        <p:strVal val="visible"/>
+                                      </p:to>
+                                    </p:set>
+                                    <p:animEffect transition="in" filter="fade">
+                                      <p:cBhvr>
+                                        <p:cTn id="15" dur="500"/>
+                                        <p:tgtEl>
+                                          <p:spTgt spid="7">
+                                            <p:txEl>
+                                              <p:pRg st="2" end="2"/>
+                                            </p:txEl>
+                                          </p:spTgt>
+                                        </p:tgtEl>
+                                      </p:cBhvr>
+                                    </p:animEffect>
+                                  </p:childTnLst>
+                                </p:cTn>
+                              </p:par>
+                            </p:childTnLst>
+                          </p:cTn>
+                        </p:par>
+                      </p:childTnLst>
+                    </p:cTn>
+                  </p:par>
+                </p:childTnLst>
+              </p:cTn>
+              <p:prevCondLst>
+                <p:cond evt="onPrev" delay="0">
+                  <p:tgtEl>
+                    <p:sldTgt/>
+                  </p:tgtEl>
+                </p:cond>
+              </p:prevCondLst>
+              <p:nextCondLst>
+                <p:cond evt="onNext" delay="0">
+                  <p:tgtEl>
+                    <p:sldTgt/>
+                  </p:tgtEl>
+                </p:cond>
+              </p:nextCondLst>
+            </p:seq>
+          </p:childTnLst>
+        </p:cTn>
+      </p:par>
+    </p:tnLst>
+  </p:timing>
 </p:sld>
 </file>
 
@@ -7856,6 +8073,219 @@
   <p:clrMapOvr>
     <a:masterClrMapping/>
   </p:clrMapOvr>
+  <p:transition spd="slow">
+    <p:push dir="u"/>
+  </p:transition>
+  <p:timing>
+    <p:tnLst>
+      <p:par>
+        <p:cTn id="1" dur="indefinite" restart="never" nodeType="tmRoot">
+          <p:childTnLst>
+            <p:seq concurrent="1" nextAc="seek">
+              <p:cTn id="2" dur="indefinite" nodeType="mainSeq">
+                <p:childTnLst>
+                  <p:par>
+                    <p:cTn id="3" fill="hold">
+                      <p:stCondLst>
+                        <p:cond delay="indefinite"/>
+                      </p:stCondLst>
+                      <p:childTnLst>
+                        <p:par>
+                          <p:cTn id="4" fill="hold">
+                            <p:stCondLst>
+                              <p:cond delay="0"/>
+                            </p:stCondLst>
+                            <p:childTnLst>
+                              <p:par>
+                                <p:cTn id="5" presetID="1" presetClass="entr" presetSubtype="0" fill="hold" nodeType="clickEffect">
+                                  <p:stCondLst>
+                                    <p:cond delay="0"/>
+                                  </p:stCondLst>
+                                  <p:iterate type="lt">
+                                    <p:tmAbs val="60"/>
+                                  </p:iterate>
+                                  <p:childTnLst>
+                                    <p:set>
+                                      <p:cBhvr>
+                                        <p:cTn id="6" dur="1" fill="hold">
+                                          <p:stCondLst>
+                                            <p:cond delay="0"/>
+                                          </p:stCondLst>
+                                        </p:cTn>
+                                        <p:tgtEl>
+                                          <p:spTgt spid="5">
+                                            <p:txEl>
+                                              <p:pRg st="0" end="0"/>
+                                            </p:txEl>
+                                          </p:spTgt>
+                                        </p:tgtEl>
+                                        <p:attrNameLst>
+                                          <p:attrName>style.visibility</p:attrName>
+                                        </p:attrNameLst>
+                                      </p:cBhvr>
+                                      <p:to>
+                                        <p:strVal val="visible"/>
+                                      </p:to>
+                                    </p:set>
+                                  </p:childTnLst>
+                                </p:cTn>
+                              </p:par>
+                            </p:childTnLst>
+                          </p:cTn>
+                        </p:par>
+                      </p:childTnLst>
+                    </p:cTn>
+                  </p:par>
+                  <p:par>
+                    <p:cTn id="7" fill="hold">
+                      <p:stCondLst>
+                        <p:cond delay="indefinite"/>
+                      </p:stCondLst>
+                      <p:childTnLst>
+                        <p:par>
+                          <p:cTn id="8" fill="hold">
+                            <p:stCondLst>
+                              <p:cond delay="0"/>
+                            </p:stCondLst>
+                            <p:childTnLst>
+                              <p:par>
+                                <p:cTn id="9" presetID="10" presetClass="entr" presetSubtype="0" fill="hold" nodeType="clickEffect">
+                                  <p:stCondLst>
+                                    <p:cond delay="0"/>
+                                  </p:stCondLst>
+                                  <p:iterate type="lt">
+                                    <p:tmPct val="2000"/>
+                                  </p:iterate>
+                                  <p:childTnLst>
+                                    <p:set>
+                                      <p:cBhvr>
+                                        <p:cTn id="10" dur="1" fill="hold">
+                                          <p:stCondLst>
+                                            <p:cond delay="0"/>
+                                          </p:stCondLst>
+                                        </p:cTn>
+                                        <p:tgtEl>
+                                          <p:spTgt spid="5">
+                                            <p:txEl>
+                                              <p:pRg st="1" end="1"/>
+                                            </p:txEl>
+                                          </p:spTgt>
+                                        </p:tgtEl>
+                                        <p:attrNameLst>
+                                          <p:attrName>style.visibility</p:attrName>
+                                        </p:attrNameLst>
+                                      </p:cBhvr>
+                                      <p:to>
+                                        <p:strVal val="visible"/>
+                                      </p:to>
+                                    </p:set>
+                                    <p:animEffect transition="in" filter="fade">
+                                      <p:cBhvr>
+                                        <p:cTn id="11" dur="500"/>
+                                        <p:tgtEl>
+                                          <p:spTgt spid="5">
+                                            <p:txEl>
+                                              <p:pRg st="1" end="1"/>
+                                            </p:txEl>
+                                          </p:spTgt>
+                                        </p:tgtEl>
+                                      </p:cBhvr>
+                                    </p:animEffect>
+                                  </p:childTnLst>
+                                </p:cTn>
+                              </p:par>
+                            </p:childTnLst>
+                          </p:cTn>
+                        </p:par>
+                      </p:childTnLst>
+                    </p:cTn>
+                  </p:par>
+                  <p:par>
+                    <p:cTn id="12" fill="hold">
+                      <p:stCondLst>
+                        <p:cond delay="indefinite"/>
+                      </p:stCondLst>
+                      <p:childTnLst>
+                        <p:par>
+                          <p:cTn id="13" fill="hold">
+                            <p:stCondLst>
+                              <p:cond delay="0"/>
+                            </p:stCondLst>
+                            <p:childTnLst>
+                              <p:par>
+                                <p:cTn id="14" presetID="10" presetClass="entr" presetSubtype="0" fill="hold" nodeType="clickEffect">
+                                  <p:stCondLst>
+                                    <p:cond delay="0"/>
+                                  </p:stCondLst>
+                                  <p:iterate type="lt">
+                                    <p:tmPct val="2000"/>
+                                  </p:iterate>
+                                  <p:childTnLst>
+                                    <p:set>
+                                      <p:cBhvr>
+                                        <p:cTn id="15" dur="1" fill="hold">
+                                          <p:stCondLst>
+                                            <p:cond delay="0"/>
+                                          </p:stCondLst>
+                                        </p:cTn>
+                                        <p:tgtEl>
+                                          <p:spTgt spid="5">
+                                            <p:txEl>
+                                              <p:pRg st="2" end="2"/>
+                                            </p:txEl>
+                                          </p:spTgt>
+                                        </p:tgtEl>
+                                        <p:attrNameLst>
+                                          <p:attrName>style.visibility</p:attrName>
+                                        </p:attrNameLst>
+                                      </p:cBhvr>
+                                      <p:to>
+                                        <p:strVal val="visible"/>
+                                      </p:to>
+                                    </p:set>
+                                    <p:animEffect transition="in" filter="fade">
+                                      <p:cBhvr>
+                                        <p:cTn id="16" dur="500"/>
+                                        <p:tgtEl>
+                                          <p:spTgt spid="5">
+                                            <p:txEl>
+                                              <p:pRg st="2" end="2"/>
+                                            </p:txEl>
+                                          </p:spTgt>
+                                        </p:tgtEl>
+                                      </p:cBhvr>
+                                    </p:animEffect>
+                                  </p:childTnLst>
+                                </p:cTn>
+                              </p:par>
+                            </p:childTnLst>
+                          </p:cTn>
+                        </p:par>
+                      </p:childTnLst>
+                    </p:cTn>
+                  </p:par>
+                </p:childTnLst>
+              </p:cTn>
+              <p:prevCondLst>
+                <p:cond evt="onPrev" delay="0">
+                  <p:tgtEl>
+                    <p:sldTgt/>
+                  </p:tgtEl>
+                </p:cond>
+              </p:prevCondLst>
+              <p:nextCondLst>
+                <p:cond evt="onNext" delay="0">
+                  <p:tgtEl>
+                    <p:sldTgt/>
+                  </p:tgtEl>
+                </p:cond>
+              </p:nextCondLst>
+            </p:seq>
+          </p:childTnLst>
+        </p:cTn>
+      </p:par>
+    </p:tnLst>
+  </p:timing>
 </p:sld>
 </file>
 
@@ -8007,6 +8437,161 @@
   <p:clrMapOvr>
     <a:masterClrMapping/>
   </p:clrMapOvr>
+  <p:transition spd="med">
+    <p:pull/>
+  </p:transition>
+  <p:timing>
+    <p:tnLst>
+      <p:par>
+        <p:cTn id="1" dur="indefinite" restart="never" nodeType="tmRoot">
+          <p:childTnLst>
+            <p:seq concurrent="1" nextAc="seek">
+              <p:cTn id="2" dur="indefinite" nodeType="mainSeq">
+                <p:childTnLst>
+                  <p:par>
+                    <p:cTn id="3" fill="hold">
+                      <p:stCondLst>
+                        <p:cond delay="indefinite"/>
+                      </p:stCondLst>
+                      <p:childTnLst>
+                        <p:par>
+                          <p:cTn id="4" fill="hold">
+                            <p:stCondLst>
+                              <p:cond delay="0"/>
+                            </p:stCondLst>
+                            <p:childTnLst>
+                              <p:par>
+                                <p:cTn id="5" presetID="22" presetClass="entr" presetSubtype="8" fill="hold" nodeType="clickEffect">
+                                  <p:stCondLst>
+                                    <p:cond delay="0"/>
+                                  </p:stCondLst>
+                                  <p:childTnLst>
+                                    <p:set>
+                                      <p:cBhvr>
+                                        <p:cTn id="6" dur="1" fill="hold">
+                                          <p:stCondLst>
+                                            <p:cond delay="0"/>
+                                          </p:stCondLst>
+                                        </p:cTn>
+                                        <p:tgtEl>
+                                          <p:spTgt spid="13">
+                                            <p:txEl>
+                                              <p:pRg st="0" end="0"/>
+                                            </p:txEl>
+                                          </p:spTgt>
+                                        </p:tgtEl>
+                                        <p:attrNameLst>
+                                          <p:attrName>style.visibility</p:attrName>
+                                        </p:attrNameLst>
+                                      </p:cBhvr>
+                                      <p:to>
+                                        <p:strVal val="visible"/>
+                                      </p:to>
+                                    </p:set>
+                                    <p:animEffect transition="in" filter="wipe(left)">
+                                      <p:cBhvr>
+                                        <p:cTn id="7" dur="500"/>
+                                        <p:tgtEl>
+                                          <p:spTgt spid="13">
+                                            <p:txEl>
+                                              <p:pRg st="0" end="0"/>
+                                            </p:txEl>
+                                          </p:spTgt>
+                                        </p:tgtEl>
+                                      </p:cBhvr>
+                                    </p:animEffect>
+                                  </p:childTnLst>
+                                </p:cTn>
+                              </p:par>
+                            </p:childTnLst>
+                          </p:cTn>
+                        </p:par>
+                      </p:childTnLst>
+                    </p:cTn>
+                  </p:par>
+                  <p:par>
+                    <p:cTn id="8" fill="hold">
+                      <p:stCondLst>
+                        <p:cond delay="indefinite"/>
+                      </p:stCondLst>
+                      <p:childTnLst>
+                        <p:par>
+                          <p:cTn id="9" fill="hold">
+                            <p:stCondLst>
+                              <p:cond delay="0"/>
+                            </p:stCondLst>
+                            <p:childTnLst>
+                              <p:par>
+                                <p:cTn id="10" presetID="22" presetClass="entr" presetSubtype="8" fill="hold" nodeType="clickEffect">
+                                  <p:stCondLst>
+                                    <p:cond delay="0"/>
+                                  </p:stCondLst>
+                                  <p:childTnLst>
+                                    <p:set>
+                                      <p:cBhvr>
+                                        <p:cTn id="11" dur="1" fill="hold">
+                                          <p:stCondLst>
+                                            <p:cond delay="0"/>
+                                          </p:stCondLst>
+                                        </p:cTn>
+                                        <p:tgtEl>
+                                          <p:spTgt spid="13">
+                                            <p:txEl>
+                                              <p:pRg st="1" end="1"/>
+                                            </p:txEl>
+                                          </p:spTgt>
+                                        </p:tgtEl>
+                                        <p:attrNameLst>
+                                          <p:attrName>style.visibility</p:attrName>
+                                        </p:attrNameLst>
+                                      </p:cBhvr>
+                                      <p:to>
+                                        <p:strVal val="visible"/>
+                                      </p:to>
+                                    </p:set>
+                                    <p:animEffect transition="in" filter="wipe(left)">
+                                      <p:cBhvr>
+                                        <p:cTn id="12" dur="500"/>
+                                        <p:tgtEl>
+                                          <p:spTgt spid="13">
+                                            <p:txEl>
+                                              <p:pRg st="1" end="1"/>
+                                            </p:txEl>
+                                          </p:spTgt>
+                                        </p:tgtEl>
+                                      </p:cBhvr>
+                                    </p:animEffect>
+                                  </p:childTnLst>
+                                </p:cTn>
+                              </p:par>
+                            </p:childTnLst>
+                          </p:cTn>
+                        </p:par>
+                      </p:childTnLst>
+                    </p:cTn>
+                  </p:par>
+                </p:childTnLst>
+              </p:cTn>
+              <p:prevCondLst>
+                <p:cond evt="onPrev" delay="0">
+                  <p:tgtEl>
+                    <p:sldTgt/>
+                  </p:tgtEl>
+                </p:cond>
+              </p:prevCondLst>
+              <p:nextCondLst>
+                <p:cond evt="onNext" delay="0">
+                  <p:tgtEl>
+                    <p:sldTgt/>
+                  </p:tgtEl>
+                </p:cond>
+              </p:nextCondLst>
+            </p:seq>
+          </p:childTnLst>
+        </p:cTn>
+      </p:par>
+    </p:tnLst>
+  </p:timing>
 </p:sld>
 </file>
 
@@ -8169,6 +8754,230 @@
   <p:clrMapOvr>
     <a:masterClrMapping/>
   </p:clrMapOvr>
+  <mc:AlternateContent xmlns:mc="http://schemas.openxmlformats.org/markup-compatibility/2006">
+    <mc:Choice xmlns:p15="http://schemas.microsoft.com/office/powerpoint/2012/main" Requires="p15">
+      <p:transition xmlns:p14="http://schemas.microsoft.com/office/powerpoint/2010/main" spd="slow" p14:dur="2000">
+        <p15:prstTrans prst="fallOver"/>
+      </p:transition>
+    </mc:Choice>
+    <mc:Fallback>
+      <p:transition spd="slow">
+        <p:fade/>
+      </p:transition>
+    </mc:Fallback>
+  </mc:AlternateContent>
+  <p:timing>
+    <p:tnLst>
+      <p:par>
+        <p:cTn id="1" dur="indefinite" restart="never" nodeType="tmRoot">
+          <p:childTnLst>
+            <p:seq concurrent="1" nextAc="seek">
+              <p:cTn id="2" dur="indefinite" nodeType="mainSeq">
+                <p:childTnLst>
+                  <p:par>
+                    <p:cTn id="3" fill="hold">
+                      <p:stCondLst>
+                        <p:cond delay="indefinite"/>
+                      </p:stCondLst>
+                      <p:childTnLst>
+                        <p:par>
+                          <p:cTn id="4" fill="hold">
+                            <p:stCondLst>
+                              <p:cond delay="0"/>
+                            </p:stCondLst>
+                            <p:childTnLst>
+                              <p:par>
+                                <p:cTn id="5" presetID="47" presetClass="entr" presetSubtype="0" fill="hold" nodeType="clickEffect">
+                                  <p:stCondLst>
+                                    <p:cond delay="0"/>
+                                  </p:stCondLst>
+                                  <p:iterate type="lt">
+                                    <p:tmPct val="6000"/>
+                                  </p:iterate>
+                                  <p:childTnLst>
+                                    <p:set>
+                                      <p:cBhvr>
+                                        <p:cTn id="6" dur="1" fill="hold">
+                                          <p:stCondLst>
+                                            <p:cond delay="0"/>
+                                          </p:stCondLst>
+                                        </p:cTn>
+                                        <p:tgtEl>
+                                          <p:spTgt spid="8">
+                                            <p:txEl>
+                                              <p:pRg st="0" end="0"/>
+                                            </p:txEl>
+                                          </p:spTgt>
+                                        </p:tgtEl>
+                                        <p:attrNameLst>
+                                          <p:attrName>style.visibility</p:attrName>
+                                        </p:attrNameLst>
+                                      </p:cBhvr>
+                                      <p:to>
+                                        <p:strVal val="visible"/>
+                                      </p:to>
+                                    </p:set>
+                                    <p:animEffect transition="in" filter="fade">
+                                      <p:cBhvr>
+                                        <p:cTn id="7" dur="400"/>
+                                        <p:tgtEl>
+                                          <p:spTgt spid="8">
+                                            <p:txEl>
+                                              <p:pRg st="0" end="0"/>
+                                            </p:txEl>
+                                          </p:spTgt>
+                                        </p:tgtEl>
+                                      </p:cBhvr>
+                                    </p:animEffect>
+                                    <p:anim calcmode="lin" valueType="num">
+                                      <p:cBhvr>
+                                        <p:cTn id="8" dur="400" fill="hold"/>
+                                        <p:tgtEl>
+                                          <p:spTgt spid="8">
+                                            <p:txEl>
+                                              <p:pRg st="0" end="0"/>
+                                            </p:txEl>
+                                          </p:spTgt>
+                                        </p:tgtEl>
+                                        <p:attrNameLst>
+                                          <p:attrName>ppt_x</p:attrName>
+                                        </p:attrNameLst>
+                                      </p:cBhvr>
+                                      <p:tavLst>
+                                        <p:tav tm="0">
+                                          <p:val>
+                                            <p:strVal val="#ppt_x"/>
+                                          </p:val>
+                                        </p:tav>
+                                        <p:tav tm="100000">
+                                          <p:val>
+                                            <p:strVal val="#ppt_x"/>
+                                          </p:val>
+                                        </p:tav>
+                                      </p:tavLst>
+                                    </p:anim>
+                                    <p:anim calcmode="lin" valueType="num">
+                                      <p:cBhvr>
+                                        <p:cTn id="9" dur="400" fill="hold"/>
+                                        <p:tgtEl>
+                                          <p:spTgt spid="8">
+                                            <p:txEl>
+                                              <p:pRg st="0" end="0"/>
+                                            </p:txEl>
+                                          </p:spTgt>
+                                        </p:tgtEl>
+                                        <p:attrNameLst>
+                                          <p:attrName>ppt_y</p:attrName>
+                                        </p:attrNameLst>
+                                      </p:cBhvr>
+                                      <p:tavLst>
+                                        <p:tav tm="0">
+                                          <p:val>
+                                            <p:strVal val="#ppt_y-.1"/>
+                                          </p:val>
+                                        </p:tav>
+                                        <p:tav tm="100000">
+                                          <p:val>
+                                            <p:strVal val="#ppt_y"/>
+                                          </p:val>
+                                        </p:tav>
+                                      </p:tavLst>
+                                    </p:anim>
+                                  </p:childTnLst>
+                                </p:cTn>
+                              </p:par>
+                            </p:childTnLst>
+                          </p:cTn>
+                        </p:par>
+                      </p:childTnLst>
+                    </p:cTn>
+                  </p:par>
+                  <p:par>
+                    <p:cTn id="10" fill="hold">
+                      <p:stCondLst>
+                        <p:cond delay="indefinite"/>
+                      </p:stCondLst>
+                      <p:childTnLst>
+                        <p:par>
+                          <p:cTn id="11" fill="hold">
+                            <p:stCondLst>
+                              <p:cond delay="0"/>
+                            </p:stCondLst>
+                            <p:childTnLst>
+                              <p:par>
+                                <p:cTn id="12" presetID="14" presetClass="entr" presetSubtype="5" fill="hold" nodeType="clickEffect">
+                                  <p:stCondLst>
+                                    <p:cond delay="0"/>
+                                  </p:stCondLst>
+                                  <p:iterate type="wd">
+                                    <p:tmPct val="32000"/>
+                                  </p:iterate>
+                                  <p:childTnLst>
+                                    <p:set>
+                                      <p:cBhvr>
+                                        <p:cTn id="13" dur="1" fill="hold">
+                                          <p:stCondLst>
+                                            <p:cond delay="0"/>
+                                          </p:stCondLst>
+                                        </p:cTn>
+                                        <p:tgtEl>
+                                          <p:spTgt spid="8">
+                                            <p:txEl>
+                                              <p:pRg st="1" end="1"/>
+                                            </p:txEl>
+                                          </p:spTgt>
+                                        </p:tgtEl>
+                                        <p:attrNameLst>
+                                          <p:attrName>style.visibility</p:attrName>
+                                        </p:attrNameLst>
+                                      </p:cBhvr>
+                                      <p:to>
+                                        <p:strVal val="visible"/>
+                                      </p:to>
+                                    </p:set>
+                                    <p:animEffect transition="in" filter="randombar(vertical)">
+                                      <p:cBhvr>
+                                        <p:cTn id="14" dur="700"/>
+                                        <p:tgtEl>
+                                          <p:spTgt spid="8">
+                                            <p:txEl>
+                                              <p:pRg st="1" end="1"/>
+                                            </p:txEl>
+                                          </p:spTgt>
+                                        </p:tgtEl>
+                                      </p:cBhvr>
+                                    </p:animEffect>
+                                  </p:childTnLst>
+                                </p:cTn>
+                              </p:par>
+                            </p:childTnLst>
+                          </p:cTn>
+                        </p:par>
+                      </p:childTnLst>
+                    </p:cTn>
+                  </p:par>
+                </p:childTnLst>
+              </p:cTn>
+              <p:prevCondLst>
+                <p:cond evt="onPrev" delay="0">
+                  <p:tgtEl>
+                    <p:sldTgt/>
+                  </p:tgtEl>
+                </p:cond>
+              </p:prevCondLst>
+              <p:nextCondLst>
+                <p:cond evt="onNext" delay="0">
+                  <p:tgtEl>
+                    <p:sldTgt/>
+                  </p:tgtEl>
+                </p:cond>
+              </p:nextCondLst>
+            </p:seq>
+          </p:childTnLst>
+        </p:cTn>
+      </p:par>
+    </p:tnLst>
+  </p:timing>
 </p:sld>
 </file>
 
@@ -8189,114 +8998,12 @@
           <a:chExt cx="0" cy="0"/>
         </a:xfrm>
       </p:grpSpPr>
-      <p:sp>
-        <p:nvSpPr>
-          <p:cNvPr id="2" name="Title 1">
+      <p:graphicFrame>
+        <p:nvGraphicFramePr>
+          <p:cNvPr id="11" name="Table 10">
             <a:extLst>
               <a:ext uri="{FF2B5EF4-FFF2-40B4-BE49-F238E27FC236}">
-                <a16:creationId xmlns:a16="http://schemas.microsoft.com/office/drawing/2014/main" id="{8DB81D31-BB27-3E0E-C2FE-C56C467D033E}"/>
-              </a:ext>
-            </a:extLst>
-          </p:cNvPr>
-          <p:cNvSpPr>
-            <a:spLocks noGrp="1"/>
-          </p:cNvSpPr>
-          <p:nvPr>
-            <p:ph type="title"/>
-          </p:nvPr>
-        </p:nvSpPr>
-        <p:spPr>
-          <a:xfrm>
-            <a:off x="1059180" y="1020445"/>
-            <a:ext cx="2895600" cy="1325563"/>
-          </a:xfrm>
-        </p:spPr>
-        <p:txBody>
-          <a:bodyPr anchor="ctr"/>
-          <a:lstStyle/>
-          <a:p>
-            <a:pPr algn="ctr"/>
-            <a:r>
-              <a:rPr lang="en-US" sz="3600" dirty="0"/>
-              <a:t>Results</a:t>
-            </a:r>
-            <a:endParaRPr lang="en-IL" dirty="0"/>
-          </a:p>
-        </p:txBody>
-      </p:sp>
-      <p:sp>
-        <p:nvSpPr>
-          <p:cNvPr id="5" name="Content Placeholder 4">
-            <a:extLst>
-              <a:ext uri="{FF2B5EF4-FFF2-40B4-BE49-F238E27FC236}">
-                <a16:creationId xmlns:a16="http://schemas.microsoft.com/office/drawing/2014/main" id="{B80861DE-AF85-FFF7-AC3C-52AEE0E916A5}"/>
-              </a:ext>
-            </a:extLst>
-          </p:cNvPr>
-          <p:cNvSpPr>
-            <a:spLocks noGrp="1"/>
-          </p:cNvSpPr>
-          <p:nvPr>
-            <p:ph idx="1"/>
-          </p:nvPr>
-        </p:nvSpPr>
-        <p:spPr>
-          <a:xfrm>
-            <a:off x="807720" y="2674013"/>
-            <a:ext cx="4762500" cy="3269589"/>
-          </a:xfrm>
-        </p:spPr>
-        <p:txBody>
-          <a:bodyPr/>
-          <a:lstStyle/>
-          <a:p>
-            <a:pPr marL="285750" indent="-285750">
-              <a:buFont typeface="Arial" panose="020B0604020202020204" pitchFamily="34" charset="0"/>
-              <a:buChar char="•"/>
-            </a:pPr>
-            <a:r>
-              <a:rPr lang="en-US" sz="1800" dirty="0"/>
-              <a:t>Performance Metrics &amp; Comparison</a:t>
-            </a:r>
-          </a:p>
-        </p:txBody>
-      </p:sp>
-      <p:sp>
-        <p:nvSpPr>
-          <p:cNvPr id="4" name="Slide Number Placeholder 3">
-            <a:extLst>
-              <a:ext uri="{FF2B5EF4-FFF2-40B4-BE49-F238E27FC236}">
-                <a16:creationId xmlns:a16="http://schemas.microsoft.com/office/drawing/2014/main" id="{04A2575A-6EBD-45AB-82CB-85F9AB8CA985}"/>
-              </a:ext>
-            </a:extLst>
-          </p:cNvPr>
-          <p:cNvSpPr>
-            <a:spLocks noGrp="1"/>
-          </p:cNvSpPr>
-          <p:nvPr>
-            <p:ph type="sldNum" sz="quarter" idx="12"/>
-          </p:nvPr>
-        </p:nvSpPr>
-        <p:spPr/>
-        <p:txBody>
-          <a:bodyPr/>
-          <a:lstStyle/>
-          <a:p>
-            <a:fld id="{A49DFD55-3C28-40EF-9E31-A92D2E4017FF}" type="slidenum">
-              <a:rPr lang="en-US" smtClean="0"/>
-              <a:pPr/>
-              <a:t>7</a:t>
-            </a:fld>
-            <a:endParaRPr lang="en-US" dirty="0"/>
-          </a:p>
-        </p:txBody>
-      </p:sp>
-      <p:graphicFrame>
-        <p:nvGraphicFramePr>
-          <p:cNvPr id="3" name="Table 2">
-            <a:extLst>
-              <a:ext uri="{FF2B5EF4-FFF2-40B4-BE49-F238E27FC236}">
-                <a16:creationId xmlns:a16="http://schemas.microsoft.com/office/drawing/2014/main" id="{B3C7A9B7-1AF1-0FBA-73AC-F555CE6EED81}"/>
+                <a16:creationId xmlns:a16="http://schemas.microsoft.com/office/drawing/2014/main" id="{DEFD718B-43E7-A99B-29E4-E54F5B075261}"/>
               </a:ext>
             </a:extLst>
           </p:cNvPr>
@@ -8306,14 +9013,14 @@
           <p:nvPr>
             <p:extLst>
               <p:ext uri="{D42A27DB-BD31-4B8C-83A1-F6EECF244321}">
-                <p14:modId xmlns:p14="http://schemas.microsoft.com/office/powerpoint/2010/main" val="3770854825"/>
+                <p14:modId xmlns:p14="http://schemas.microsoft.com/office/powerpoint/2010/main" val="3114084357"/>
               </p:ext>
             </p:extLst>
           </p:nvPr>
         </p:nvGraphicFramePr>
         <p:xfrm>
           <a:off x="2811781" y="3589020"/>
-          <a:ext cx="8738860" cy="2225040"/>
+          <a:ext cx="8738860" cy="2494280"/>
         </p:xfrm>
         <a:graphic>
           <a:graphicData uri="http://schemas.openxmlformats.org/drawingml/2006/table">
@@ -8371,8 +9078,657 @@
                   <a:tcPr>
                     <a:solidFill>
                       <a:schemeClr val="tx1">
-                        <a:lumMod val="75000"/>
-                        <a:lumOff val="25000"/>
+                        <a:lumMod val="85000"/>
+                        <a:lumOff val="15000"/>
+                      </a:schemeClr>
+                    </a:solidFill>
+                  </a:tcPr>
+                </a:tc>
+                <a:tc gridSpan="2">
+                  <a:txBody>
+                    <a:bodyPr/>
+                    <a:lstStyle/>
+                    <a:p>
+                      <a:pPr algn="ctr"/>
+                      <a:r>
+                        <a:rPr lang="en-US" dirty="0"/>
+                        <a:t>Our Strategy</a:t>
+                      </a:r>
+                      <a:endParaRPr lang="en-IL" dirty="0"/>
+                    </a:p>
+                  </a:txBody>
+                  <a:tcPr/>
+                </a:tc>
+                <a:tc hMerge="1">
+                  <a:txBody>
+                    <a:bodyPr/>
+                    <a:lstStyle/>
+                    <a:p>
+                      <a:endParaRPr lang="en-IL" dirty="0"/>
+                    </a:p>
+                  </a:txBody>
+                  <a:tcPr/>
+                </a:tc>
+                <a:tc gridSpan="2">
+                  <a:txBody>
+                    <a:bodyPr/>
+                    <a:lstStyle/>
+                    <a:p>
+                      <a:pPr algn="ctr"/>
+                      <a:r>
+                        <a:rPr lang="en-US" dirty="0"/>
+                        <a:t>Buy &amp; Hold Strategy</a:t>
+                      </a:r>
+                      <a:endParaRPr lang="en-IL" dirty="0"/>
+                    </a:p>
+                  </a:txBody>
+                  <a:tcPr/>
+                </a:tc>
+                <a:tc hMerge="1">
+                  <a:txBody>
+                    <a:bodyPr/>
+                    <a:lstStyle/>
+                    <a:p>
+                      <a:endParaRPr lang="en-IL" dirty="0"/>
+                    </a:p>
+                  </a:txBody>
+                  <a:tcPr/>
+                </a:tc>
+                <a:extLst>
+                  <a:ext uri="{0D108BD9-81ED-4DB2-BD59-A6C34878D82A}">
+                    <a16:rowId xmlns:a16="http://schemas.microsoft.com/office/drawing/2014/main" val="1055431997"/>
+                  </a:ext>
+                </a:extLst>
+              </a:tr>
+              <a:tr h="370840">
+                <a:tc vMerge="1">
+                  <a:txBody>
+                    <a:bodyPr/>
+                    <a:lstStyle/>
+                    <a:p>
+                      <a:endParaRPr lang="en-IL" dirty="0"/>
+                    </a:p>
+                  </a:txBody>
+                  <a:tcPr/>
+                </a:tc>
+                <a:tc>
+                  <a:txBody>
+                    <a:bodyPr/>
+                    <a:lstStyle/>
+                    <a:p>
+                      <a:pPr algn="ctr"/>
+                      <a:r>
+                        <a:rPr lang="en-US" b="1" dirty="0">
+                          <a:solidFill>
+                            <a:schemeClr val="bg1"/>
+                          </a:solidFill>
+                        </a:rPr>
+                        <a:t>Train</a:t>
+                      </a:r>
+                      <a:endParaRPr lang="en-IL" b="1" dirty="0">
+                        <a:solidFill>
+                          <a:schemeClr val="bg1"/>
+                        </a:solidFill>
+                      </a:endParaRPr>
+                    </a:p>
+                  </a:txBody>
+                  <a:tcPr>
+                    <a:solidFill>
+                      <a:schemeClr val="tx1">
+                        <a:lumMod val="65000"/>
+                        <a:lumOff val="35000"/>
+                      </a:schemeClr>
+                    </a:solidFill>
+                  </a:tcPr>
+                </a:tc>
+                <a:tc>
+                  <a:txBody>
+                    <a:bodyPr/>
+                    <a:lstStyle/>
+                    <a:p>
+                      <a:pPr algn="ctr"/>
+                      <a:r>
+                        <a:rPr lang="en-US" b="1" dirty="0">
+                          <a:solidFill>
+                            <a:schemeClr val="bg1"/>
+                          </a:solidFill>
+                        </a:rPr>
+                        <a:t>Test</a:t>
+                      </a:r>
+                      <a:endParaRPr lang="en-IL" b="1" dirty="0">
+                        <a:solidFill>
+                          <a:schemeClr val="bg1"/>
+                        </a:solidFill>
+                      </a:endParaRPr>
+                    </a:p>
+                  </a:txBody>
+                  <a:tcPr>
+                    <a:solidFill>
+                      <a:schemeClr val="tx1">
+                        <a:lumMod val="65000"/>
+                        <a:lumOff val="35000"/>
+                      </a:schemeClr>
+                    </a:solidFill>
+                  </a:tcPr>
+                </a:tc>
+                <a:tc>
+                  <a:txBody>
+                    <a:bodyPr/>
+                    <a:lstStyle/>
+                    <a:p>
+                      <a:pPr algn="ctr"/>
+                      <a:r>
+                        <a:rPr lang="en-US" b="1" dirty="0">
+                          <a:solidFill>
+                            <a:schemeClr val="bg1"/>
+                          </a:solidFill>
+                        </a:rPr>
+                        <a:t>Train</a:t>
+                      </a:r>
+                      <a:endParaRPr lang="en-IL" b="1" dirty="0">
+                        <a:solidFill>
+                          <a:schemeClr val="bg1"/>
+                        </a:solidFill>
+                      </a:endParaRPr>
+                    </a:p>
+                  </a:txBody>
+                  <a:tcPr>
+                    <a:solidFill>
+                      <a:schemeClr val="tx1">
+                        <a:lumMod val="65000"/>
+                        <a:lumOff val="35000"/>
+                      </a:schemeClr>
+                    </a:solidFill>
+                  </a:tcPr>
+                </a:tc>
+                <a:tc>
+                  <a:txBody>
+                    <a:bodyPr/>
+                    <a:lstStyle/>
+                    <a:p>
+                      <a:pPr algn="ctr"/>
+                      <a:r>
+                        <a:rPr lang="en-US" b="1" dirty="0">
+                          <a:solidFill>
+                            <a:schemeClr val="bg1"/>
+                          </a:solidFill>
+                        </a:rPr>
+                        <a:t>Test</a:t>
+                      </a:r>
+                      <a:endParaRPr lang="en-IL" b="1" dirty="0">
+                        <a:solidFill>
+                          <a:schemeClr val="bg1"/>
+                        </a:solidFill>
+                      </a:endParaRPr>
+                    </a:p>
+                  </a:txBody>
+                  <a:tcPr>
+                    <a:solidFill>
+                      <a:schemeClr val="tx1">
+                        <a:lumMod val="65000"/>
+                        <a:lumOff val="35000"/>
+                      </a:schemeClr>
+                    </a:solidFill>
+                  </a:tcPr>
+                </a:tc>
+                <a:extLst>
+                  <a:ext uri="{0D108BD9-81ED-4DB2-BD59-A6C34878D82A}">
+                    <a16:rowId xmlns:a16="http://schemas.microsoft.com/office/drawing/2014/main" val="3554670448"/>
+                  </a:ext>
+                </a:extLst>
+              </a:tr>
+              <a:tr h="370840">
+                <a:tc>
+                  <a:txBody>
+                    <a:bodyPr/>
+                    <a:lstStyle/>
+                    <a:p>
+                      <a:pPr algn="ctr"/>
+                      <a:r>
+                        <a:rPr lang="en-US" b="1" dirty="0"/>
+                        <a:t>Annual Return</a:t>
+                      </a:r>
+                      <a:endParaRPr lang="en-IL" b="1" dirty="0"/>
+                    </a:p>
+                  </a:txBody>
+                  <a:tcPr/>
+                </a:tc>
+                <a:tc>
+                  <a:txBody>
+                    <a:bodyPr/>
+                    <a:lstStyle/>
+                    <a:p>
+                      <a:pPr algn="ctr"/>
+                      <a:endParaRPr lang="en-IL" sz="1700" dirty="0"/>
+                    </a:p>
+                  </a:txBody>
+                  <a:tcPr/>
+                </a:tc>
+                <a:tc>
+                  <a:txBody>
+                    <a:bodyPr/>
+                    <a:lstStyle/>
+                    <a:p>
+                      <a:pPr algn="ctr"/>
+                      <a:endParaRPr lang="en-IL" sz="1700" dirty="0"/>
+                    </a:p>
+                  </a:txBody>
+                  <a:tcPr/>
+                </a:tc>
+                <a:tc>
+                  <a:txBody>
+                    <a:bodyPr/>
+                    <a:lstStyle/>
+                    <a:p>
+                      <a:pPr algn="ctr"/>
+                      <a:endParaRPr lang="en-IL" sz="1700" dirty="0"/>
+                    </a:p>
+                  </a:txBody>
+                  <a:tcPr/>
+                </a:tc>
+                <a:tc>
+                  <a:txBody>
+                    <a:bodyPr/>
+                    <a:lstStyle/>
+                    <a:p>
+                      <a:pPr algn="ctr"/>
+                      <a:endParaRPr lang="en-IL" sz="1700" dirty="0"/>
+                    </a:p>
+                  </a:txBody>
+                  <a:tcPr/>
+                </a:tc>
+                <a:extLst>
+                  <a:ext uri="{0D108BD9-81ED-4DB2-BD59-A6C34878D82A}">
+                    <a16:rowId xmlns:a16="http://schemas.microsoft.com/office/drawing/2014/main" val="18596907"/>
+                  </a:ext>
+                </a:extLst>
+              </a:tr>
+              <a:tr h="370840">
+                <a:tc>
+                  <a:txBody>
+                    <a:bodyPr/>
+                    <a:lstStyle/>
+                    <a:p>
+                      <a:pPr algn="ctr"/>
+                      <a:r>
+                        <a:rPr lang="en-US" b="1" dirty="0"/>
+                        <a:t>Sharpe</a:t>
+                      </a:r>
+                      <a:endParaRPr lang="en-IL" b="1" dirty="0"/>
+                    </a:p>
+                  </a:txBody>
+                  <a:tcPr/>
+                </a:tc>
+                <a:tc>
+                  <a:txBody>
+                    <a:bodyPr/>
+                    <a:lstStyle/>
+                    <a:p>
+                      <a:pPr algn="ctr"/>
+                      <a:endParaRPr lang="en-IL" sz="1700" dirty="0"/>
+                    </a:p>
+                  </a:txBody>
+                  <a:tcPr/>
+                </a:tc>
+                <a:tc>
+                  <a:txBody>
+                    <a:bodyPr/>
+                    <a:lstStyle/>
+                    <a:p>
+                      <a:pPr algn="ctr"/>
+                      <a:endParaRPr lang="en-IL" sz="1700" dirty="0"/>
+                    </a:p>
+                  </a:txBody>
+                  <a:tcPr/>
+                </a:tc>
+                <a:tc>
+                  <a:txBody>
+                    <a:bodyPr/>
+                    <a:lstStyle/>
+                    <a:p>
+                      <a:pPr algn="ctr"/>
+                      <a:endParaRPr lang="en-IL" sz="1700" dirty="0"/>
+                    </a:p>
+                  </a:txBody>
+                  <a:tcPr/>
+                </a:tc>
+                <a:tc>
+                  <a:txBody>
+                    <a:bodyPr/>
+                    <a:lstStyle/>
+                    <a:p>
+                      <a:pPr algn="ctr"/>
+                      <a:endParaRPr lang="en-IL" sz="1700" dirty="0"/>
+                    </a:p>
+                  </a:txBody>
+                  <a:tcPr/>
+                </a:tc>
+                <a:extLst>
+                  <a:ext uri="{0D108BD9-81ED-4DB2-BD59-A6C34878D82A}">
+                    <a16:rowId xmlns:a16="http://schemas.microsoft.com/office/drawing/2014/main" val="2698420717"/>
+                  </a:ext>
+                </a:extLst>
+              </a:tr>
+              <a:tr h="370840">
+                <a:tc>
+                  <a:txBody>
+                    <a:bodyPr/>
+                    <a:lstStyle/>
+                    <a:p>
+                      <a:pPr algn="ctr"/>
+                      <a:r>
+                        <a:rPr lang="en-US" b="1" dirty="0"/>
+                        <a:t>Max Drawdown</a:t>
+                      </a:r>
+                      <a:endParaRPr lang="en-IL" b="1" dirty="0"/>
+                    </a:p>
+                  </a:txBody>
+                  <a:tcPr/>
+                </a:tc>
+                <a:tc>
+                  <a:txBody>
+                    <a:bodyPr/>
+                    <a:lstStyle/>
+                    <a:p>
+                      <a:pPr algn="ctr"/>
+                      <a:endParaRPr lang="en-IL" sz="1700" dirty="0"/>
+                    </a:p>
+                  </a:txBody>
+                  <a:tcPr anchor="ctr"/>
+                </a:tc>
+                <a:tc>
+                  <a:txBody>
+                    <a:bodyPr/>
+                    <a:lstStyle/>
+                    <a:p>
+                      <a:pPr algn="ctr"/>
+                      <a:endParaRPr lang="en-IL" sz="1700" dirty="0"/>
+                    </a:p>
+                  </a:txBody>
+                  <a:tcPr anchor="ctr"/>
+                </a:tc>
+                <a:tc>
+                  <a:txBody>
+                    <a:bodyPr/>
+                    <a:lstStyle/>
+                    <a:p>
+                      <a:pPr algn="ctr"/>
+                      <a:endParaRPr lang="en-IL" sz="1700" dirty="0"/>
+                    </a:p>
+                  </a:txBody>
+                  <a:tcPr anchor="ctr"/>
+                </a:tc>
+                <a:tc>
+                  <a:txBody>
+                    <a:bodyPr/>
+                    <a:lstStyle/>
+                    <a:p>
+                      <a:pPr algn="ctr"/>
+                      <a:endParaRPr lang="en-IL" sz="1700" dirty="0"/>
+                    </a:p>
+                  </a:txBody>
+                  <a:tcPr anchor="ctr"/>
+                </a:tc>
+                <a:extLst>
+                  <a:ext uri="{0D108BD9-81ED-4DB2-BD59-A6C34878D82A}">
+                    <a16:rowId xmlns:a16="http://schemas.microsoft.com/office/drawing/2014/main" val="3754275232"/>
+                  </a:ext>
+                </a:extLst>
+              </a:tr>
+              <a:tr h="370840">
+                <a:tc>
+                  <a:txBody>
+                    <a:bodyPr/>
+                    <a:lstStyle/>
+                    <a:p>
+                      <a:pPr algn="ctr"/>
+                      <a:r>
+                        <a:rPr lang="en-US" b="1" dirty="0"/>
+                        <a:t>Calmar Ratio</a:t>
+                      </a:r>
+                      <a:endParaRPr lang="en-IL" b="1" dirty="0"/>
+                    </a:p>
+                  </a:txBody>
+                  <a:tcPr/>
+                </a:tc>
+                <a:tc>
+                  <a:txBody>
+                    <a:bodyPr/>
+                    <a:lstStyle/>
+                    <a:p>
+                      <a:pPr algn="ctr"/>
+                      <a:endParaRPr lang="en-IL" sz="1700" dirty="0"/>
+                    </a:p>
+                  </a:txBody>
+                  <a:tcPr/>
+                </a:tc>
+                <a:tc>
+                  <a:txBody>
+                    <a:bodyPr/>
+                    <a:lstStyle/>
+                    <a:p>
+                      <a:pPr algn="ctr"/>
+                      <a:endParaRPr lang="en-IL" sz="1700" dirty="0"/>
+                    </a:p>
+                  </a:txBody>
+                  <a:tcPr/>
+                </a:tc>
+                <a:tc>
+                  <a:txBody>
+                    <a:bodyPr/>
+                    <a:lstStyle/>
+                    <a:p>
+                      <a:pPr algn="ctr"/>
+                      <a:endParaRPr lang="en-IL" sz="1700" dirty="0"/>
+                    </a:p>
+                  </a:txBody>
+                  <a:tcPr/>
+                </a:tc>
+                <a:tc>
+                  <a:txBody>
+                    <a:bodyPr/>
+                    <a:lstStyle/>
+                    <a:p>
+                      <a:pPr algn="ctr"/>
+                      <a:endParaRPr lang="en-IL" sz="1700" dirty="0"/>
+                    </a:p>
+                  </a:txBody>
+                  <a:tcPr/>
+                </a:tc>
+                <a:extLst>
+                  <a:ext uri="{0D108BD9-81ED-4DB2-BD59-A6C34878D82A}">
+                    <a16:rowId xmlns:a16="http://schemas.microsoft.com/office/drawing/2014/main" val="3579569712"/>
+                  </a:ext>
+                </a:extLst>
+              </a:tr>
+            </a:tbl>
+          </a:graphicData>
+        </a:graphic>
+      </p:graphicFrame>
+      <p:sp>
+        <p:nvSpPr>
+          <p:cNvPr id="2" name="Title 1">
+            <a:extLst>
+              <a:ext uri="{FF2B5EF4-FFF2-40B4-BE49-F238E27FC236}">
+                <a16:creationId xmlns:a16="http://schemas.microsoft.com/office/drawing/2014/main" id="{8DB81D31-BB27-3E0E-C2FE-C56C467D033E}"/>
+              </a:ext>
+            </a:extLst>
+          </p:cNvPr>
+          <p:cNvSpPr>
+            <a:spLocks noGrp="1"/>
+          </p:cNvSpPr>
+          <p:nvPr>
+            <p:ph type="title"/>
+          </p:nvPr>
+        </p:nvSpPr>
+        <p:spPr>
+          <a:xfrm>
+            <a:off x="1059180" y="1020445"/>
+            <a:ext cx="2895600" cy="1325563"/>
+          </a:xfrm>
+        </p:spPr>
+        <p:txBody>
+          <a:bodyPr anchor="ctr"/>
+          <a:lstStyle/>
+          <a:p>
+            <a:pPr algn="ctr"/>
+            <a:r>
+              <a:rPr lang="en-US" sz="3600" dirty="0"/>
+              <a:t>Results</a:t>
+            </a:r>
+            <a:endParaRPr lang="en-IL" dirty="0"/>
+          </a:p>
+        </p:txBody>
+      </p:sp>
+      <p:sp>
+        <p:nvSpPr>
+          <p:cNvPr id="5" name="Content Placeholder 4">
+            <a:extLst>
+              <a:ext uri="{FF2B5EF4-FFF2-40B4-BE49-F238E27FC236}">
+                <a16:creationId xmlns:a16="http://schemas.microsoft.com/office/drawing/2014/main" id="{B80861DE-AF85-FFF7-AC3C-52AEE0E916A5}"/>
+              </a:ext>
+            </a:extLst>
+          </p:cNvPr>
+          <p:cNvSpPr>
+            <a:spLocks noGrp="1"/>
+          </p:cNvSpPr>
+          <p:nvPr>
+            <p:ph idx="1"/>
+          </p:nvPr>
+        </p:nvSpPr>
+        <p:spPr>
+          <a:xfrm>
+            <a:off x="807720" y="2674013"/>
+            <a:ext cx="4762500" cy="3269589"/>
+          </a:xfrm>
+        </p:spPr>
+        <p:txBody>
+          <a:bodyPr/>
+          <a:lstStyle/>
+          <a:p>
+            <a:pPr marL="285750" indent="-285750">
+              <a:buFont typeface="Arial" panose="020B0604020202020204" pitchFamily="34" charset="0"/>
+              <a:buChar char="•"/>
+            </a:pPr>
+            <a:r>
+              <a:rPr lang="en-US" sz="1800" dirty="0"/>
+              <a:t>Performance Metrics &amp; Comparison</a:t>
+            </a:r>
+          </a:p>
+        </p:txBody>
+      </p:sp>
+      <p:sp>
+        <p:nvSpPr>
+          <p:cNvPr id="4" name="Slide Number Placeholder 3">
+            <a:extLst>
+              <a:ext uri="{FF2B5EF4-FFF2-40B4-BE49-F238E27FC236}">
+                <a16:creationId xmlns:a16="http://schemas.microsoft.com/office/drawing/2014/main" id="{04A2575A-6EBD-45AB-82CB-85F9AB8CA985}"/>
+              </a:ext>
+            </a:extLst>
+          </p:cNvPr>
+          <p:cNvSpPr>
+            <a:spLocks noGrp="1"/>
+          </p:cNvSpPr>
+          <p:nvPr>
+            <p:ph type="sldNum" sz="quarter" idx="12"/>
+          </p:nvPr>
+        </p:nvSpPr>
+        <p:spPr/>
+        <p:txBody>
+          <a:bodyPr/>
+          <a:lstStyle/>
+          <a:p>
+            <a:fld id="{A49DFD55-3C28-40EF-9E31-A92D2E4017FF}" type="slidenum">
+              <a:rPr lang="en-US" smtClean="0"/>
+              <a:pPr/>
+              <a:t>7</a:t>
+            </a:fld>
+            <a:endParaRPr lang="en-US" dirty="0"/>
+          </a:p>
+        </p:txBody>
+      </p:sp>
+      <p:graphicFrame>
+        <p:nvGraphicFramePr>
+          <p:cNvPr id="3" name="Table 2">
+            <a:extLst>
+              <a:ext uri="{FF2B5EF4-FFF2-40B4-BE49-F238E27FC236}">
+                <a16:creationId xmlns:a16="http://schemas.microsoft.com/office/drawing/2014/main" id="{B3C7A9B7-1AF1-0FBA-73AC-F555CE6EED81}"/>
+              </a:ext>
+            </a:extLst>
+          </p:cNvPr>
+          <p:cNvGraphicFramePr>
+            <a:graphicFrameLocks noGrp="1"/>
+          </p:cNvGraphicFramePr>
+          <p:nvPr>
+            <p:extLst>
+              <p:ext uri="{D42A27DB-BD31-4B8C-83A1-F6EECF244321}">
+                <p14:modId xmlns:p14="http://schemas.microsoft.com/office/powerpoint/2010/main" val="133796391"/>
+              </p:ext>
+            </p:extLst>
+          </p:nvPr>
+        </p:nvGraphicFramePr>
+        <p:xfrm>
+          <a:off x="2811781" y="3589020"/>
+          <a:ext cx="8738860" cy="2494280"/>
+        </p:xfrm>
+        <a:graphic>
+          <a:graphicData uri="http://schemas.openxmlformats.org/drawingml/2006/table">
+            <a:tbl>
+              <a:tblPr firstRow="1" bandRow="1">
+                <a:tableStyleId>{5202B0CA-FC54-4496-8BCA-5EF66A818D29}</a:tableStyleId>
+              </a:tblPr>
+              <a:tblGrid>
+                <a:gridCol w="1747772">
+                  <a:extLst>
+                    <a:ext uri="{9D8B030D-6E8A-4147-A177-3AD203B41FA5}">
+                      <a16:colId xmlns:a16="http://schemas.microsoft.com/office/drawing/2014/main" val="1213280532"/>
+                    </a:ext>
+                  </a:extLst>
+                </a:gridCol>
+                <a:gridCol w="1747772">
+                  <a:extLst>
+                    <a:ext uri="{9D8B030D-6E8A-4147-A177-3AD203B41FA5}">
+                      <a16:colId xmlns:a16="http://schemas.microsoft.com/office/drawing/2014/main" val="4110195126"/>
+                    </a:ext>
+                  </a:extLst>
+                </a:gridCol>
+                <a:gridCol w="1747772">
+                  <a:extLst>
+                    <a:ext uri="{9D8B030D-6E8A-4147-A177-3AD203B41FA5}">
+                      <a16:colId xmlns:a16="http://schemas.microsoft.com/office/drawing/2014/main" val="3393406605"/>
+                    </a:ext>
+                  </a:extLst>
+                </a:gridCol>
+                <a:gridCol w="1747772">
+                  <a:extLst>
+                    <a:ext uri="{9D8B030D-6E8A-4147-A177-3AD203B41FA5}">
+                      <a16:colId xmlns:a16="http://schemas.microsoft.com/office/drawing/2014/main" val="1421656131"/>
+                    </a:ext>
+                  </a:extLst>
+                </a:gridCol>
+                <a:gridCol w="1747772">
+                  <a:extLst>
+                    <a:ext uri="{9D8B030D-6E8A-4147-A177-3AD203B41FA5}">
+                      <a16:colId xmlns:a16="http://schemas.microsoft.com/office/drawing/2014/main" val="172167642"/>
+                    </a:ext>
+                  </a:extLst>
+                </a:gridCol>
+              </a:tblGrid>
+              <a:tr h="370840">
+                <a:tc rowSpan="2">
+                  <a:txBody>
+                    <a:bodyPr/>
+                    <a:lstStyle/>
+                    <a:p>
+                      <a:pPr algn="ctr"/>
+                      <a:endParaRPr lang="en-IL" dirty="0"/>
+                    </a:p>
+                  </a:txBody>
+                  <a:tcPr>
+                    <a:solidFill>
+                      <a:schemeClr val="tx1">
+                        <a:lumMod val="85000"/>
+                        <a:lumOff val="15000"/>
                       </a:schemeClr>
                     </a:solidFill>
                   </a:tcPr>
@@ -8593,10 +9949,10 @@
                     <a:p>
                       <a:pPr algn="ctr"/>
                       <a:r>
-                        <a:rPr lang="en-US" dirty="0"/>
+                        <a:rPr lang="en-US" sz="1700" dirty="0"/>
                         <a:t>150.94%</a:t>
                       </a:r>
-                      <a:endParaRPr lang="en-IL" dirty="0"/>
+                      <a:endParaRPr lang="en-IL" sz="1700" dirty="0"/>
                     </a:p>
                   </a:txBody>
                   <a:tcPr/>
@@ -8608,10 +9964,10 @@
                     <a:p>
                       <a:pPr algn="ctr"/>
                       <a:r>
-                        <a:rPr lang="en-US" dirty="0"/>
+                        <a:rPr lang="en-US" sz="1700" dirty="0"/>
                         <a:t>175.83%</a:t>
                       </a:r>
-                      <a:endParaRPr lang="en-IL" dirty="0"/>
+                      <a:endParaRPr lang="en-IL" sz="1700" dirty="0"/>
                     </a:p>
                   </a:txBody>
                   <a:tcPr/>
@@ -8623,10 +9979,10 @@
                     <a:p>
                       <a:pPr algn="ctr"/>
                       <a:r>
-                        <a:rPr lang="en-US" dirty="0"/>
+                        <a:rPr lang="en-US" sz="1700" dirty="0"/>
                         <a:t>134.38%</a:t>
                       </a:r>
-                      <a:endParaRPr lang="en-IL" dirty="0"/>
+                      <a:endParaRPr lang="en-IL" sz="1700" dirty="0"/>
                     </a:p>
                   </a:txBody>
                   <a:tcPr/>
@@ -8638,10 +9994,10 @@
                     <a:p>
                       <a:pPr algn="ctr"/>
                       <a:r>
-                        <a:rPr lang="en-US" dirty="0"/>
+                        <a:rPr lang="en-US" sz="1700" dirty="0"/>
                         <a:t>162.65%</a:t>
                       </a:r>
-                      <a:endParaRPr lang="en-IL" dirty="0"/>
+                      <a:endParaRPr lang="en-IL" sz="1700" dirty="0"/>
                     </a:p>
                   </a:txBody>
                   <a:tcPr/>
@@ -8675,10 +10031,10 @@
                     <a:p>
                       <a:pPr algn="ctr"/>
                       <a:r>
-                        <a:rPr lang="en-US" dirty="0"/>
+                        <a:rPr lang="en-US" sz="1700" dirty="0"/>
                         <a:t>1.51</a:t>
                       </a:r>
-                      <a:endParaRPr lang="en-IL" dirty="0"/>
+                      <a:endParaRPr lang="en-IL" sz="1700" dirty="0"/>
                     </a:p>
                   </a:txBody>
                   <a:tcPr/>
@@ -8690,10 +10046,10 @@
                     <a:p>
                       <a:pPr algn="ctr"/>
                       <a:r>
-                        <a:rPr lang="en-US" dirty="0"/>
+                        <a:rPr lang="en-US" sz="1700" dirty="0"/>
                         <a:t>1.76</a:t>
                       </a:r>
-                      <a:endParaRPr lang="en-IL" dirty="0"/>
+                      <a:endParaRPr lang="en-IL" sz="1700" dirty="0"/>
                     </a:p>
                   </a:txBody>
                   <a:tcPr/>
@@ -8705,10 +10061,10 @@
                     <a:p>
                       <a:pPr algn="ctr"/>
                       <a:r>
-                        <a:rPr lang="en-US" dirty="0"/>
+                        <a:rPr lang="en-US" sz="1700" dirty="0"/>
                         <a:t>1.34</a:t>
                       </a:r>
-                      <a:endParaRPr lang="en-IL" dirty="0"/>
+                      <a:endParaRPr lang="en-IL" sz="1700" dirty="0"/>
                     </a:p>
                   </a:txBody>
                   <a:tcPr/>
@@ -8720,10 +10076,10 @@
                     <a:p>
                       <a:pPr algn="ctr"/>
                       <a:r>
-                        <a:rPr lang="en-US" dirty="0"/>
+                        <a:rPr lang="en-US" sz="1700" dirty="0"/>
                         <a:t>1.63</a:t>
                       </a:r>
-                      <a:endParaRPr lang="en-IL" dirty="0"/>
+                      <a:endParaRPr lang="en-IL" sz="1700" dirty="0"/>
                     </a:p>
                   </a:txBody>
                   <a:tcPr/>
@@ -8757,13 +10113,13 @@
                     <a:p>
                       <a:pPr algn="ctr"/>
                       <a:r>
-                        <a:rPr lang="en-US" dirty="0"/>
+                        <a:rPr lang="en-US" sz="1700" dirty="0"/>
                         <a:t>86.06%</a:t>
                       </a:r>
-                      <a:endParaRPr lang="en-IL" dirty="0"/>
+                      <a:endParaRPr lang="en-IL" sz="1700" dirty="0"/>
                     </a:p>
                   </a:txBody>
-                  <a:tcPr/>
+                  <a:tcPr anchor="ctr"/>
                 </a:tc>
                 <a:tc>
                   <a:txBody>
@@ -8772,13 +10128,13 @@
                     <a:p>
                       <a:pPr algn="ctr"/>
                       <a:r>
-                        <a:rPr lang="en-US" dirty="0"/>
+                        <a:rPr lang="en-US" sz="1700" dirty="0"/>
                         <a:t>75.72%</a:t>
                       </a:r>
-                      <a:endParaRPr lang="en-IL" dirty="0"/>
+                      <a:endParaRPr lang="en-IL" sz="1700" dirty="0"/>
                     </a:p>
                   </a:txBody>
-                  <a:tcPr/>
+                  <a:tcPr anchor="ctr"/>
                 </a:tc>
                 <a:tc>
                   <a:txBody>
@@ -8787,13 +10143,13 @@
                     <a:p>
                       <a:pPr algn="ctr"/>
                       <a:r>
-                        <a:rPr lang="en-US" dirty="0"/>
+                        <a:rPr lang="en-US" sz="1700" dirty="0"/>
                         <a:t>89.29%</a:t>
                       </a:r>
-                      <a:endParaRPr lang="en-IL" dirty="0"/>
+                      <a:endParaRPr lang="en-IL" sz="1700" dirty="0"/>
                     </a:p>
                   </a:txBody>
-                  <a:tcPr/>
+                  <a:tcPr anchor="ctr"/>
                 </a:tc>
                 <a:tc>
                   <a:txBody>
@@ -8802,13 +10158,13 @@
                     <a:p>
                       <a:pPr algn="ctr"/>
                       <a:r>
-                        <a:rPr lang="en-US" dirty="0"/>
+                        <a:rPr lang="en-US" sz="1700" dirty="0"/>
                         <a:t>35.66%</a:t>
                       </a:r>
-                      <a:endParaRPr lang="en-IL" dirty="0"/>
+                      <a:endParaRPr lang="en-IL" sz="1700" dirty="0"/>
                     </a:p>
                   </a:txBody>
-                  <a:tcPr/>
+                  <a:tcPr anchor="ctr"/>
                 </a:tc>
                 <a:extLst>
                   <a:ext uri="{0D108BD9-81ED-4DB2-BD59-A6C34878D82A}">
@@ -8839,10 +10195,10 @@
                     <a:p>
                       <a:pPr algn="ctr"/>
                       <a:r>
-                        <a:rPr lang="en-US" dirty="0"/>
+                        <a:rPr lang="en-US" sz="1700" dirty="0"/>
                         <a:t>1.75</a:t>
                       </a:r>
-                      <a:endParaRPr lang="en-IL" dirty="0"/>
+                      <a:endParaRPr lang="en-IL" sz="1700" dirty="0"/>
                     </a:p>
                   </a:txBody>
                   <a:tcPr/>
@@ -8854,10 +10210,10 @@
                     <a:p>
                       <a:pPr algn="ctr"/>
                       <a:r>
-                        <a:rPr lang="en-US" dirty="0"/>
+                        <a:rPr lang="en-US" sz="1700" dirty="0"/>
                         <a:t>2.32</a:t>
                       </a:r>
-                      <a:endParaRPr lang="en-IL" dirty="0"/>
+                      <a:endParaRPr lang="en-IL" sz="1700" dirty="0"/>
                     </a:p>
                   </a:txBody>
                   <a:tcPr/>
@@ -8869,10 +10225,10 @@
                     <a:p>
                       <a:pPr algn="ctr"/>
                       <a:r>
-                        <a:rPr lang="en-US" dirty="0"/>
+                        <a:rPr lang="en-US" sz="1700" dirty="0"/>
                         <a:t>1.50</a:t>
                       </a:r>
-                      <a:endParaRPr lang="en-IL" dirty="0"/>
+                      <a:endParaRPr lang="en-IL" sz="1700" dirty="0"/>
                     </a:p>
                   </a:txBody>
                   <a:tcPr/>
@@ -8884,10 +10240,10 @@
                     <a:p>
                       <a:pPr algn="ctr"/>
                       <a:r>
-                        <a:rPr lang="en-US" dirty="0"/>
+                        <a:rPr lang="en-US" sz="1700" dirty="0"/>
                         <a:t>4.56</a:t>
                       </a:r>
-                      <a:endParaRPr lang="en-IL" dirty="0"/>
+                      <a:endParaRPr lang="en-IL" sz="1700" dirty="0"/>
                     </a:p>
                   </a:txBody>
                   <a:tcPr/>
@@ -8902,6 +10258,214 @@
           </a:graphicData>
         </a:graphic>
       </p:graphicFrame>
+      <p:sp>
+        <p:nvSpPr>
+          <p:cNvPr id="6" name="Rectangle 5">
+            <a:extLst>
+              <a:ext uri="{FF2B5EF4-FFF2-40B4-BE49-F238E27FC236}">
+                <a16:creationId xmlns:a16="http://schemas.microsoft.com/office/drawing/2014/main" id="{E0E8B368-4F3A-205A-CFB9-DEC7DE3EE448}"/>
+              </a:ext>
+            </a:extLst>
+          </p:cNvPr>
+          <p:cNvSpPr/>
+          <p:nvPr/>
+        </p:nvSpPr>
+        <p:spPr>
+          <a:xfrm>
+            <a:off x="4720492" y="4384431"/>
+            <a:ext cx="6640410" cy="265723"/>
+          </a:xfrm>
+          <a:prstGeom prst="rect">
+            <a:avLst/>
+          </a:prstGeom>
+          <a:solidFill>
+            <a:srgbClr val="E7E7E7"/>
+          </a:solidFill>
+          <a:ln>
+            <a:noFill/>
+          </a:ln>
+        </p:spPr>
+        <p:style>
+          <a:lnRef idx="2">
+            <a:schemeClr val="accent1">
+              <a:shade val="15000"/>
+            </a:schemeClr>
+          </a:lnRef>
+          <a:fillRef idx="1">
+            <a:schemeClr val="accent1"/>
+          </a:fillRef>
+          <a:effectRef idx="0">
+            <a:schemeClr val="accent1"/>
+          </a:effectRef>
+          <a:fontRef idx="minor">
+            <a:schemeClr val="lt1"/>
+          </a:fontRef>
+        </p:style>
+        <p:txBody>
+          <a:bodyPr rtlCol="0" anchor="ctr"/>
+          <a:lstStyle/>
+          <a:p>
+            <a:pPr algn="ctr"/>
+            <a:endParaRPr lang="en-IL"/>
+          </a:p>
+        </p:txBody>
+      </p:sp>
+      <p:sp>
+        <p:nvSpPr>
+          <p:cNvPr id="7" name="Rectangle 6">
+            <a:extLst>
+              <a:ext uri="{FF2B5EF4-FFF2-40B4-BE49-F238E27FC236}">
+                <a16:creationId xmlns:a16="http://schemas.microsoft.com/office/drawing/2014/main" id="{595FE1F1-04B7-6BDF-79D0-4791F7E1AFFB}"/>
+              </a:ext>
+            </a:extLst>
+          </p:cNvPr>
+          <p:cNvSpPr/>
+          <p:nvPr/>
+        </p:nvSpPr>
+        <p:spPr>
+          <a:xfrm>
+            <a:off x="4720492" y="5270988"/>
+            <a:ext cx="6640410" cy="265723"/>
+          </a:xfrm>
+          <a:prstGeom prst="rect">
+            <a:avLst/>
+          </a:prstGeom>
+          <a:solidFill>
+            <a:srgbClr val="E7E7E7"/>
+          </a:solidFill>
+          <a:ln>
+            <a:noFill/>
+          </a:ln>
+        </p:spPr>
+        <p:style>
+          <a:lnRef idx="2">
+            <a:schemeClr val="accent1">
+              <a:shade val="15000"/>
+            </a:schemeClr>
+          </a:lnRef>
+          <a:fillRef idx="1">
+            <a:schemeClr val="accent1"/>
+          </a:fillRef>
+          <a:effectRef idx="0">
+            <a:schemeClr val="accent1"/>
+          </a:effectRef>
+          <a:fontRef idx="minor">
+            <a:schemeClr val="lt1"/>
+          </a:fontRef>
+        </p:style>
+        <p:txBody>
+          <a:bodyPr rtlCol="0" anchor="ctr"/>
+          <a:lstStyle/>
+          <a:p>
+            <a:pPr algn="ctr"/>
+            <a:endParaRPr lang="en-IL"/>
+          </a:p>
+        </p:txBody>
+      </p:sp>
+      <p:sp>
+        <p:nvSpPr>
+          <p:cNvPr id="8" name="Rectangle 7">
+            <a:extLst>
+              <a:ext uri="{FF2B5EF4-FFF2-40B4-BE49-F238E27FC236}">
+                <a16:creationId xmlns:a16="http://schemas.microsoft.com/office/drawing/2014/main" id="{B7DFB4EB-57D0-4C0D-2BA2-7D5B24881D7F}"/>
+              </a:ext>
+            </a:extLst>
+          </p:cNvPr>
+          <p:cNvSpPr/>
+          <p:nvPr/>
+        </p:nvSpPr>
+        <p:spPr>
+          <a:xfrm>
+            <a:off x="4720492" y="4732216"/>
+            <a:ext cx="6640410" cy="265723"/>
+          </a:xfrm>
+          <a:prstGeom prst="rect">
+            <a:avLst/>
+          </a:prstGeom>
+          <a:solidFill>
+            <a:srgbClr val="CBCBCB"/>
+          </a:solidFill>
+          <a:ln>
+            <a:noFill/>
+          </a:ln>
+        </p:spPr>
+        <p:style>
+          <a:lnRef idx="2">
+            <a:schemeClr val="accent1">
+              <a:shade val="15000"/>
+            </a:schemeClr>
+          </a:lnRef>
+          <a:fillRef idx="1">
+            <a:schemeClr val="accent1"/>
+          </a:fillRef>
+          <a:effectRef idx="0">
+            <a:schemeClr val="accent1"/>
+          </a:effectRef>
+          <a:fontRef idx="minor">
+            <a:schemeClr val="lt1"/>
+          </a:fontRef>
+        </p:style>
+        <p:txBody>
+          <a:bodyPr rtlCol="0" anchor="ctr"/>
+          <a:lstStyle/>
+          <a:p>
+            <a:pPr algn="ctr"/>
+            <a:endParaRPr lang="en-IL"/>
+          </a:p>
+        </p:txBody>
+      </p:sp>
+      <p:sp>
+        <p:nvSpPr>
+          <p:cNvPr id="9" name="Rectangle 8">
+            <a:extLst>
+              <a:ext uri="{FF2B5EF4-FFF2-40B4-BE49-F238E27FC236}">
+                <a16:creationId xmlns:a16="http://schemas.microsoft.com/office/drawing/2014/main" id="{FA459C02-7AF4-61CF-42BD-FB7D0DB6B5D5}"/>
+              </a:ext>
+            </a:extLst>
+          </p:cNvPr>
+          <p:cNvSpPr/>
+          <p:nvPr/>
+        </p:nvSpPr>
+        <p:spPr>
+          <a:xfrm>
+            <a:off x="4720492" y="5725747"/>
+            <a:ext cx="6640410" cy="265723"/>
+          </a:xfrm>
+          <a:prstGeom prst="rect">
+            <a:avLst/>
+          </a:prstGeom>
+          <a:solidFill>
+            <a:srgbClr val="CBCBCB"/>
+          </a:solidFill>
+          <a:ln>
+            <a:noFill/>
+          </a:ln>
+        </p:spPr>
+        <p:style>
+          <a:lnRef idx="2">
+            <a:schemeClr val="accent1">
+              <a:shade val="15000"/>
+            </a:schemeClr>
+          </a:lnRef>
+          <a:fillRef idx="1">
+            <a:schemeClr val="accent1"/>
+          </a:fillRef>
+          <a:effectRef idx="0">
+            <a:schemeClr val="accent1"/>
+          </a:effectRef>
+          <a:fontRef idx="minor">
+            <a:schemeClr val="lt1"/>
+          </a:fontRef>
+        </p:style>
+        <p:txBody>
+          <a:bodyPr rtlCol="0" anchor="ctr"/>
+          <a:lstStyle/>
+          <a:p>
+            <a:pPr algn="ctr"/>
+            <a:endParaRPr lang="en-IL"/>
+          </a:p>
+        </p:txBody>
+      </p:sp>
     </p:spTree>
     <p:extLst>
       <p:ext uri="{BB962C8B-B14F-4D97-AF65-F5344CB8AC3E}">
@@ -8912,6 +10476,570 @@
   <p:clrMapOvr>
     <a:masterClrMapping/>
   </p:clrMapOvr>
+  <mc:AlternateContent xmlns:mc="http://schemas.openxmlformats.org/markup-compatibility/2006">
+    <mc:Choice xmlns:p14="http://schemas.microsoft.com/office/powerpoint/2010/main" Requires="p14">
+      <p:transition spd="med">
+        <p14:switch dir="r"/>
+      </p:transition>
+    </mc:Choice>
+    <mc:Fallback>
+      <p:transition spd="med">
+        <p:fade/>
+      </p:transition>
+    </mc:Fallback>
+  </mc:AlternateContent>
+  <p:timing>
+    <p:tnLst>
+      <p:par>
+        <p:cTn id="1" dur="indefinite" restart="never" nodeType="tmRoot">
+          <p:childTnLst>
+            <p:seq concurrent="1" nextAc="seek">
+              <p:cTn id="2" dur="indefinite" nodeType="mainSeq">
+                <p:childTnLst>
+                  <p:par>
+                    <p:cTn id="3" fill="hold">
+                      <p:stCondLst>
+                        <p:cond delay="indefinite"/>
+                        <p:cond evt="onBegin" delay="0">
+                          <p:tn val="2"/>
+                        </p:cond>
+                      </p:stCondLst>
+                      <p:childTnLst>
+                        <p:par>
+                          <p:cTn id="4" fill="hold">
+                            <p:stCondLst>
+                              <p:cond delay="0"/>
+                            </p:stCondLst>
+                            <p:childTnLst>
+                              <p:par>
+                                <p:cTn id="5" presetID="45" presetClass="entr" presetSubtype="0" fill="hold" nodeType="afterEffect">
+                                  <p:stCondLst>
+                                    <p:cond delay="750"/>
+                                  </p:stCondLst>
+                                  <p:iterate type="lt">
+                                    <p:tmPct val="6000"/>
+                                  </p:iterate>
+                                  <p:childTnLst>
+                                    <p:set>
+                                      <p:cBhvr>
+                                        <p:cTn id="6" dur="1" fill="hold">
+                                          <p:stCondLst>
+                                            <p:cond delay="0"/>
+                                          </p:stCondLst>
+                                        </p:cTn>
+                                        <p:tgtEl>
+                                          <p:spTgt spid="5">
+                                            <p:txEl>
+                                              <p:pRg st="0" end="0"/>
+                                            </p:txEl>
+                                          </p:spTgt>
+                                        </p:tgtEl>
+                                        <p:attrNameLst>
+                                          <p:attrName>style.visibility</p:attrName>
+                                        </p:attrNameLst>
+                                      </p:cBhvr>
+                                      <p:to>
+                                        <p:strVal val="visible"/>
+                                      </p:to>
+                                    </p:set>
+                                    <p:animEffect transition="in" filter="fade">
+                                      <p:cBhvr>
+                                        <p:cTn id="7" dur="500"/>
+                                        <p:tgtEl>
+                                          <p:spTgt spid="5">
+                                            <p:txEl>
+                                              <p:pRg st="0" end="0"/>
+                                            </p:txEl>
+                                          </p:spTgt>
+                                        </p:tgtEl>
+                                      </p:cBhvr>
+                                    </p:animEffect>
+                                    <p:anim calcmode="lin" valueType="num">
+                                      <p:cBhvr>
+                                        <p:cTn id="8" dur="500" fill="hold"/>
+                                        <p:tgtEl>
+                                          <p:spTgt spid="5">
+                                            <p:txEl>
+                                              <p:pRg st="0" end="0"/>
+                                            </p:txEl>
+                                          </p:spTgt>
+                                        </p:tgtEl>
+                                        <p:attrNameLst>
+                                          <p:attrName>ppt_w</p:attrName>
+                                        </p:attrNameLst>
+                                      </p:cBhvr>
+                                      <p:tavLst>
+                                        <p:tav tm="0" fmla="#ppt_w*sin(2.5*pi*$)">
+                                          <p:val>
+                                            <p:fltVal val="0"/>
+                                          </p:val>
+                                        </p:tav>
+                                        <p:tav tm="100000">
+                                          <p:val>
+                                            <p:fltVal val="1"/>
+                                          </p:val>
+                                        </p:tav>
+                                      </p:tavLst>
+                                    </p:anim>
+                                    <p:anim calcmode="lin" valueType="num">
+                                      <p:cBhvr>
+                                        <p:cTn id="9" dur="500" fill="hold"/>
+                                        <p:tgtEl>
+                                          <p:spTgt spid="5">
+                                            <p:txEl>
+                                              <p:pRg st="0" end="0"/>
+                                            </p:txEl>
+                                          </p:spTgt>
+                                        </p:tgtEl>
+                                        <p:attrNameLst>
+                                          <p:attrName>ppt_h</p:attrName>
+                                        </p:attrNameLst>
+                                      </p:cBhvr>
+                                      <p:tavLst>
+                                        <p:tav tm="0">
+                                          <p:val>
+                                            <p:strVal val="#ppt_h"/>
+                                          </p:val>
+                                        </p:tav>
+                                        <p:tav tm="100000">
+                                          <p:val>
+                                            <p:strVal val="#ppt_h"/>
+                                          </p:val>
+                                        </p:tav>
+                                      </p:tavLst>
+                                    </p:anim>
+                                  </p:childTnLst>
+                                </p:cTn>
+                              </p:par>
+                              <p:par>
+                                <p:cTn id="10" presetID="10" presetClass="entr" presetSubtype="0" fill="hold" nodeType="withEffect">
+                                  <p:stCondLst>
+                                    <p:cond delay="2000"/>
+                                  </p:stCondLst>
+                                  <p:childTnLst>
+                                    <p:set>
+                                      <p:cBhvr>
+                                        <p:cTn id="11" dur="1" fill="hold">
+                                          <p:stCondLst>
+                                            <p:cond delay="0"/>
+                                          </p:stCondLst>
+                                        </p:cTn>
+                                        <p:tgtEl>
+                                          <p:spTgt spid="11"/>
+                                        </p:tgtEl>
+                                        <p:attrNameLst>
+                                          <p:attrName>style.visibility</p:attrName>
+                                        </p:attrNameLst>
+                                      </p:cBhvr>
+                                      <p:to>
+                                        <p:strVal val="visible"/>
+                                      </p:to>
+                                    </p:set>
+                                    <p:animEffect transition="in" filter="fade">
+                                      <p:cBhvr>
+                                        <p:cTn id="12" dur="500"/>
+                                        <p:tgtEl>
+                                          <p:spTgt spid="11"/>
+                                        </p:tgtEl>
+                                      </p:cBhvr>
+                                    </p:animEffect>
+                                  </p:childTnLst>
+                                </p:cTn>
+                              </p:par>
+                            </p:childTnLst>
+                          </p:cTn>
+                        </p:par>
+                        <p:par>
+                          <p:cTn id="13" fill="hold">
+                            <p:stCondLst>
+                              <p:cond delay="2500"/>
+                            </p:stCondLst>
+                            <p:childTnLst>
+                              <p:par>
+                                <p:cTn id="14" presetID="1" presetClass="entr" presetSubtype="0" fill="hold" nodeType="afterEffect">
+                                  <p:stCondLst>
+                                    <p:cond delay="0"/>
+                                  </p:stCondLst>
+                                  <p:childTnLst>
+                                    <p:set>
+                                      <p:cBhvr>
+                                        <p:cTn id="15" dur="1" fill="hold">
+                                          <p:stCondLst>
+                                            <p:cond delay="0"/>
+                                          </p:stCondLst>
+                                        </p:cTn>
+                                        <p:tgtEl>
+                                          <p:spTgt spid="3"/>
+                                        </p:tgtEl>
+                                        <p:attrNameLst>
+                                          <p:attrName>style.visibility</p:attrName>
+                                        </p:attrNameLst>
+                                      </p:cBhvr>
+                                      <p:to>
+                                        <p:strVal val="visible"/>
+                                      </p:to>
+                                    </p:set>
+                                  </p:childTnLst>
+                                </p:cTn>
+                              </p:par>
+                            </p:childTnLst>
+                          </p:cTn>
+                        </p:par>
+                        <p:par>
+                          <p:cTn id="16" fill="hold">
+                            <p:stCondLst>
+                              <p:cond delay="2500"/>
+                            </p:stCondLst>
+                            <p:childTnLst>
+                              <p:par>
+                                <p:cTn id="17" presetID="1" presetClass="entr" presetSubtype="0" fill="hold" grpId="0" nodeType="afterEffect">
+                                  <p:stCondLst>
+                                    <p:cond delay="0"/>
+                                  </p:stCondLst>
+                                  <p:childTnLst>
+                                    <p:set>
+                                      <p:cBhvr>
+                                        <p:cTn id="18" dur="1" fill="hold">
+                                          <p:stCondLst>
+                                            <p:cond delay="0"/>
+                                          </p:stCondLst>
+                                        </p:cTn>
+                                        <p:tgtEl>
+                                          <p:spTgt spid="6"/>
+                                        </p:tgtEl>
+                                        <p:attrNameLst>
+                                          <p:attrName>style.visibility</p:attrName>
+                                        </p:attrNameLst>
+                                      </p:cBhvr>
+                                      <p:to>
+                                        <p:strVal val="visible"/>
+                                      </p:to>
+                                    </p:set>
+                                  </p:childTnLst>
+                                </p:cTn>
+                              </p:par>
+                            </p:childTnLst>
+                          </p:cTn>
+                        </p:par>
+                        <p:par>
+                          <p:cTn id="19" fill="hold">
+                            <p:stCondLst>
+                              <p:cond delay="2500"/>
+                            </p:stCondLst>
+                            <p:childTnLst>
+                              <p:par>
+                                <p:cTn id="20" presetID="1" presetClass="entr" presetSubtype="0" fill="hold" grpId="0" nodeType="afterEffect">
+                                  <p:stCondLst>
+                                    <p:cond delay="0"/>
+                                  </p:stCondLst>
+                                  <p:childTnLst>
+                                    <p:set>
+                                      <p:cBhvr>
+                                        <p:cTn id="21" dur="1" fill="hold">
+                                          <p:stCondLst>
+                                            <p:cond delay="0"/>
+                                          </p:stCondLst>
+                                        </p:cTn>
+                                        <p:tgtEl>
+                                          <p:spTgt spid="7"/>
+                                        </p:tgtEl>
+                                        <p:attrNameLst>
+                                          <p:attrName>style.visibility</p:attrName>
+                                        </p:attrNameLst>
+                                      </p:cBhvr>
+                                      <p:to>
+                                        <p:strVal val="visible"/>
+                                      </p:to>
+                                    </p:set>
+                                  </p:childTnLst>
+                                </p:cTn>
+                              </p:par>
+                            </p:childTnLst>
+                          </p:cTn>
+                        </p:par>
+                        <p:par>
+                          <p:cTn id="22" fill="hold">
+                            <p:stCondLst>
+                              <p:cond delay="2500"/>
+                            </p:stCondLst>
+                            <p:childTnLst>
+                              <p:par>
+                                <p:cTn id="23" presetID="1" presetClass="entr" presetSubtype="0" fill="hold" grpId="0" nodeType="afterEffect">
+                                  <p:stCondLst>
+                                    <p:cond delay="0"/>
+                                  </p:stCondLst>
+                                  <p:childTnLst>
+                                    <p:set>
+                                      <p:cBhvr>
+                                        <p:cTn id="24" dur="1" fill="hold">
+                                          <p:stCondLst>
+                                            <p:cond delay="0"/>
+                                          </p:stCondLst>
+                                        </p:cTn>
+                                        <p:tgtEl>
+                                          <p:spTgt spid="8"/>
+                                        </p:tgtEl>
+                                        <p:attrNameLst>
+                                          <p:attrName>style.visibility</p:attrName>
+                                        </p:attrNameLst>
+                                      </p:cBhvr>
+                                      <p:to>
+                                        <p:strVal val="visible"/>
+                                      </p:to>
+                                    </p:set>
+                                  </p:childTnLst>
+                                </p:cTn>
+                              </p:par>
+                            </p:childTnLst>
+                          </p:cTn>
+                        </p:par>
+                        <p:par>
+                          <p:cTn id="25" fill="hold">
+                            <p:stCondLst>
+                              <p:cond delay="2500"/>
+                            </p:stCondLst>
+                            <p:childTnLst>
+                              <p:par>
+                                <p:cTn id="26" presetID="1" presetClass="entr" presetSubtype="0" fill="hold" grpId="0" nodeType="afterEffect">
+                                  <p:stCondLst>
+                                    <p:cond delay="0"/>
+                                  </p:stCondLst>
+                                  <p:childTnLst>
+                                    <p:set>
+                                      <p:cBhvr>
+                                        <p:cTn id="27" dur="1" fill="hold">
+                                          <p:stCondLst>
+                                            <p:cond delay="0"/>
+                                          </p:stCondLst>
+                                        </p:cTn>
+                                        <p:tgtEl>
+                                          <p:spTgt spid="9"/>
+                                        </p:tgtEl>
+                                        <p:attrNameLst>
+                                          <p:attrName>style.visibility</p:attrName>
+                                        </p:attrNameLst>
+                                      </p:cBhvr>
+                                      <p:to>
+                                        <p:strVal val="visible"/>
+                                      </p:to>
+                                    </p:set>
+                                  </p:childTnLst>
+                                </p:cTn>
+                              </p:par>
+                            </p:childTnLst>
+                          </p:cTn>
+                        </p:par>
+                        <p:par>
+                          <p:cTn id="28" fill="hold">
+                            <p:stCondLst>
+                              <p:cond delay="2500"/>
+                            </p:stCondLst>
+                            <p:childTnLst>
+                              <p:par>
+                                <p:cTn id="29" presetID="3" presetClass="exit" presetSubtype="10" fill="hold" grpId="1" nodeType="afterEffect">
+                                  <p:stCondLst>
+                                    <p:cond delay="500"/>
+                                  </p:stCondLst>
+                                  <p:childTnLst>
+                                    <p:animEffect transition="out" filter="blinds(horizontal)">
+                                      <p:cBhvr>
+                                        <p:cTn id="30" dur="500"/>
+                                        <p:tgtEl>
+                                          <p:spTgt spid="6"/>
+                                        </p:tgtEl>
+                                      </p:cBhvr>
+                                    </p:animEffect>
+                                    <p:set>
+                                      <p:cBhvr>
+                                        <p:cTn id="31" dur="1" fill="hold">
+                                          <p:stCondLst>
+                                            <p:cond delay="499"/>
+                                          </p:stCondLst>
+                                        </p:cTn>
+                                        <p:tgtEl>
+                                          <p:spTgt spid="6"/>
+                                        </p:tgtEl>
+                                        <p:attrNameLst>
+                                          <p:attrName>style.visibility</p:attrName>
+                                        </p:attrNameLst>
+                                      </p:cBhvr>
+                                      <p:to>
+                                        <p:strVal val="hidden"/>
+                                      </p:to>
+                                    </p:set>
+                                  </p:childTnLst>
+                                </p:cTn>
+                              </p:par>
+                            </p:childTnLst>
+                          </p:cTn>
+                        </p:par>
+                        <p:par>
+                          <p:cTn id="32" fill="hold">
+                            <p:stCondLst>
+                              <p:cond delay="3500"/>
+                            </p:stCondLst>
+                            <p:childTnLst>
+                              <p:par>
+                                <p:cTn id="33" presetID="3" presetClass="exit" presetSubtype="10" fill="hold" grpId="1" nodeType="afterEffect">
+                                  <p:stCondLst>
+                                    <p:cond delay="0"/>
+                                  </p:stCondLst>
+                                  <p:childTnLst>
+                                    <p:animEffect transition="out" filter="blinds(horizontal)">
+                                      <p:cBhvr>
+                                        <p:cTn id="34" dur="500"/>
+                                        <p:tgtEl>
+                                          <p:spTgt spid="8"/>
+                                        </p:tgtEl>
+                                      </p:cBhvr>
+                                    </p:animEffect>
+                                    <p:set>
+                                      <p:cBhvr>
+                                        <p:cTn id="35" dur="1" fill="hold">
+                                          <p:stCondLst>
+                                            <p:cond delay="499"/>
+                                          </p:stCondLst>
+                                        </p:cTn>
+                                        <p:tgtEl>
+                                          <p:spTgt spid="8"/>
+                                        </p:tgtEl>
+                                        <p:attrNameLst>
+                                          <p:attrName>style.visibility</p:attrName>
+                                        </p:attrNameLst>
+                                      </p:cBhvr>
+                                      <p:to>
+                                        <p:strVal val="hidden"/>
+                                      </p:to>
+                                    </p:set>
+                                  </p:childTnLst>
+                                </p:cTn>
+                              </p:par>
+                            </p:childTnLst>
+                          </p:cTn>
+                        </p:par>
+                        <p:par>
+                          <p:cTn id="36" fill="hold">
+                            <p:stCondLst>
+                              <p:cond delay="4000"/>
+                            </p:stCondLst>
+                            <p:childTnLst>
+                              <p:par>
+                                <p:cTn id="37" presetID="3" presetClass="exit" presetSubtype="10" fill="hold" grpId="1" nodeType="afterEffect">
+                                  <p:stCondLst>
+                                    <p:cond delay="0"/>
+                                  </p:stCondLst>
+                                  <p:childTnLst>
+                                    <p:animEffect transition="out" filter="blinds(horizontal)">
+                                      <p:cBhvr>
+                                        <p:cTn id="38" dur="500"/>
+                                        <p:tgtEl>
+                                          <p:spTgt spid="7"/>
+                                        </p:tgtEl>
+                                      </p:cBhvr>
+                                    </p:animEffect>
+                                    <p:set>
+                                      <p:cBhvr>
+                                        <p:cTn id="39" dur="1" fill="hold">
+                                          <p:stCondLst>
+                                            <p:cond delay="499"/>
+                                          </p:stCondLst>
+                                        </p:cTn>
+                                        <p:tgtEl>
+                                          <p:spTgt spid="7"/>
+                                        </p:tgtEl>
+                                        <p:attrNameLst>
+                                          <p:attrName>style.visibility</p:attrName>
+                                        </p:attrNameLst>
+                                      </p:cBhvr>
+                                      <p:to>
+                                        <p:strVal val="hidden"/>
+                                      </p:to>
+                                    </p:set>
+                                  </p:childTnLst>
+                                </p:cTn>
+                              </p:par>
+                            </p:childTnLst>
+                          </p:cTn>
+                        </p:par>
+                        <p:par>
+                          <p:cTn id="40" fill="hold">
+                            <p:stCondLst>
+                              <p:cond delay="4500"/>
+                            </p:stCondLst>
+                            <p:childTnLst>
+                              <p:par>
+                                <p:cTn id="41" presetID="3" presetClass="exit" presetSubtype="10" fill="hold" grpId="1" nodeType="afterEffect">
+                                  <p:stCondLst>
+                                    <p:cond delay="0"/>
+                                  </p:stCondLst>
+                                  <p:childTnLst>
+                                    <p:animEffect transition="out" filter="blinds(horizontal)">
+                                      <p:cBhvr>
+                                        <p:cTn id="42" dur="500"/>
+                                        <p:tgtEl>
+                                          <p:spTgt spid="9"/>
+                                        </p:tgtEl>
+                                      </p:cBhvr>
+                                    </p:animEffect>
+                                    <p:set>
+                                      <p:cBhvr>
+                                        <p:cTn id="43" dur="1" fill="hold">
+                                          <p:stCondLst>
+                                            <p:cond delay="499"/>
+                                          </p:stCondLst>
+                                        </p:cTn>
+                                        <p:tgtEl>
+                                          <p:spTgt spid="9"/>
+                                        </p:tgtEl>
+                                        <p:attrNameLst>
+                                          <p:attrName>style.visibility</p:attrName>
+                                        </p:attrNameLst>
+                                      </p:cBhvr>
+                                      <p:to>
+                                        <p:strVal val="hidden"/>
+                                      </p:to>
+                                    </p:set>
+                                  </p:childTnLst>
+                                </p:cTn>
+                              </p:par>
+                            </p:childTnLst>
+                          </p:cTn>
+                        </p:par>
+                      </p:childTnLst>
+                    </p:cTn>
+                  </p:par>
+                </p:childTnLst>
+              </p:cTn>
+              <p:prevCondLst>
+                <p:cond evt="onPrev" delay="0">
+                  <p:tgtEl>
+                    <p:sldTgt/>
+                  </p:tgtEl>
+                </p:cond>
+              </p:prevCondLst>
+              <p:nextCondLst>
+                <p:cond evt="onNext" delay="0">
+                  <p:tgtEl>
+                    <p:sldTgt/>
+                  </p:tgtEl>
+                </p:cond>
+              </p:nextCondLst>
+            </p:seq>
+          </p:childTnLst>
+        </p:cTn>
+      </p:par>
+    </p:tnLst>
+    <p:bldLst>
+      <p:bldP spid="6" grpId="0" animBg="1"/>
+      <p:bldP spid="6" grpId="1" animBg="1"/>
+      <p:bldP spid="7" grpId="0" animBg="1"/>
+      <p:bldP spid="7" grpId="1" animBg="1"/>
+      <p:bldP spid="8" grpId="0" animBg="1"/>
+      <p:bldP spid="8" grpId="1" animBg="1"/>
+      <p:bldP spid="9" grpId="0" animBg="1"/>
+      <p:bldP spid="9" grpId="1" animBg="1"/>
+    </p:bldLst>
+  </p:timing>
 </p:sld>
 </file>
 
@@ -8987,7 +11115,7 @@
         <p:spPr>
           <a:xfrm>
             <a:off x="4512364" y="2734366"/>
-            <a:ext cx="6122505" cy="3238499"/>
+            <a:ext cx="7241974" cy="3238499"/>
           </a:xfrm>
         </p:spPr>
         <p:txBody>
@@ -9076,6 +11204,286 @@
   <p:clrMapOvr>
     <a:masterClrMapping/>
   </p:clrMapOvr>
+  <p:transition spd="slow">
+    <p:push dir="u"/>
+  </p:transition>
+  <p:timing>
+    <p:tnLst>
+      <p:par>
+        <p:cTn id="1" dur="indefinite" restart="never" nodeType="tmRoot">
+          <p:childTnLst>
+            <p:seq concurrent="1" nextAc="seek">
+              <p:cTn id="2" dur="indefinite" nodeType="mainSeq">
+                <p:childTnLst>
+                  <p:par>
+                    <p:cTn id="3" fill="hold">
+                      <p:stCondLst>
+                        <p:cond delay="indefinite"/>
+                        <p:cond evt="onBegin" delay="0">
+                          <p:tn val="2"/>
+                        </p:cond>
+                      </p:stCondLst>
+                      <p:childTnLst>
+                        <p:par>
+                          <p:cTn id="4" fill="hold">
+                            <p:stCondLst>
+                              <p:cond delay="0"/>
+                            </p:stCondLst>
+                            <p:childTnLst>
+                              <p:par>
+                                <p:cTn id="5" presetID="22" presetClass="entr" presetSubtype="8" fill="hold" nodeType="afterEffect">
+                                  <p:stCondLst>
+                                    <p:cond delay="500"/>
+                                  </p:stCondLst>
+                                  <p:childTnLst>
+                                    <p:set>
+                                      <p:cBhvr>
+                                        <p:cTn id="6" dur="1" fill="hold">
+                                          <p:stCondLst>
+                                            <p:cond delay="0"/>
+                                          </p:stCondLst>
+                                        </p:cTn>
+                                        <p:tgtEl>
+                                          <p:spTgt spid="5">
+                                            <p:txEl>
+                                              <p:pRg st="0" end="0"/>
+                                            </p:txEl>
+                                          </p:spTgt>
+                                        </p:tgtEl>
+                                        <p:attrNameLst>
+                                          <p:attrName>style.visibility</p:attrName>
+                                        </p:attrNameLst>
+                                      </p:cBhvr>
+                                      <p:to>
+                                        <p:strVal val="visible"/>
+                                      </p:to>
+                                    </p:set>
+                                    <p:animEffect transition="in" filter="wipe(left)">
+                                      <p:cBhvr>
+                                        <p:cTn id="7" dur="500"/>
+                                        <p:tgtEl>
+                                          <p:spTgt spid="5">
+                                            <p:txEl>
+                                              <p:pRg st="0" end="0"/>
+                                            </p:txEl>
+                                          </p:spTgt>
+                                        </p:tgtEl>
+                                      </p:cBhvr>
+                                    </p:animEffect>
+                                  </p:childTnLst>
+                                </p:cTn>
+                              </p:par>
+                            </p:childTnLst>
+                          </p:cTn>
+                        </p:par>
+                      </p:childTnLst>
+                    </p:cTn>
+                  </p:par>
+                  <p:par>
+                    <p:cTn id="8" fill="hold">
+                      <p:stCondLst>
+                        <p:cond delay="indefinite"/>
+                      </p:stCondLst>
+                      <p:childTnLst>
+                        <p:par>
+                          <p:cTn id="9" fill="hold">
+                            <p:stCondLst>
+                              <p:cond delay="0"/>
+                            </p:stCondLst>
+                            <p:childTnLst>
+                              <p:par>
+                                <p:cTn id="10" presetID="22" presetClass="entr" presetSubtype="8" fill="hold" nodeType="clickEffect">
+                                  <p:stCondLst>
+                                    <p:cond delay="0"/>
+                                  </p:stCondLst>
+                                  <p:childTnLst>
+                                    <p:set>
+                                      <p:cBhvr>
+                                        <p:cTn id="11" dur="1" fill="hold">
+                                          <p:stCondLst>
+                                            <p:cond delay="0"/>
+                                          </p:stCondLst>
+                                        </p:cTn>
+                                        <p:tgtEl>
+                                          <p:spTgt spid="5">
+                                            <p:txEl>
+                                              <p:pRg st="1" end="1"/>
+                                            </p:txEl>
+                                          </p:spTgt>
+                                        </p:tgtEl>
+                                        <p:attrNameLst>
+                                          <p:attrName>style.visibility</p:attrName>
+                                        </p:attrNameLst>
+                                      </p:cBhvr>
+                                      <p:to>
+                                        <p:strVal val="visible"/>
+                                      </p:to>
+                                    </p:set>
+                                    <p:animEffect transition="in" filter="wipe(left)">
+                                      <p:cBhvr>
+                                        <p:cTn id="12" dur="500"/>
+                                        <p:tgtEl>
+                                          <p:spTgt spid="5">
+                                            <p:txEl>
+                                              <p:pRg st="1" end="1"/>
+                                            </p:txEl>
+                                          </p:spTgt>
+                                        </p:tgtEl>
+                                      </p:cBhvr>
+                                    </p:animEffect>
+                                  </p:childTnLst>
+                                </p:cTn>
+                              </p:par>
+                            </p:childTnLst>
+                          </p:cTn>
+                        </p:par>
+                      </p:childTnLst>
+                    </p:cTn>
+                  </p:par>
+                  <p:par>
+                    <p:cTn id="13" fill="hold">
+                      <p:stCondLst>
+                        <p:cond delay="indefinite"/>
+                      </p:stCondLst>
+                      <p:childTnLst>
+                        <p:par>
+                          <p:cTn id="14" fill="hold">
+                            <p:stCondLst>
+                              <p:cond delay="0"/>
+                            </p:stCondLst>
+                            <p:childTnLst>
+                              <p:par>
+                                <p:cTn id="15" presetID="22" presetClass="entr" presetSubtype="8" fill="hold" nodeType="clickEffect">
+                                  <p:stCondLst>
+                                    <p:cond delay="0"/>
+                                  </p:stCondLst>
+                                  <p:childTnLst>
+                                    <p:set>
+                                      <p:cBhvr>
+                                        <p:cTn id="16" dur="1" fill="hold">
+                                          <p:stCondLst>
+                                            <p:cond delay="0"/>
+                                          </p:stCondLst>
+                                        </p:cTn>
+                                        <p:tgtEl>
+                                          <p:spTgt spid="5">
+                                            <p:txEl>
+                                              <p:pRg st="2" end="2"/>
+                                            </p:txEl>
+                                          </p:spTgt>
+                                        </p:tgtEl>
+                                        <p:attrNameLst>
+                                          <p:attrName>style.visibility</p:attrName>
+                                        </p:attrNameLst>
+                                      </p:cBhvr>
+                                      <p:to>
+                                        <p:strVal val="visible"/>
+                                      </p:to>
+                                    </p:set>
+                                    <p:animEffect transition="in" filter="wipe(left)">
+                                      <p:cBhvr>
+                                        <p:cTn id="17" dur="500"/>
+                                        <p:tgtEl>
+                                          <p:spTgt spid="5">
+                                            <p:txEl>
+                                              <p:pRg st="2" end="2"/>
+                                            </p:txEl>
+                                          </p:spTgt>
+                                        </p:tgtEl>
+                                      </p:cBhvr>
+                                    </p:animEffect>
+                                  </p:childTnLst>
+                                </p:cTn>
+                              </p:par>
+                            </p:childTnLst>
+                          </p:cTn>
+                        </p:par>
+                      </p:childTnLst>
+                    </p:cTn>
+                  </p:par>
+                  <p:par>
+                    <p:cTn id="18" fill="hold">
+                      <p:stCondLst>
+                        <p:cond delay="indefinite"/>
+                      </p:stCondLst>
+                      <p:childTnLst>
+                        <p:par>
+                          <p:cTn id="19" fill="hold">
+                            <p:stCondLst>
+                              <p:cond delay="0"/>
+                            </p:stCondLst>
+                            <p:childTnLst>
+                              <p:par>
+                                <p:cTn id="20" presetID="22" presetClass="entr" presetSubtype="8" fill="hold" nodeType="clickEffect">
+                                  <p:stCondLst>
+                                    <p:cond delay="0"/>
+                                  </p:stCondLst>
+                                  <p:childTnLst>
+                                    <p:set>
+                                      <p:cBhvr>
+                                        <p:cTn id="21" dur="1" fill="hold">
+                                          <p:stCondLst>
+                                            <p:cond delay="0"/>
+                                          </p:stCondLst>
+                                        </p:cTn>
+                                        <p:tgtEl>
+                                          <p:spTgt spid="5">
+                                            <p:txEl>
+                                              <p:pRg st="3" end="3"/>
+                                            </p:txEl>
+                                          </p:spTgt>
+                                        </p:tgtEl>
+                                        <p:attrNameLst>
+                                          <p:attrName>style.visibility</p:attrName>
+                                        </p:attrNameLst>
+                                      </p:cBhvr>
+                                      <p:to>
+                                        <p:strVal val="visible"/>
+                                      </p:to>
+                                    </p:set>
+                                    <p:animEffect transition="in" filter="wipe(left)">
+                                      <p:cBhvr>
+                                        <p:cTn id="22" dur="500"/>
+                                        <p:tgtEl>
+                                          <p:spTgt spid="5">
+                                            <p:txEl>
+                                              <p:pRg st="3" end="3"/>
+                                            </p:txEl>
+                                          </p:spTgt>
+                                        </p:tgtEl>
+                                      </p:cBhvr>
+                                    </p:animEffect>
+                                  </p:childTnLst>
+                                </p:cTn>
+                              </p:par>
+                            </p:childTnLst>
+                          </p:cTn>
+                        </p:par>
+                      </p:childTnLst>
+                    </p:cTn>
+                  </p:par>
+                </p:childTnLst>
+              </p:cTn>
+              <p:prevCondLst>
+                <p:cond evt="onPrev" delay="0">
+                  <p:tgtEl>
+                    <p:sldTgt/>
+                  </p:tgtEl>
+                </p:cond>
+              </p:prevCondLst>
+              <p:nextCondLst>
+                <p:cond evt="onNext" delay="0">
+                  <p:tgtEl>
+                    <p:sldTgt/>
+                  </p:tgtEl>
+                </p:cond>
+              </p:nextCondLst>
+            </p:seq>
+          </p:childTnLst>
+        </p:cTn>
+      </p:par>
+    </p:tnLst>
+  </p:timing>
 </p:sld>
 </file>
 
@@ -9166,6 +11574,18 @@
   <p:clrMapOvr>
     <a:masterClrMapping/>
   </p:clrMapOvr>
+  <mc:AlternateContent xmlns:mc="http://schemas.openxmlformats.org/markup-compatibility/2006">
+    <mc:Choice xmlns:p14="http://schemas.microsoft.com/office/powerpoint/2010/main" Requires="p14">
+      <p:transition spd="slow" p14:dur="1250">
+        <p14:flip dir="r"/>
+      </p:transition>
+    </mc:Choice>
+    <mc:Fallback>
+      <p:transition spd="slow">
+        <p:fade/>
+      </p:transition>
+    </mc:Fallback>
+  </mc:AlternateContent>
 </p:sld>
 </file>
 

--- a/presentation/Google Trends as a Sentiment Indicator in Algorithmic - less verbal.pptx
+++ b/presentation/Google Trends as a Sentiment Indicator in Algorithmic - less verbal.pptx
@@ -5,21 +5,22 @@
     <p:sldMasterId id="2147483648" r:id="rId4"/>
   </p:sldMasterIdLst>
   <p:notesMasterIdLst>
-    <p:notesMasterId r:id="rId14"/>
+    <p:notesMasterId r:id="rId15"/>
   </p:notesMasterIdLst>
   <p:handoutMasterIdLst>
-    <p:handoutMasterId r:id="rId15"/>
+    <p:handoutMasterId r:id="rId16"/>
   </p:handoutMasterIdLst>
   <p:sldIdLst>
     <p:sldId id="256" r:id="rId5"/>
     <p:sldId id="285" r:id="rId6"/>
     <p:sldId id="280" r:id="rId7"/>
-    <p:sldId id="258" r:id="rId8"/>
-    <p:sldId id="288" r:id="rId9"/>
-    <p:sldId id="292" r:id="rId10"/>
-    <p:sldId id="289" r:id="rId11"/>
-    <p:sldId id="291" r:id="rId12"/>
-    <p:sldId id="281" r:id="rId13"/>
+    <p:sldId id="293" r:id="rId8"/>
+    <p:sldId id="258" r:id="rId9"/>
+    <p:sldId id="288" r:id="rId10"/>
+    <p:sldId id="292" r:id="rId11"/>
+    <p:sldId id="289" r:id="rId12"/>
+    <p:sldId id="291" r:id="rId13"/>
+    <p:sldId id="281" r:id="rId14"/>
   </p:sldIdLst>
   <p:sldSz cx="12192000" cy="6858000"/>
   <p:notesSz cx="6858000" cy="9144000"/>
@@ -229,7 +230,7 @@
           <a:p>
             <a:fld id="{B56F32FC-4BD9-442A-A8C6-51598C909FE3}" type="datetimeFigureOut">
               <a:rPr lang="en-US" smtClean="0"/>
-              <a:t>7/16/2024</a:t>
+              <a:t>7/17/2024</a:t>
             </a:fld>
             <a:endParaRPr lang="en-US" dirty="0"/>
           </a:p>
@@ -406,7 +407,7 @@
           <a:p>
             <a:fld id="{056371FA-A98D-41E8-93F4-09945841298A}" type="datetimeFigureOut">
               <a:rPr lang="en-US" smtClean="0"/>
-              <a:t>7/16/2024</a:t>
+              <a:t>7/17/2024</a:t>
             </a:fld>
             <a:endParaRPr lang="en-US" dirty="0"/>
           </a:p>
@@ -1153,7 +1154,7 @@
           <a:p>
             <a:fld id="{22289C57-55D7-40A4-A101-E74FAC7A092B}" type="slidenum">
               <a:rPr lang="en-US" smtClean="0"/>
-              <a:t>4</a:t>
+              <a:t>5</a:t>
             </a:fld>
             <a:endParaRPr lang="en-US" dirty="0"/>
           </a:p>
@@ -1365,7 +1366,7 @@
           <a:p>
             <a:fld id="{22289C57-55D7-40A4-A101-E74FAC7A092B}" type="slidenum">
               <a:rPr lang="en-US" smtClean="0"/>
-              <a:t>5</a:t>
+              <a:t>6</a:t>
             </a:fld>
             <a:endParaRPr lang="en-US" dirty="0"/>
           </a:p>
@@ -1703,7 +1704,7 @@
           <a:p>
             <a:fld id="{22289C57-55D7-40A4-A101-E74FAC7A092B}" type="slidenum">
               <a:rPr lang="en-US" smtClean="0"/>
-              <a:t>6</a:t>
+              <a:t>7</a:t>
             </a:fld>
             <a:endParaRPr lang="en-US" dirty="0"/>
           </a:p>
@@ -1787,7 +1788,7 @@
           <a:p>
             <a:fld id="{22289C57-55D7-40A4-A101-E74FAC7A092B}" type="slidenum">
               <a:rPr lang="en-US" smtClean="0"/>
-              <a:t>9</a:t>
+              <a:t>10</a:t>
             </a:fld>
             <a:endParaRPr lang="en-US" dirty="0"/>
           </a:p>
@@ -7215,8 +7216,8 @@
         </p:nvSpPr>
         <p:spPr>
           <a:xfrm>
-            <a:off x="6639661" y="3623310"/>
-            <a:ext cx="4583430" cy="369332"/>
+            <a:off x="6639661" y="3484811"/>
+            <a:ext cx="4583430" cy="646331"/>
           </a:xfrm>
           <a:prstGeom prst="rect">
             <a:avLst/>
@@ -7228,6 +7229,17 @@
             <a:spAutoFit/>
           </a:bodyPr>
           <a:lstStyle/>
+          <a:p>
+            <a:pPr algn="ctr"/>
+            <a:r>
+              <a:rPr lang="en-US" dirty="0">
+                <a:solidFill>
+                  <a:schemeClr val="bg1"/>
+                </a:solidFill>
+              </a:rPr>
+              <a:t>Group D</a:t>
+            </a:r>
+          </a:p>
           <a:p>
             <a:pPr algn="ctr"/>
             <a:r>
@@ -7256,12 +7268,114 @@
   <p:clrMapOvr>
     <a:masterClrMapping/>
   </p:clrMapOvr>
-  <mc:AlternateContent xmlns:mc="http://schemas.openxmlformats.org/markup-compatibility/2006">
-    <mc:Choice xmlns:p14="http://schemas.microsoft.com/office/powerpoint/2010/main" Requires="p14">
+  <mc:AlternateContent xmlns:mc="http://schemas.openxmlformats.org/markup-compatibility/2006" xmlns:p14="http://schemas.microsoft.com/office/powerpoint/2010/main">
+    <mc:Choice Requires="p14">
       <p:transition p14:dur="10"/>
     </mc:Choice>
-    <mc:Fallback>
+    <mc:Fallback xmlns="">
       <p:transition/>
+    </mc:Fallback>
+  </mc:AlternateContent>
+</p:sld>
+</file>
+
+<file path=ppt/slides/slide10.xml><?xml version="1.0" encoding="utf-8"?>
+<p:sld xmlns:a="http://schemas.openxmlformats.org/drawingml/2006/main" xmlns:r="http://schemas.openxmlformats.org/officeDocument/2006/relationships" xmlns:p="http://schemas.openxmlformats.org/presentationml/2006/main">
+  <p:cSld>
+    <p:spTree>
+      <p:nvGrpSpPr>
+        <p:cNvPr id="1" name=""/>
+        <p:cNvGrpSpPr/>
+        <p:nvPr/>
+      </p:nvGrpSpPr>
+      <p:grpSpPr>
+        <a:xfrm>
+          <a:off x="0" y="0"/>
+          <a:ext cx="0" cy="0"/>
+          <a:chOff x="0" y="0"/>
+          <a:chExt cx="0" cy="0"/>
+        </a:xfrm>
+      </p:grpSpPr>
+      <p:sp>
+        <p:nvSpPr>
+          <p:cNvPr id="2" name="Title 1">
+            <a:extLst>
+              <a:ext uri="{FF2B5EF4-FFF2-40B4-BE49-F238E27FC236}">
+                <a16:creationId xmlns:a16="http://schemas.microsoft.com/office/drawing/2014/main" id="{A95E2E6A-35EC-1B8E-0FD7-8C67870ACA64}"/>
+              </a:ext>
+            </a:extLst>
+          </p:cNvPr>
+          <p:cNvSpPr>
+            <a:spLocks noGrp="1"/>
+          </p:cNvSpPr>
+          <p:nvPr>
+            <p:ph type="ctrTitle"/>
+          </p:nvPr>
+        </p:nvSpPr>
+        <p:spPr/>
+        <p:txBody>
+          <a:bodyPr>
+            <a:normAutofit/>
+          </a:bodyPr>
+          <a:lstStyle/>
+          <a:p>
+            <a:r>
+              <a:rPr lang="en-US" sz="4800" dirty="0"/>
+              <a:t>Any question?</a:t>
+            </a:r>
+          </a:p>
+        </p:txBody>
+      </p:sp>
+      <p:sp>
+        <p:nvSpPr>
+          <p:cNvPr id="8" name="Slide Number Placeholder 7">
+            <a:extLst>
+              <a:ext uri="{FF2B5EF4-FFF2-40B4-BE49-F238E27FC236}">
+                <a16:creationId xmlns:a16="http://schemas.microsoft.com/office/drawing/2014/main" id="{8F44A959-C2BB-9170-C99C-1A2EDB71B994}"/>
+              </a:ext>
+            </a:extLst>
+          </p:cNvPr>
+          <p:cNvSpPr>
+            <a:spLocks noGrp="1"/>
+          </p:cNvSpPr>
+          <p:nvPr>
+            <p:ph type="sldNum" sz="quarter" idx="12"/>
+          </p:nvPr>
+        </p:nvSpPr>
+        <p:spPr/>
+        <p:txBody>
+          <a:bodyPr/>
+          <a:lstStyle/>
+          <a:p>
+            <a:fld id="{A49DFD55-3C28-40EF-9E31-A92D2E4017FF}" type="slidenum">
+              <a:rPr lang="en-US" smtClean="0"/>
+              <a:pPr/>
+              <a:t>10</a:t>
+            </a:fld>
+            <a:endParaRPr lang="en-US" dirty="0"/>
+          </a:p>
+        </p:txBody>
+      </p:sp>
+    </p:spTree>
+    <p:extLst>
+      <p:ext uri="{BB962C8B-B14F-4D97-AF65-F5344CB8AC3E}">
+        <p14:creationId xmlns:p14="http://schemas.microsoft.com/office/powerpoint/2010/main" val="103458723"/>
+      </p:ext>
+    </p:extLst>
+  </p:cSld>
+  <p:clrMapOvr>
+    <a:masterClrMapping/>
+  </p:clrMapOvr>
+  <mc:AlternateContent xmlns:mc="http://schemas.openxmlformats.org/markup-compatibility/2006" xmlns:p14="http://schemas.microsoft.com/office/powerpoint/2010/main">
+    <mc:Choice Requires="p14">
+      <p:transition spd="slow" p14:dur="1250">
+        <p14:flip dir="r"/>
+      </p:transition>
+    </mc:Choice>
+    <mc:Fallback xmlns="">
+      <p:transition spd="slow">
+        <p:fade/>
+      </p:transition>
     </mc:Fallback>
   </mc:AlternateContent>
 </p:sld>
@@ -7302,8 +7416,8 @@
         </p:nvSpPr>
         <p:spPr>
           <a:xfrm>
-            <a:off x="6478860" y="122664"/>
-            <a:ext cx="4962292" cy="1466860"/>
+            <a:off x="905374" y="203530"/>
+            <a:ext cx="4962292" cy="873154"/>
           </a:xfrm>
         </p:spPr>
         <p:txBody>
@@ -7312,48 +7426,8 @@
           <a:p>
             <a:r>
               <a:rPr lang="en-US" dirty="0"/>
-              <a:t>Quick reminder</a:t>
-            </a:r>
-            <a:br>
-              <a:rPr lang="en-US" dirty="0"/>
-            </a:br>
-            <a:endParaRPr lang="en-US" dirty="0"/>
-          </a:p>
-        </p:txBody>
-      </p:sp>
-      <p:sp>
-        <p:nvSpPr>
-          <p:cNvPr id="4" name="TextBox 3">
-            <a:extLst>
-              <a:ext uri="{FF2B5EF4-FFF2-40B4-BE49-F238E27FC236}">
-                <a16:creationId xmlns:a16="http://schemas.microsoft.com/office/drawing/2014/main" id="{B9FAF77D-C9B9-530E-BE4E-72A6B1D11B1F}"/>
-              </a:ext>
-            </a:extLst>
-          </p:cNvPr>
-          <p:cNvSpPr txBox="1"/>
-          <p:nvPr/>
-        </p:nvSpPr>
-        <p:spPr>
-          <a:xfrm>
-            <a:off x="7128417" y="1215678"/>
-            <a:ext cx="6654490" cy="523220"/>
-          </a:xfrm>
-          <a:prstGeom prst="rect">
-            <a:avLst/>
-          </a:prstGeom>
-          <a:noFill/>
-        </p:spPr>
-        <p:txBody>
-          <a:bodyPr wrap="square">
-            <a:spAutoFit/>
-          </a:bodyPr>
-          <a:lstStyle/>
-          <a:p>
-            <a:r>
-              <a:rPr lang="en-US" sz="2800" dirty="0"/>
-              <a:t>What is sentiment analysis ?</a:t>
-            </a:r>
-            <a:endParaRPr lang="en-IL" sz="2800" dirty="0"/>
+              <a:t>Main IDEA</a:t>
+            </a:r>
           </a:p>
         </p:txBody>
       </p:sp>
@@ -7437,8 +7511,8 @@
         </p:nvSpPr>
         <p:spPr>
           <a:xfrm>
-            <a:off x="6616020" y="3582256"/>
-            <a:ext cx="4902819" cy="369332"/>
+            <a:off x="2355866" y="3203052"/>
+            <a:ext cx="7480268" cy="523220"/>
           </a:xfrm>
           <a:prstGeom prst="rect">
             <a:avLst/>
@@ -7451,12 +7525,9 @@
           </a:bodyPr>
           <a:lstStyle/>
           <a:p>
-            <a:pPr marL="285750" indent="-285750">
-              <a:buFont typeface="Arial" panose="020B0604020202020204" pitchFamily="34" charset="0"/>
-              <a:buChar char="•"/>
-            </a:pPr>
-            <a:r>
-              <a:rPr lang="en-US" dirty="0"/>
+            <a:pPr algn="ctr"/>
+            <a:r>
+              <a:rPr lang="en-US" sz="2800" dirty="0"/>
               <a:t>Google Searches &amp; Stock Price Relationship</a:t>
             </a:r>
           </a:p>
@@ -7464,10 +7535,10 @@
       </p:sp>
       <p:pic>
         <p:nvPicPr>
-          <p:cNvPr id="11" name="Picture 10">
+          <p:cNvPr id="5" name="Picture 4">
             <a:extLst>
               <a:ext uri="{FF2B5EF4-FFF2-40B4-BE49-F238E27FC236}">
-                <a16:creationId xmlns:a16="http://schemas.microsoft.com/office/drawing/2014/main" id="{A0C80564-DDA5-2655-66F6-A3AB26EC0263}"/>
+                <a16:creationId xmlns:a16="http://schemas.microsoft.com/office/drawing/2014/main" id="{371AE8B3-BB8A-40E3-3ED1-A71FF00239F7}"/>
               </a:ext>
             </a:extLst>
           </p:cNvPr>
@@ -7484,14 +7555,278 @@
         </p:blipFill>
         <p:spPr>
           <a:xfrm>
-            <a:off x="137160" y="1930096"/>
-            <a:ext cx="6478860" cy="3304319"/>
+            <a:off x="1635669" y="1370804"/>
+            <a:ext cx="9326135" cy="4756472"/>
           </a:xfrm>
           <a:prstGeom prst="rect">
             <a:avLst/>
           </a:prstGeom>
         </p:spPr>
       </p:pic>
+      <p:cxnSp>
+        <p:nvCxnSpPr>
+          <p:cNvPr id="12" name="Straight Arrow Connector 11">
+            <a:extLst>
+              <a:ext uri="{FF2B5EF4-FFF2-40B4-BE49-F238E27FC236}">
+                <a16:creationId xmlns:a16="http://schemas.microsoft.com/office/drawing/2014/main" id="{8F7CCE79-4C35-A82A-80EF-718ABFE4AD16}"/>
+              </a:ext>
+            </a:extLst>
+          </p:cNvPr>
+          <p:cNvCxnSpPr>
+            <a:cxnSpLocks/>
+          </p:cNvCxnSpPr>
+          <p:nvPr/>
+        </p:nvCxnSpPr>
+        <p:spPr>
+          <a:xfrm>
+            <a:off x="7254859" y="1445935"/>
+            <a:ext cx="0" cy="466531"/>
+          </a:xfrm>
+          <a:prstGeom prst="straightConnector1">
+            <a:avLst/>
+          </a:prstGeom>
+          <a:ln>
+            <a:solidFill>
+              <a:srgbClr val="FF0000"/>
+            </a:solidFill>
+            <a:tailEnd type="triangle"/>
+          </a:ln>
+        </p:spPr>
+        <p:style>
+          <a:lnRef idx="1">
+            <a:schemeClr val="accent1"/>
+          </a:lnRef>
+          <a:fillRef idx="0">
+            <a:schemeClr val="accent1"/>
+          </a:fillRef>
+          <a:effectRef idx="0">
+            <a:schemeClr val="accent1"/>
+          </a:effectRef>
+          <a:fontRef idx="minor">
+            <a:schemeClr val="tx1"/>
+          </a:fontRef>
+        </p:style>
+      </p:cxnSp>
+      <p:cxnSp>
+        <p:nvCxnSpPr>
+          <p:cNvPr id="14" name="Straight Arrow Connector 13">
+            <a:extLst>
+              <a:ext uri="{FF2B5EF4-FFF2-40B4-BE49-F238E27FC236}">
+                <a16:creationId xmlns:a16="http://schemas.microsoft.com/office/drawing/2014/main" id="{CD9ED036-16EE-611E-7E65-5962FB3CAB44}"/>
+              </a:ext>
+            </a:extLst>
+          </p:cNvPr>
+          <p:cNvCxnSpPr>
+            <a:cxnSpLocks/>
+          </p:cNvCxnSpPr>
+          <p:nvPr/>
+        </p:nvCxnSpPr>
+        <p:spPr>
+          <a:xfrm>
+            <a:off x="2567782" y="4245292"/>
+            <a:ext cx="0" cy="466531"/>
+          </a:xfrm>
+          <a:prstGeom prst="straightConnector1">
+            <a:avLst/>
+          </a:prstGeom>
+          <a:ln>
+            <a:solidFill>
+              <a:srgbClr val="FF0000"/>
+            </a:solidFill>
+            <a:tailEnd type="triangle"/>
+          </a:ln>
+        </p:spPr>
+        <p:style>
+          <a:lnRef idx="1">
+            <a:schemeClr val="accent1"/>
+          </a:lnRef>
+          <a:fillRef idx="0">
+            <a:schemeClr val="accent1"/>
+          </a:fillRef>
+          <a:effectRef idx="0">
+            <a:schemeClr val="accent1"/>
+          </a:effectRef>
+          <a:fontRef idx="minor">
+            <a:schemeClr val="tx1"/>
+          </a:fontRef>
+        </p:style>
+      </p:cxnSp>
+      <p:cxnSp>
+        <p:nvCxnSpPr>
+          <p:cNvPr id="15" name="Straight Arrow Connector 14">
+            <a:extLst>
+              <a:ext uri="{FF2B5EF4-FFF2-40B4-BE49-F238E27FC236}">
+                <a16:creationId xmlns:a16="http://schemas.microsoft.com/office/drawing/2014/main" id="{A872B776-6FF6-1DF8-479E-97A9C62717BB}"/>
+              </a:ext>
+            </a:extLst>
+          </p:cNvPr>
+          <p:cNvCxnSpPr>
+            <a:cxnSpLocks/>
+          </p:cNvCxnSpPr>
+          <p:nvPr/>
+        </p:nvCxnSpPr>
+        <p:spPr>
+          <a:xfrm>
+            <a:off x="5379406" y="3722072"/>
+            <a:ext cx="0" cy="466531"/>
+          </a:xfrm>
+          <a:prstGeom prst="straightConnector1">
+            <a:avLst/>
+          </a:prstGeom>
+          <a:ln>
+            <a:solidFill>
+              <a:srgbClr val="FF0000"/>
+            </a:solidFill>
+            <a:tailEnd type="triangle"/>
+          </a:ln>
+        </p:spPr>
+        <p:style>
+          <a:lnRef idx="1">
+            <a:schemeClr val="accent1"/>
+          </a:lnRef>
+          <a:fillRef idx="0">
+            <a:schemeClr val="accent1"/>
+          </a:fillRef>
+          <a:effectRef idx="0">
+            <a:schemeClr val="accent1"/>
+          </a:effectRef>
+          <a:fontRef idx="minor">
+            <a:schemeClr val="tx1"/>
+          </a:fontRef>
+        </p:style>
+      </p:cxnSp>
+      <p:cxnSp>
+        <p:nvCxnSpPr>
+          <p:cNvPr id="16" name="Straight Arrow Connector 15">
+            <a:extLst>
+              <a:ext uri="{FF2B5EF4-FFF2-40B4-BE49-F238E27FC236}">
+                <a16:creationId xmlns:a16="http://schemas.microsoft.com/office/drawing/2014/main" id="{F11888AA-3A9D-9322-1531-D41FB58A0A0D}"/>
+              </a:ext>
+            </a:extLst>
+          </p:cNvPr>
+          <p:cNvCxnSpPr>
+            <a:cxnSpLocks/>
+          </p:cNvCxnSpPr>
+          <p:nvPr/>
+        </p:nvCxnSpPr>
+        <p:spPr>
+          <a:xfrm>
+            <a:off x="7712059" y="1445934"/>
+            <a:ext cx="0" cy="466531"/>
+          </a:xfrm>
+          <a:prstGeom prst="straightConnector1">
+            <a:avLst/>
+          </a:prstGeom>
+          <a:ln>
+            <a:solidFill>
+              <a:srgbClr val="FF0000"/>
+            </a:solidFill>
+            <a:tailEnd type="triangle"/>
+          </a:ln>
+        </p:spPr>
+        <p:style>
+          <a:lnRef idx="1">
+            <a:schemeClr val="accent1"/>
+          </a:lnRef>
+          <a:fillRef idx="0">
+            <a:schemeClr val="accent1"/>
+          </a:fillRef>
+          <a:effectRef idx="0">
+            <a:schemeClr val="accent1"/>
+          </a:effectRef>
+          <a:fontRef idx="minor">
+            <a:schemeClr val="tx1"/>
+          </a:fontRef>
+        </p:style>
+      </p:cxnSp>
+      <p:cxnSp>
+        <p:nvCxnSpPr>
+          <p:cNvPr id="17" name="Straight Arrow Connector 16">
+            <a:extLst>
+              <a:ext uri="{FF2B5EF4-FFF2-40B4-BE49-F238E27FC236}">
+                <a16:creationId xmlns:a16="http://schemas.microsoft.com/office/drawing/2014/main" id="{E6C7447E-21E2-4918-306B-8810A39067B2}"/>
+              </a:ext>
+            </a:extLst>
+          </p:cNvPr>
+          <p:cNvCxnSpPr>
+            <a:cxnSpLocks/>
+          </p:cNvCxnSpPr>
+          <p:nvPr/>
+        </p:nvCxnSpPr>
+        <p:spPr>
+          <a:xfrm>
+            <a:off x="6298736" y="4344819"/>
+            <a:ext cx="0" cy="466531"/>
+          </a:xfrm>
+          <a:prstGeom prst="straightConnector1">
+            <a:avLst/>
+          </a:prstGeom>
+          <a:ln>
+            <a:solidFill>
+              <a:srgbClr val="FF0000"/>
+            </a:solidFill>
+            <a:tailEnd type="triangle"/>
+          </a:ln>
+        </p:spPr>
+        <p:style>
+          <a:lnRef idx="1">
+            <a:schemeClr val="accent1"/>
+          </a:lnRef>
+          <a:fillRef idx="0">
+            <a:schemeClr val="accent1"/>
+          </a:fillRef>
+          <a:effectRef idx="0">
+            <a:schemeClr val="accent1"/>
+          </a:effectRef>
+          <a:fontRef idx="minor">
+            <a:schemeClr val="tx1"/>
+          </a:fontRef>
+        </p:style>
+      </p:cxnSp>
+      <p:cxnSp>
+        <p:nvCxnSpPr>
+          <p:cNvPr id="18" name="Straight Arrow Connector 17">
+            <a:extLst>
+              <a:ext uri="{FF2B5EF4-FFF2-40B4-BE49-F238E27FC236}">
+                <a16:creationId xmlns:a16="http://schemas.microsoft.com/office/drawing/2014/main" id="{3D0DD43C-609F-7F6F-AF03-7C6A1B526CD5}"/>
+              </a:ext>
+            </a:extLst>
+          </p:cNvPr>
+          <p:cNvCxnSpPr>
+            <a:cxnSpLocks/>
+          </p:cNvCxnSpPr>
+          <p:nvPr/>
+        </p:nvCxnSpPr>
+        <p:spPr>
+          <a:xfrm>
+            <a:off x="8937479" y="2382106"/>
+            <a:ext cx="0" cy="466531"/>
+          </a:xfrm>
+          <a:prstGeom prst="straightConnector1">
+            <a:avLst/>
+          </a:prstGeom>
+          <a:ln>
+            <a:solidFill>
+              <a:srgbClr val="FF0000"/>
+            </a:solidFill>
+            <a:tailEnd type="triangle"/>
+          </a:ln>
+        </p:spPr>
+        <p:style>
+          <a:lnRef idx="1">
+            <a:schemeClr val="accent1"/>
+          </a:lnRef>
+          <a:fillRef idx="0">
+            <a:schemeClr val="accent1"/>
+          </a:fillRef>
+          <a:effectRef idx="0">
+            <a:schemeClr val="accent1"/>
+          </a:effectRef>
+          <a:fontRef idx="minor">
+            <a:schemeClr val="tx1"/>
+          </a:fontRef>
+        </p:style>
+      </p:cxnSp>
     </p:spTree>
     <p:extLst>
       <p:ext uri="{BB962C8B-B14F-4D97-AF65-F5344CB8AC3E}">
@@ -7502,18 +7837,723 @@
   <p:clrMapOvr>
     <a:masterClrMapping/>
   </p:clrMapOvr>
-  <mc:AlternateContent xmlns:mc="http://schemas.openxmlformats.org/markup-compatibility/2006">
-    <mc:Choice xmlns:p14="http://schemas.microsoft.com/office/powerpoint/2010/main" Requires="p14">
+  <mc:AlternateContent xmlns:mc="http://schemas.openxmlformats.org/markup-compatibility/2006" xmlns:p14="http://schemas.microsoft.com/office/powerpoint/2010/main">
+    <mc:Choice Requires="p14">
       <p:transition spd="slow" p14:dur="1250">
         <p14:flip dir="r"/>
       </p:transition>
     </mc:Choice>
-    <mc:Fallback>
+    <mc:Fallback xmlns="">
       <p:transition spd="slow">
         <p:fade/>
       </p:transition>
     </mc:Fallback>
   </mc:AlternateContent>
+  <p:timing>
+    <p:tnLst>
+      <p:par>
+        <p:cTn id="1" dur="indefinite" restart="never" nodeType="tmRoot">
+          <p:childTnLst>
+            <p:seq concurrent="1" nextAc="seek">
+              <p:cTn id="2" dur="indefinite" nodeType="mainSeq">
+                <p:childTnLst>
+                  <p:par>
+                    <p:cTn id="3" fill="hold">
+                      <p:stCondLst>
+                        <p:cond delay="indefinite"/>
+                      </p:stCondLst>
+                      <p:childTnLst>
+                        <p:par>
+                          <p:cTn id="4" fill="hold">
+                            <p:stCondLst>
+                              <p:cond delay="0"/>
+                            </p:stCondLst>
+                            <p:childTnLst>
+                              <p:par>
+                                <p:cTn id="5" presetID="37" presetClass="entr" presetSubtype="0" fill="hold" nodeType="clickEffect">
+                                  <p:stCondLst>
+                                    <p:cond delay="0"/>
+                                  </p:stCondLst>
+                                  <p:childTnLst>
+                                    <p:set>
+                                      <p:cBhvr>
+                                        <p:cTn id="6" dur="1" fill="hold">
+                                          <p:stCondLst>
+                                            <p:cond delay="0"/>
+                                          </p:stCondLst>
+                                        </p:cTn>
+                                        <p:tgtEl>
+                                          <p:spTgt spid="5"/>
+                                        </p:tgtEl>
+                                        <p:attrNameLst>
+                                          <p:attrName>style.visibility</p:attrName>
+                                        </p:attrNameLst>
+                                      </p:cBhvr>
+                                      <p:to>
+                                        <p:strVal val="visible"/>
+                                      </p:to>
+                                    </p:set>
+                                    <p:animEffect transition="in" filter="fade">
+                                      <p:cBhvr>
+                                        <p:cTn id="7" dur="650"/>
+                                        <p:tgtEl>
+                                          <p:spTgt spid="5"/>
+                                        </p:tgtEl>
+                                      </p:cBhvr>
+                                    </p:animEffect>
+                                    <p:anim calcmode="lin" valueType="num">
+                                      <p:cBhvr>
+                                        <p:cTn id="8" dur="650" fill="hold"/>
+                                        <p:tgtEl>
+                                          <p:spTgt spid="5"/>
+                                        </p:tgtEl>
+                                        <p:attrNameLst>
+                                          <p:attrName>ppt_x</p:attrName>
+                                        </p:attrNameLst>
+                                      </p:cBhvr>
+                                      <p:tavLst>
+                                        <p:tav tm="0">
+                                          <p:val>
+                                            <p:strVal val="#ppt_x"/>
+                                          </p:val>
+                                        </p:tav>
+                                        <p:tav tm="100000">
+                                          <p:val>
+                                            <p:strVal val="#ppt_x"/>
+                                          </p:val>
+                                        </p:tav>
+                                      </p:tavLst>
+                                    </p:anim>
+                                    <p:anim calcmode="lin" valueType="num">
+                                      <p:cBhvr>
+                                        <p:cTn id="9" dur="585" decel="100000" fill="hold"/>
+                                        <p:tgtEl>
+                                          <p:spTgt spid="5"/>
+                                        </p:tgtEl>
+                                        <p:attrNameLst>
+                                          <p:attrName>ppt_y</p:attrName>
+                                        </p:attrNameLst>
+                                      </p:cBhvr>
+                                      <p:tavLst>
+                                        <p:tav tm="0">
+                                          <p:val>
+                                            <p:strVal val="#ppt_y+1"/>
+                                          </p:val>
+                                        </p:tav>
+                                        <p:tav tm="100000">
+                                          <p:val>
+                                            <p:strVal val="#ppt_y-.03"/>
+                                          </p:val>
+                                        </p:tav>
+                                      </p:tavLst>
+                                    </p:anim>
+                                    <p:anim calcmode="lin" valueType="num">
+                                      <p:cBhvr>
+                                        <p:cTn id="10" dur="65" accel="100000" fill="hold">
+                                          <p:stCondLst>
+                                            <p:cond delay="585"/>
+                                          </p:stCondLst>
+                                        </p:cTn>
+                                        <p:tgtEl>
+                                          <p:spTgt spid="5"/>
+                                        </p:tgtEl>
+                                        <p:attrNameLst>
+                                          <p:attrName>ppt_y</p:attrName>
+                                        </p:attrNameLst>
+                                      </p:cBhvr>
+                                      <p:tavLst>
+                                        <p:tav tm="0">
+                                          <p:val>
+                                            <p:strVal val="#ppt_y-.03"/>
+                                          </p:val>
+                                        </p:tav>
+                                        <p:tav tm="100000">
+                                          <p:val>
+                                            <p:strVal val="#ppt_y"/>
+                                          </p:val>
+                                        </p:tav>
+                                      </p:tavLst>
+                                    </p:anim>
+                                  </p:childTnLst>
+                                </p:cTn>
+                              </p:par>
+                            </p:childTnLst>
+                          </p:cTn>
+                        </p:par>
+                      </p:childTnLst>
+                    </p:cTn>
+                  </p:par>
+                  <p:par>
+                    <p:cTn id="11" fill="hold">
+                      <p:stCondLst>
+                        <p:cond delay="indefinite"/>
+                      </p:stCondLst>
+                      <p:childTnLst>
+                        <p:par>
+                          <p:cTn id="12" fill="hold">
+                            <p:stCondLst>
+                              <p:cond delay="0"/>
+                            </p:stCondLst>
+                            <p:childTnLst>
+                              <p:par>
+                                <p:cTn id="13" presetID="47" presetClass="entr" presetSubtype="0" fill="hold" nodeType="clickEffect">
+                                  <p:stCondLst>
+                                    <p:cond delay="0"/>
+                                  </p:stCondLst>
+                                  <p:childTnLst>
+                                    <p:set>
+                                      <p:cBhvr>
+                                        <p:cTn id="14" dur="1" fill="hold">
+                                          <p:stCondLst>
+                                            <p:cond delay="0"/>
+                                          </p:stCondLst>
+                                        </p:cTn>
+                                        <p:tgtEl>
+                                          <p:spTgt spid="14"/>
+                                        </p:tgtEl>
+                                        <p:attrNameLst>
+                                          <p:attrName>style.visibility</p:attrName>
+                                        </p:attrNameLst>
+                                      </p:cBhvr>
+                                      <p:to>
+                                        <p:strVal val="visible"/>
+                                      </p:to>
+                                    </p:set>
+                                    <p:animEffect transition="in" filter="fade">
+                                      <p:cBhvr>
+                                        <p:cTn id="15" dur="370"/>
+                                        <p:tgtEl>
+                                          <p:spTgt spid="14"/>
+                                        </p:tgtEl>
+                                      </p:cBhvr>
+                                    </p:animEffect>
+                                    <p:anim calcmode="lin" valueType="num">
+                                      <p:cBhvr>
+                                        <p:cTn id="16" dur="370" fill="hold"/>
+                                        <p:tgtEl>
+                                          <p:spTgt spid="14"/>
+                                        </p:tgtEl>
+                                        <p:attrNameLst>
+                                          <p:attrName>ppt_x</p:attrName>
+                                        </p:attrNameLst>
+                                      </p:cBhvr>
+                                      <p:tavLst>
+                                        <p:tav tm="0">
+                                          <p:val>
+                                            <p:strVal val="#ppt_x"/>
+                                          </p:val>
+                                        </p:tav>
+                                        <p:tav tm="100000">
+                                          <p:val>
+                                            <p:strVal val="#ppt_x"/>
+                                          </p:val>
+                                        </p:tav>
+                                      </p:tavLst>
+                                    </p:anim>
+                                    <p:anim calcmode="lin" valueType="num">
+                                      <p:cBhvr>
+                                        <p:cTn id="17" dur="370" fill="hold"/>
+                                        <p:tgtEl>
+                                          <p:spTgt spid="14"/>
+                                        </p:tgtEl>
+                                        <p:attrNameLst>
+                                          <p:attrName>ppt_y</p:attrName>
+                                        </p:attrNameLst>
+                                      </p:cBhvr>
+                                      <p:tavLst>
+                                        <p:tav tm="0">
+                                          <p:val>
+                                            <p:strVal val="#ppt_y-.1"/>
+                                          </p:val>
+                                        </p:tav>
+                                        <p:tav tm="100000">
+                                          <p:val>
+                                            <p:strVal val="#ppt_y"/>
+                                          </p:val>
+                                        </p:tav>
+                                      </p:tavLst>
+                                    </p:anim>
+                                  </p:childTnLst>
+                                </p:cTn>
+                              </p:par>
+                            </p:childTnLst>
+                          </p:cTn>
+                        </p:par>
+                        <p:par>
+                          <p:cTn id="18" fill="hold">
+                            <p:stCondLst>
+                              <p:cond delay="370"/>
+                            </p:stCondLst>
+                            <p:childTnLst>
+                              <p:par>
+                                <p:cTn id="19" presetID="47" presetClass="entr" presetSubtype="0" fill="hold" nodeType="afterEffect">
+                                  <p:stCondLst>
+                                    <p:cond delay="0"/>
+                                  </p:stCondLst>
+                                  <p:childTnLst>
+                                    <p:set>
+                                      <p:cBhvr>
+                                        <p:cTn id="20" dur="1" fill="hold">
+                                          <p:stCondLst>
+                                            <p:cond delay="0"/>
+                                          </p:stCondLst>
+                                        </p:cTn>
+                                        <p:tgtEl>
+                                          <p:spTgt spid="15"/>
+                                        </p:tgtEl>
+                                        <p:attrNameLst>
+                                          <p:attrName>style.visibility</p:attrName>
+                                        </p:attrNameLst>
+                                      </p:cBhvr>
+                                      <p:to>
+                                        <p:strVal val="visible"/>
+                                      </p:to>
+                                    </p:set>
+                                    <p:animEffect transition="in" filter="fade">
+                                      <p:cBhvr>
+                                        <p:cTn id="21" dur="370"/>
+                                        <p:tgtEl>
+                                          <p:spTgt spid="15"/>
+                                        </p:tgtEl>
+                                      </p:cBhvr>
+                                    </p:animEffect>
+                                    <p:anim calcmode="lin" valueType="num">
+                                      <p:cBhvr>
+                                        <p:cTn id="22" dur="370" fill="hold"/>
+                                        <p:tgtEl>
+                                          <p:spTgt spid="15"/>
+                                        </p:tgtEl>
+                                        <p:attrNameLst>
+                                          <p:attrName>ppt_x</p:attrName>
+                                        </p:attrNameLst>
+                                      </p:cBhvr>
+                                      <p:tavLst>
+                                        <p:tav tm="0">
+                                          <p:val>
+                                            <p:strVal val="#ppt_x"/>
+                                          </p:val>
+                                        </p:tav>
+                                        <p:tav tm="100000">
+                                          <p:val>
+                                            <p:strVal val="#ppt_x"/>
+                                          </p:val>
+                                        </p:tav>
+                                      </p:tavLst>
+                                    </p:anim>
+                                    <p:anim calcmode="lin" valueType="num">
+                                      <p:cBhvr>
+                                        <p:cTn id="23" dur="370" fill="hold"/>
+                                        <p:tgtEl>
+                                          <p:spTgt spid="15"/>
+                                        </p:tgtEl>
+                                        <p:attrNameLst>
+                                          <p:attrName>ppt_y</p:attrName>
+                                        </p:attrNameLst>
+                                      </p:cBhvr>
+                                      <p:tavLst>
+                                        <p:tav tm="0">
+                                          <p:val>
+                                            <p:strVal val="#ppt_y-.1"/>
+                                          </p:val>
+                                        </p:tav>
+                                        <p:tav tm="100000">
+                                          <p:val>
+                                            <p:strVal val="#ppt_y"/>
+                                          </p:val>
+                                        </p:tav>
+                                      </p:tavLst>
+                                    </p:anim>
+                                  </p:childTnLst>
+                                </p:cTn>
+                              </p:par>
+                            </p:childTnLst>
+                          </p:cTn>
+                        </p:par>
+                        <p:par>
+                          <p:cTn id="24" fill="hold">
+                            <p:stCondLst>
+                              <p:cond delay="740"/>
+                            </p:stCondLst>
+                            <p:childTnLst>
+                              <p:par>
+                                <p:cTn id="25" presetID="47" presetClass="entr" presetSubtype="0" fill="hold" nodeType="afterEffect">
+                                  <p:stCondLst>
+                                    <p:cond delay="0"/>
+                                  </p:stCondLst>
+                                  <p:childTnLst>
+                                    <p:set>
+                                      <p:cBhvr>
+                                        <p:cTn id="26" dur="1" fill="hold">
+                                          <p:stCondLst>
+                                            <p:cond delay="0"/>
+                                          </p:stCondLst>
+                                        </p:cTn>
+                                        <p:tgtEl>
+                                          <p:spTgt spid="17"/>
+                                        </p:tgtEl>
+                                        <p:attrNameLst>
+                                          <p:attrName>style.visibility</p:attrName>
+                                        </p:attrNameLst>
+                                      </p:cBhvr>
+                                      <p:to>
+                                        <p:strVal val="visible"/>
+                                      </p:to>
+                                    </p:set>
+                                    <p:animEffect transition="in" filter="fade">
+                                      <p:cBhvr>
+                                        <p:cTn id="27" dur="370"/>
+                                        <p:tgtEl>
+                                          <p:spTgt spid="17"/>
+                                        </p:tgtEl>
+                                      </p:cBhvr>
+                                    </p:animEffect>
+                                    <p:anim calcmode="lin" valueType="num">
+                                      <p:cBhvr>
+                                        <p:cTn id="28" dur="370" fill="hold"/>
+                                        <p:tgtEl>
+                                          <p:spTgt spid="17"/>
+                                        </p:tgtEl>
+                                        <p:attrNameLst>
+                                          <p:attrName>ppt_x</p:attrName>
+                                        </p:attrNameLst>
+                                      </p:cBhvr>
+                                      <p:tavLst>
+                                        <p:tav tm="0">
+                                          <p:val>
+                                            <p:strVal val="#ppt_x"/>
+                                          </p:val>
+                                        </p:tav>
+                                        <p:tav tm="100000">
+                                          <p:val>
+                                            <p:strVal val="#ppt_x"/>
+                                          </p:val>
+                                        </p:tav>
+                                      </p:tavLst>
+                                    </p:anim>
+                                    <p:anim calcmode="lin" valueType="num">
+                                      <p:cBhvr>
+                                        <p:cTn id="29" dur="370" fill="hold"/>
+                                        <p:tgtEl>
+                                          <p:spTgt spid="17"/>
+                                        </p:tgtEl>
+                                        <p:attrNameLst>
+                                          <p:attrName>ppt_y</p:attrName>
+                                        </p:attrNameLst>
+                                      </p:cBhvr>
+                                      <p:tavLst>
+                                        <p:tav tm="0">
+                                          <p:val>
+                                            <p:strVal val="#ppt_y-.1"/>
+                                          </p:val>
+                                        </p:tav>
+                                        <p:tav tm="100000">
+                                          <p:val>
+                                            <p:strVal val="#ppt_y"/>
+                                          </p:val>
+                                        </p:tav>
+                                      </p:tavLst>
+                                    </p:anim>
+                                  </p:childTnLst>
+                                </p:cTn>
+                              </p:par>
+                            </p:childTnLst>
+                          </p:cTn>
+                        </p:par>
+                        <p:par>
+                          <p:cTn id="30" fill="hold">
+                            <p:stCondLst>
+                              <p:cond delay="1110"/>
+                            </p:stCondLst>
+                            <p:childTnLst>
+                              <p:par>
+                                <p:cTn id="31" presetID="47" presetClass="entr" presetSubtype="0" fill="hold" nodeType="afterEffect">
+                                  <p:stCondLst>
+                                    <p:cond delay="0"/>
+                                  </p:stCondLst>
+                                  <p:childTnLst>
+                                    <p:set>
+                                      <p:cBhvr>
+                                        <p:cTn id="32" dur="1" fill="hold">
+                                          <p:stCondLst>
+                                            <p:cond delay="0"/>
+                                          </p:stCondLst>
+                                        </p:cTn>
+                                        <p:tgtEl>
+                                          <p:spTgt spid="12"/>
+                                        </p:tgtEl>
+                                        <p:attrNameLst>
+                                          <p:attrName>style.visibility</p:attrName>
+                                        </p:attrNameLst>
+                                      </p:cBhvr>
+                                      <p:to>
+                                        <p:strVal val="visible"/>
+                                      </p:to>
+                                    </p:set>
+                                    <p:animEffect transition="in" filter="fade">
+                                      <p:cBhvr>
+                                        <p:cTn id="33" dur="370"/>
+                                        <p:tgtEl>
+                                          <p:spTgt spid="12"/>
+                                        </p:tgtEl>
+                                      </p:cBhvr>
+                                    </p:animEffect>
+                                    <p:anim calcmode="lin" valueType="num">
+                                      <p:cBhvr>
+                                        <p:cTn id="34" dur="370" fill="hold"/>
+                                        <p:tgtEl>
+                                          <p:spTgt spid="12"/>
+                                        </p:tgtEl>
+                                        <p:attrNameLst>
+                                          <p:attrName>ppt_x</p:attrName>
+                                        </p:attrNameLst>
+                                      </p:cBhvr>
+                                      <p:tavLst>
+                                        <p:tav tm="0">
+                                          <p:val>
+                                            <p:strVal val="#ppt_x"/>
+                                          </p:val>
+                                        </p:tav>
+                                        <p:tav tm="100000">
+                                          <p:val>
+                                            <p:strVal val="#ppt_x"/>
+                                          </p:val>
+                                        </p:tav>
+                                      </p:tavLst>
+                                    </p:anim>
+                                    <p:anim calcmode="lin" valueType="num">
+                                      <p:cBhvr>
+                                        <p:cTn id="35" dur="370" fill="hold"/>
+                                        <p:tgtEl>
+                                          <p:spTgt spid="12"/>
+                                        </p:tgtEl>
+                                        <p:attrNameLst>
+                                          <p:attrName>ppt_y</p:attrName>
+                                        </p:attrNameLst>
+                                      </p:cBhvr>
+                                      <p:tavLst>
+                                        <p:tav tm="0">
+                                          <p:val>
+                                            <p:strVal val="#ppt_y-.1"/>
+                                          </p:val>
+                                        </p:tav>
+                                        <p:tav tm="100000">
+                                          <p:val>
+                                            <p:strVal val="#ppt_y"/>
+                                          </p:val>
+                                        </p:tav>
+                                      </p:tavLst>
+                                    </p:anim>
+                                  </p:childTnLst>
+                                </p:cTn>
+                              </p:par>
+                            </p:childTnLst>
+                          </p:cTn>
+                        </p:par>
+                        <p:par>
+                          <p:cTn id="36" fill="hold">
+                            <p:stCondLst>
+                              <p:cond delay="1480"/>
+                            </p:stCondLst>
+                            <p:childTnLst>
+                              <p:par>
+                                <p:cTn id="37" presetID="47" presetClass="entr" presetSubtype="0" fill="hold" nodeType="afterEffect">
+                                  <p:stCondLst>
+                                    <p:cond delay="0"/>
+                                  </p:stCondLst>
+                                  <p:childTnLst>
+                                    <p:set>
+                                      <p:cBhvr>
+                                        <p:cTn id="38" dur="1" fill="hold">
+                                          <p:stCondLst>
+                                            <p:cond delay="0"/>
+                                          </p:stCondLst>
+                                        </p:cTn>
+                                        <p:tgtEl>
+                                          <p:spTgt spid="16"/>
+                                        </p:tgtEl>
+                                        <p:attrNameLst>
+                                          <p:attrName>style.visibility</p:attrName>
+                                        </p:attrNameLst>
+                                      </p:cBhvr>
+                                      <p:to>
+                                        <p:strVal val="visible"/>
+                                      </p:to>
+                                    </p:set>
+                                    <p:animEffect transition="in" filter="fade">
+                                      <p:cBhvr>
+                                        <p:cTn id="39" dur="370"/>
+                                        <p:tgtEl>
+                                          <p:spTgt spid="16"/>
+                                        </p:tgtEl>
+                                      </p:cBhvr>
+                                    </p:animEffect>
+                                    <p:anim calcmode="lin" valueType="num">
+                                      <p:cBhvr>
+                                        <p:cTn id="40" dur="370" fill="hold"/>
+                                        <p:tgtEl>
+                                          <p:spTgt spid="16"/>
+                                        </p:tgtEl>
+                                        <p:attrNameLst>
+                                          <p:attrName>ppt_x</p:attrName>
+                                        </p:attrNameLst>
+                                      </p:cBhvr>
+                                      <p:tavLst>
+                                        <p:tav tm="0">
+                                          <p:val>
+                                            <p:strVal val="#ppt_x"/>
+                                          </p:val>
+                                        </p:tav>
+                                        <p:tav tm="100000">
+                                          <p:val>
+                                            <p:strVal val="#ppt_x"/>
+                                          </p:val>
+                                        </p:tav>
+                                      </p:tavLst>
+                                    </p:anim>
+                                    <p:anim calcmode="lin" valueType="num">
+                                      <p:cBhvr>
+                                        <p:cTn id="41" dur="370" fill="hold"/>
+                                        <p:tgtEl>
+                                          <p:spTgt spid="16"/>
+                                        </p:tgtEl>
+                                        <p:attrNameLst>
+                                          <p:attrName>ppt_y</p:attrName>
+                                        </p:attrNameLst>
+                                      </p:cBhvr>
+                                      <p:tavLst>
+                                        <p:tav tm="0">
+                                          <p:val>
+                                            <p:strVal val="#ppt_y-.1"/>
+                                          </p:val>
+                                        </p:tav>
+                                        <p:tav tm="100000">
+                                          <p:val>
+                                            <p:strVal val="#ppt_y"/>
+                                          </p:val>
+                                        </p:tav>
+                                      </p:tavLst>
+                                    </p:anim>
+                                  </p:childTnLst>
+                                </p:cTn>
+                              </p:par>
+                            </p:childTnLst>
+                          </p:cTn>
+                        </p:par>
+                        <p:par>
+                          <p:cTn id="42" fill="hold">
+                            <p:stCondLst>
+                              <p:cond delay="1850"/>
+                            </p:stCondLst>
+                            <p:childTnLst>
+                              <p:par>
+                                <p:cTn id="43" presetID="47" presetClass="entr" presetSubtype="0" fill="hold" nodeType="afterEffect">
+                                  <p:stCondLst>
+                                    <p:cond delay="0"/>
+                                  </p:stCondLst>
+                                  <p:childTnLst>
+                                    <p:set>
+                                      <p:cBhvr>
+                                        <p:cTn id="44" dur="1" fill="hold">
+                                          <p:stCondLst>
+                                            <p:cond delay="0"/>
+                                          </p:stCondLst>
+                                        </p:cTn>
+                                        <p:tgtEl>
+                                          <p:spTgt spid="18"/>
+                                        </p:tgtEl>
+                                        <p:attrNameLst>
+                                          <p:attrName>style.visibility</p:attrName>
+                                        </p:attrNameLst>
+                                      </p:cBhvr>
+                                      <p:to>
+                                        <p:strVal val="visible"/>
+                                      </p:to>
+                                    </p:set>
+                                    <p:animEffect transition="in" filter="fade">
+                                      <p:cBhvr>
+                                        <p:cTn id="45" dur="370"/>
+                                        <p:tgtEl>
+                                          <p:spTgt spid="18"/>
+                                        </p:tgtEl>
+                                      </p:cBhvr>
+                                    </p:animEffect>
+                                    <p:anim calcmode="lin" valueType="num">
+                                      <p:cBhvr>
+                                        <p:cTn id="46" dur="370" fill="hold"/>
+                                        <p:tgtEl>
+                                          <p:spTgt spid="18"/>
+                                        </p:tgtEl>
+                                        <p:attrNameLst>
+                                          <p:attrName>ppt_x</p:attrName>
+                                        </p:attrNameLst>
+                                      </p:cBhvr>
+                                      <p:tavLst>
+                                        <p:tav tm="0">
+                                          <p:val>
+                                            <p:strVal val="#ppt_x"/>
+                                          </p:val>
+                                        </p:tav>
+                                        <p:tav tm="100000">
+                                          <p:val>
+                                            <p:strVal val="#ppt_x"/>
+                                          </p:val>
+                                        </p:tav>
+                                      </p:tavLst>
+                                    </p:anim>
+                                    <p:anim calcmode="lin" valueType="num">
+                                      <p:cBhvr>
+                                        <p:cTn id="47" dur="370" fill="hold"/>
+                                        <p:tgtEl>
+                                          <p:spTgt spid="18"/>
+                                        </p:tgtEl>
+                                        <p:attrNameLst>
+                                          <p:attrName>ppt_y</p:attrName>
+                                        </p:attrNameLst>
+                                      </p:cBhvr>
+                                      <p:tavLst>
+                                        <p:tav tm="0">
+                                          <p:val>
+                                            <p:strVal val="#ppt_y-.1"/>
+                                          </p:val>
+                                        </p:tav>
+                                        <p:tav tm="100000">
+                                          <p:val>
+                                            <p:strVal val="#ppt_y"/>
+                                          </p:val>
+                                        </p:tav>
+                                      </p:tavLst>
+                                    </p:anim>
+                                  </p:childTnLst>
+                                </p:cTn>
+                              </p:par>
+                            </p:childTnLst>
+                          </p:cTn>
+                        </p:par>
+                      </p:childTnLst>
+                    </p:cTn>
+                  </p:par>
+                </p:childTnLst>
+              </p:cTn>
+              <p:prevCondLst>
+                <p:cond evt="onPrev" delay="0">
+                  <p:tgtEl>
+                    <p:sldTgt/>
+                  </p:tgtEl>
+                </p:cond>
+              </p:prevCondLst>
+              <p:nextCondLst>
+                <p:cond evt="onNext" delay="0">
+                  <p:tgtEl>
+                    <p:sldTgt/>
+                  </p:tgtEl>
+                </p:cond>
+              </p:nextCondLst>
+            </p:seq>
+          </p:childTnLst>
+        </p:cTn>
+      </p:par>
+    </p:tnLst>
+  </p:timing>
 </p:sld>
 </file>
 
@@ -7935,6 +8975,171 @@
           <a:chExt cx="0" cy="0"/>
         </a:xfrm>
       </p:grpSpPr>
+      <p:pic>
+        <p:nvPicPr>
+          <p:cNvPr id="10" name="Picture 9" descr="A screenshot of a computer&#10;&#10;Description automatically generated">
+            <a:extLst>
+              <a:ext uri="{FF2B5EF4-FFF2-40B4-BE49-F238E27FC236}">
+                <a16:creationId xmlns:a16="http://schemas.microsoft.com/office/drawing/2014/main" id="{ED65F49F-04DC-523E-99F1-7EE7CE8A4144}"/>
+              </a:ext>
+            </a:extLst>
+          </p:cNvPr>
+          <p:cNvPicPr>
+            <a:picLocks noChangeAspect="1"/>
+          </p:cNvPicPr>
+          <p:nvPr/>
+        </p:nvPicPr>
+        <p:blipFill>
+          <a:blip r:embed="rId2"/>
+          <a:stretch>
+            <a:fillRect/>
+          </a:stretch>
+        </p:blipFill>
+        <p:spPr>
+          <a:xfrm>
+            <a:off x="0" y="267355"/>
+            <a:ext cx="12192000" cy="6323289"/>
+          </a:xfrm>
+          <a:prstGeom prst="rect">
+            <a:avLst/>
+          </a:prstGeom>
+        </p:spPr>
+      </p:pic>
+      <p:pic>
+        <p:nvPicPr>
+          <p:cNvPr id="8" name="Picture 7" descr="A screenshot of a computer&#10;&#10;Description automatically generated">
+            <a:extLst>
+              <a:ext uri="{FF2B5EF4-FFF2-40B4-BE49-F238E27FC236}">
+                <a16:creationId xmlns:a16="http://schemas.microsoft.com/office/drawing/2014/main" id="{84B18F91-7D8A-DF03-A8D1-A1E634C6A4F0}"/>
+              </a:ext>
+            </a:extLst>
+          </p:cNvPr>
+          <p:cNvPicPr>
+            <a:picLocks noChangeAspect="1"/>
+          </p:cNvPicPr>
+          <p:nvPr/>
+        </p:nvPicPr>
+        <p:blipFill>
+          <a:blip r:embed="rId3"/>
+          <a:stretch>
+            <a:fillRect/>
+          </a:stretch>
+        </p:blipFill>
+        <p:spPr>
+          <a:xfrm>
+            <a:off x="0" y="260128"/>
+            <a:ext cx="12192000" cy="6337743"/>
+          </a:xfrm>
+          <a:prstGeom prst="rect">
+            <a:avLst/>
+          </a:prstGeom>
+        </p:spPr>
+      </p:pic>
+    </p:spTree>
+    <p:extLst>
+      <p:ext uri="{BB962C8B-B14F-4D97-AF65-F5344CB8AC3E}">
+        <p14:creationId xmlns:p14="http://schemas.microsoft.com/office/powerpoint/2010/main" val="3099419417"/>
+      </p:ext>
+    </p:extLst>
+  </p:cSld>
+  <p:clrMapOvr>
+    <a:masterClrMapping/>
+  </p:clrMapOvr>
+  <p:timing>
+    <p:tnLst>
+      <p:par>
+        <p:cTn id="1" dur="indefinite" restart="never" nodeType="tmRoot">
+          <p:childTnLst>
+            <p:seq concurrent="1" nextAc="seek">
+              <p:cTn id="2" dur="indefinite" nodeType="mainSeq">
+                <p:childTnLst>
+                  <p:par>
+                    <p:cTn id="3" fill="hold">
+                      <p:stCondLst>
+                        <p:cond delay="indefinite"/>
+                      </p:stCondLst>
+                      <p:childTnLst>
+                        <p:par>
+                          <p:cTn id="4" fill="hold">
+                            <p:stCondLst>
+                              <p:cond delay="0"/>
+                            </p:stCondLst>
+                            <p:childTnLst>
+                              <p:par>
+                                <p:cTn id="5" presetID="1" presetClass="entr" presetSubtype="0" fill="hold" nodeType="clickEffect">
+                                  <p:stCondLst>
+                                    <p:cond delay="0"/>
+                                  </p:stCondLst>
+                                  <p:childTnLst>
+                                    <p:set>
+                                      <p:cBhvr>
+                                        <p:cTn id="6" dur="1" fill="hold">
+                                          <p:stCondLst>
+                                            <p:cond delay="0"/>
+                                          </p:stCondLst>
+                                        </p:cTn>
+                                        <p:tgtEl>
+                                          <p:spTgt spid="8"/>
+                                        </p:tgtEl>
+                                        <p:attrNameLst>
+                                          <p:attrName>style.visibility</p:attrName>
+                                        </p:attrNameLst>
+                                      </p:cBhvr>
+                                      <p:to>
+                                        <p:strVal val="visible"/>
+                                      </p:to>
+                                    </p:set>
+                                  </p:childTnLst>
+                                </p:cTn>
+                              </p:par>
+                            </p:childTnLst>
+                          </p:cTn>
+                        </p:par>
+                      </p:childTnLst>
+                    </p:cTn>
+                  </p:par>
+                </p:childTnLst>
+              </p:cTn>
+              <p:prevCondLst>
+                <p:cond evt="onPrev" delay="0">
+                  <p:tgtEl>
+                    <p:sldTgt/>
+                  </p:tgtEl>
+                </p:cond>
+              </p:prevCondLst>
+              <p:nextCondLst>
+                <p:cond evt="onNext" delay="0">
+                  <p:tgtEl>
+                    <p:sldTgt/>
+                  </p:tgtEl>
+                </p:cond>
+              </p:nextCondLst>
+            </p:seq>
+          </p:childTnLst>
+        </p:cTn>
+      </p:par>
+    </p:tnLst>
+  </p:timing>
+</p:sld>
+</file>
+
+<file path=ppt/slides/slide5.xml><?xml version="1.0" encoding="utf-8"?>
+<p:sld xmlns:a="http://schemas.openxmlformats.org/drawingml/2006/main" xmlns:r="http://schemas.openxmlformats.org/officeDocument/2006/relationships" xmlns:p="http://schemas.openxmlformats.org/presentationml/2006/main">
+  <p:cSld>
+    <p:spTree>
+      <p:nvGrpSpPr>
+        <p:cNvPr id="1" name=""/>
+        <p:cNvGrpSpPr/>
+        <p:nvPr/>
+      </p:nvGrpSpPr>
+      <p:grpSpPr>
+        <a:xfrm>
+          <a:off x="0" y="0"/>
+          <a:ext cx="0" cy="0"/>
+          <a:chOff x="0" y="0"/>
+          <a:chExt cx="0" cy="0"/>
+        </a:xfrm>
+      </p:grpSpPr>
       <p:sp>
         <p:nvSpPr>
           <p:cNvPr id="2" name="Title 1">
@@ -7997,7 +9202,7 @@
             <a:fld id="{A49DFD55-3C28-40EF-9E31-A92D2E4017FF}" type="slidenum">
               <a:rPr lang="en-US" smtClean="0"/>
               <a:pPr/>
-              <a:t>4</a:t>
+              <a:t>5</a:t>
             </a:fld>
             <a:endParaRPr lang="en-US" dirty="0"/>
           </a:p>
@@ -8289,7 +9494,7 @@
 </p:sld>
 </file>
 
-<file path=ppt/slides/slide5.xml><?xml version="1.0" encoding="utf-8"?>
+<file path=ppt/slides/slide6.xml><?xml version="1.0" encoding="utf-8"?>
 <p:sld xmlns:a="http://schemas.openxmlformats.org/drawingml/2006/main" xmlns:r="http://schemas.openxmlformats.org/officeDocument/2006/relationships" xmlns:p="http://schemas.openxmlformats.org/presentationml/2006/main">
   <p:cSld>
     <p:spTree>
@@ -8421,7 +9626,7 @@
                   <a:spcPts val="600"/>
                 </a:spcAft>
               </a:pPr>
-              <a:t>5</a:t>
+              <a:t>6</a:t>
             </a:fld>
             <a:endParaRPr lang="en-US"/>
           </a:p>
@@ -8595,7 +9800,7 @@
 </p:sld>
 </file>
 
-<file path=ppt/slides/slide6.xml><?xml version="1.0" encoding="utf-8"?>
+<file path=ppt/slides/slide7.xml><?xml version="1.0" encoding="utf-8"?>
 <p:sld xmlns:a="http://schemas.openxmlformats.org/drawingml/2006/main" xmlns:r="http://schemas.openxmlformats.org/officeDocument/2006/relationships" xmlns:p="http://schemas.openxmlformats.org/presentationml/2006/main">
   <p:cSld>
     <p:spTree>
@@ -8688,7 +9893,7 @@
                   <a:spcPts val="600"/>
                 </a:spcAft>
               </a:pPr>
-              <a:t>6</a:t>
+              <a:t>7</a:t>
             </a:fld>
             <a:endParaRPr lang="en-US"/>
           </a:p>
@@ -8754,13 +9959,13 @@
   <p:clrMapOvr>
     <a:masterClrMapping/>
   </p:clrMapOvr>
-  <mc:AlternateContent xmlns:mc="http://schemas.openxmlformats.org/markup-compatibility/2006">
-    <mc:Choice xmlns:p15="http://schemas.microsoft.com/office/powerpoint/2012/main" Requires="p15">
+  <mc:AlternateContent xmlns:mc="http://schemas.openxmlformats.org/markup-compatibility/2006" xmlns:p15="http://schemas.microsoft.com/office/powerpoint/2012/main">
+    <mc:Choice Requires="p15">
       <p:transition xmlns:p14="http://schemas.microsoft.com/office/powerpoint/2010/main" spd="slow" p14:dur="2000">
         <p15:prstTrans prst="fallOver"/>
       </p:transition>
     </mc:Choice>
-    <mc:Fallback>
+    <mc:Fallback xmlns="">
       <p:transition spd="slow">
         <p:fade/>
       </p:transition>
@@ -8981,7 +10186,7 @@
 </p:sld>
 </file>
 
-<file path=ppt/slides/slide7.xml><?xml version="1.0" encoding="utf-8"?>
+<file path=ppt/slides/slide8.xml><?xml version="1.0" encoding="utf-8"?>
 <p:sld xmlns:a="http://schemas.openxmlformats.org/drawingml/2006/main" xmlns:r="http://schemas.openxmlformats.org/officeDocument/2006/relationships" xmlns:p="http://schemas.openxmlformats.org/presentationml/2006/main">
   <p:cSld>
     <p:spTree>
@@ -9641,7 +10846,7 @@
             <a:fld id="{A49DFD55-3C28-40EF-9E31-A92D2E4017FF}" type="slidenum">
               <a:rPr lang="en-US" smtClean="0"/>
               <a:pPr/>
-              <a:t>7</a:t>
+              <a:t>8</a:t>
             </a:fld>
             <a:endParaRPr lang="en-US" dirty="0"/>
           </a:p>
@@ -10476,13 +11681,13 @@
   <p:clrMapOvr>
     <a:masterClrMapping/>
   </p:clrMapOvr>
-  <mc:AlternateContent xmlns:mc="http://schemas.openxmlformats.org/markup-compatibility/2006">
-    <mc:Choice xmlns:p14="http://schemas.microsoft.com/office/powerpoint/2010/main" Requires="p14">
+  <mc:AlternateContent xmlns:mc="http://schemas.openxmlformats.org/markup-compatibility/2006" xmlns:p14="http://schemas.microsoft.com/office/powerpoint/2010/main">
+    <mc:Choice Requires="p14">
       <p:transition spd="med">
         <p14:switch dir="r"/>
       </p:transition>
     </mc:Choice>
-    <mc:Fallback>
+    <mc:Fallback xmlns="">
       <p:transition spd="med">
         <p:fade/>
       </p:transition>
@@ -11043,7 +12248,7 @@
 </p:sld>
 </file>
 
-<file path=ppt/slides/slide8.xml><?xml version="1.0" encoding="utf-8"?>
+<file path=ppt/slides/slide9.xml><?xml version="1.0" encoding="utf-8"?>
 <p:sld xmlns:a="http://schemas.openxmlformats.org/drawingml/2006/main" xmlns:r="http://schemas.openxmlformats.org/officeDocument/2006/relationships" xmlns:p="http://schemas.openxmlformats.org/presentationml/2006/main">
   <p:cSld>
     <p:spTree>
@@ -11188,7 +12393,7 @@
             <a:fld id="{A49DFD55-3C28-40EF-9E31-A92D2E4017FF}" type="slidenum">
               <a:rPr lang="en-US" smtClean="0"/>
               <a:pPr/>
-              <a:t>8</a:t>
+              <a:t>9</a:t>
             </a:fld>
             <a:endParaRPr lang="en-US" dirty="0"/>
           </a:p>
@@ -11484,108 +12689,6 @@
       </p:par>
     </p:tnLst>
   </p:timing>
-</p:sld>
-</file>
-
-<file path=ppt/slides/slide9.xml><?xml version="1.0" encoding="utf-8"?>
-<p:sld xmlns:a="http://schemas.openxmlformats.org/drawingml/2006/main" xmlns:r="http://schemas.openxmlformats.org/officeDocument/2006/relationships" xmlns:p="http://schemas.openxmlformats.org/presentationml/2006/main">
-  <p:cSld>
-    <p:spTree>
-      <p:nvGrpSpPr>
-        <p:cNvPr id="1" name=""/>
-        <p:cNvGrpSpPr/>
-        <p:nvPr/>
-      </p:nvGrpSpPr>
-      <p:grpSpPr>
-        <a:xfrm>
-          <a:off x="0" y="0"/>
-          <a:ext cx="0" cy="0"/>
-          <a:chOff x="0" y="0"/>
-          <a:chExt cx="0" cy="0"/>
-        </a:xfrm>
-      </p:grpSpPr>
-      <p:sp>
-        <p:nvSpPr>
-          <p:cNvPr id="2" name="Title 1">
-            <a:extLst>
-              <a:ext uri="{FF2B5EF4-FFF2-40B4-BE49-F238E27FC236}">
-                <a16:creationId xmlns:a16="http://schemas.microsoft.com/office/drawing/2014/main" id="{A95E2E6A-35EC-1B8E-0FD7-8C67870ACA64}"/>
-              </a:ext>
-            </a:extLst>
-          </p:cNvPr>
-          <p:cNvSpPr>
-            <a:spLocks noGrp="1"/>
-          </p:cNvSpPr>
-          <p:nvPr>
-            <p:ph type="ctrTitle"/>
-          </p:nvPr>
-        </p:nvSpPr>
-        <p:spPr/>
-        <p:txBody>
-          <a:bodyPr>
-            <a:normAutofit/>
-          </a:bodyPr>
-          <a:lstStyle/>
-          <a:p>
-            <a:r>
-              <a:rPr lang="en-US" sz="4800" dirty="0"/>
-              <a:t>Any question?</a:t>
-            </a:r>
-          </a:p>
-        </p:txBody>
-      </p:sp>
-      <p:sp>
-        <p:nvSpPr>
-          <p:cNvPr id="8" name="Slide Number Placeholder 7">
-            <a:extLst>
-              <a:ext uri="{FF2B5EF4-FFF2-40B4-BE49-F238E27FC236}">
-                <a16:creationId xmlns:a16="http://schemas.microsoft.com/office/drawing/2014/main" id="{8F44A959-C2BB-9170-C99C-1A2EDB71B994}"/>
-              </a:ext>
-            </a:extLst>
-          </p:cNvPr>
-          <p:cNvSpPr>
-            <a:spLocks noGrp="1"/>
-          </p:cNvSpPr>
-          <p:nvPr>
-            <p:ph type="sldNum" sz="quarter" idx="12"/>
-          </p:nvPr>
-        </p:nvSpPr>
-        <p:spPr/>
-        <p:txBody>
-          <a:bodyPr/>
-          <a:lstStyle/>
-          <a:p>
-            <a:fld id="{A49DFD55-3C28-40EF-9E31-A92D2E4017FF}" type="slidenum">
-              <a:rPr lang="en-US" smtClean="0"/>
-              <a:pPr/>
-              <a:t>9</a:t>
-            </a:fld>
-            <a:endParaRPr lang="en-US" dirty="0"/>
-          </a:p>
-        </p:txBody>
-      </p:sp>
-    </p:spTree>
-    <p:extLst>
-      <p:ext uri="{BB962C8B-B14F-4D97-AF65-F5344CB8AC3E}">
-        <p14:creationId xmlns:p14="http://schemas.microsoft.com/office/powerpoint/2010/main" val="103458723"/>
-      </p:ext>
-    </p:extLst>
-  </p:cSld>
-  <p:clrMapOvr>
-    <a:masterClrMapping/>
-  </p:clrMapOvr>
-  <mc:AlternateContent xmlns:mc="http://schemas.openxmlformats.org/markup-compatibility/2006">
-    <mc:Choice xmlns:p14="http://schemas.microsoft.com/office/powerpoint/2010/main" Requires="p14">
-      <p:transition spd="slow" p14:dur="1250">
-        <p14:flip dir="r"/>
-      </p:transition>
-    </mc:Choice>
-    <mc:Fallback>
-      <p:transition spd="slow">
-        <p:fade/>
-      </p:transition>
-    </mc:Fallback>
-  </mc:AlternateContent>
 </p:sld>
 </file>
 
@@ -12381,15 +13484,6 @@
 </file>
 
 <file path=customXml/item1.xml><?xml version="1.0" encoding="utf-8"?>
-<?mso-contentType ?>
-<FormTemplates xmlns="http://schemas.microsoft.com/sharepoint/v3/contenttype/forms">
-  <Display>DocumentLibraryForm</Display>
-  <Edit>DocumentLibraryForm</Edit>
-  <New>DocumentLibraryForm</New>
-</FormTemplates>
-</file>
-
-<file path=customXml/item2.xml><?xml version="1.0" encoding="utf-8"?>
 <ct:contentTypeSchema xmlns:ct="http://schemas.microsoft.com/office/2006/metadata/contentType" xmlns:ma="http://schemas.microsoft.com/office/2006/metadata/properties/metaAttributes" ct:_="" ma:_="" ma:contentTypeName="Document" ma:contentTypeID="0x01010079F111ED35F8CC479449609E8A0923A6" ma:contentTypeVersion="28" ma:contentTypeDescription="Create a new document." ma:contentTypeScope="" ma:versionID="60f5a4f2d2b0abadcf532d48ebf9cb71">
   <xsd:schema xmlns:xsd="http://www.w3.org/2001/XMLSchema" xmlns:xs="http://www.w3.org/2001/XMLSchema" xmlns:p="http://schemas.microsoft.com/office/2006/metadata/properties" xmlns:ns1="http://schemas.microsoft.com/sharepoint/v3" xmlns:ns2="71af3243-3dd4-4a8d-8c0d-dd76da1f02a5" xmlns:ns3="16c05727-aa75-4e4a-9b5f-8a80a1165891" xmlns:ns4="230e9df3-be65-4c73-a93b-d1236ebd677e" targetNamespace="http://schemas.microsoft.com/office/2006/metadata/properties" ma:root="true" ma:fieldsID="7dd78129e6a1811f84807ad11c651531" ns1:_="" ns2:_="" ns3:_="" ns4:_="">
     <xsd:import namespace="http://schemas.microsoft.com/sharepoint/v3"/>
@@ -12701,6 +13795,15 @@
 </ct:contentTypeSchema>
 </file>
 
+<file path=customXml/item2.xml><?xml version="1.0" encoding="utf-8"?>
+<?mso-contentType ?>
+<FormTemplates xmlns="http://schemas.microsoft.com/sharepoint/v3/contenttype/forms">
+  <Display>DocumentLibraryForm</Display>
+  <Edit>DocumentLibraryForm</Edit>
+  <New>DocumentLibraryForm</New>
+</FormTemplates>
+</file>
+
 <file path=customXml/item3.xml><?xml version="1.0" encoding="utf-8"?>
 <p:properties xmlns:p="http://schemas.microsoft.com/office/2006/metadata/properties" xmlns:xsi="http://www.w3.org/2001/XMLSchema-instance" xmlns:pc="http://schemas.microsoft.com/office/infopath/2007/PartnerControls">
   <documentManagement>
@@ -12722,14 +13825,6 @@
 </file>
 
 <file path=customXml/itemProps1.xml><?xml version="1.0" encoding="utf-8"?>
-<ds:datastoreItem xmlns:ds="http://schemas.openxmlformats.org/officeDocument/2006/customXml" ds:itemID="{CABF691C-888B-4061-8A6F-D5CE84A0254B}">
-  <ds:schemaRefs>
-    <ds:schemaRef ds:uri="http://schemas.microsoft.com/sharepoint/v3/contenttype/forms"/>
-  </ds:schemaRefs>
-</ds:datastoreItem>
-</file>
-
-<file path=customXml/itemProps2.xml><?xml version="1.0" encoding="utf-8"?>
 <ds:datastoreItem xmlns:ds="http://schemas.openxmlformats.org/officeDocument/2006/customXml" ds:itemID="{5EDE3176-A15D-46A3-BDDB-64A0D7363224}">
   <ds:schemaRefs>
     <ds:schemaRef ds:uri="http://schemas.microsoft.com/office/2006/metadata/contentType"/>
@@ -12750,6 +13845,14 @@
 </ds:datastoreItem>
 </file>
 
+<file path=customXml/itemProps2.xml><?xml version="1.0" encoding="utf-8"?>
+<ds:datastoreItem xmlns:ds="http://schemas.openxmlformats.org/officeDocument/2006/customXml" ds:itemID="{CABF691C-888B-4061-8A6F-D5CE84A0254B}">
+  <ds:schemaRefs>
+    <ds:schemaRef ds:uri="http://schemas.microsoft.com/sharepoint/v3/contenttype/forms"/>
+  </ds:schemaRefs>
+</ds:datastoreItem>
+</file>
+
 <file path=customXml/itemProps3.xml><?xml version="1.0" encoding="utf-8"?>
 <ds:datastoreItem xmlns:ds="http://schemas.openxmlformats.org/officeDocument/2006/customXml" ds:itemID="{49168DCE-134F-4610-A6AA-88CEBE8D71D2}">
   <ds:schemaRefs>
